--- a/Poster/Poster.pptx
+++ b/Poster/Poster.pptx
@@ -104,6 +104,11 @@
       </a:defRPr>
     </a:lvl9pPr>
   </p:defaultTextStyle>
+  <p:extLst>
+    <p:ext uri="{EFAFB233-063F-42B5-8137-9DF3F51BA10A}">
+      <p15:sldGuideLst xmlns:p15="http://schemas.microsoft.com/office/powerpoint/2012/main"/>
+    </p:ext>
+  </p:extLst>
 </p:presentation>
 </file>
 
@@ -117,6 +122,30 @@
 
 <file path=ppt/changesInfos/changesInfo1.xml><?xml version="1.0" encoding="utf-8"?>
 <pc:chgInfo xmlns:a="http://schemas.openxmlformats.org/drawingml/2006/main" xmlns:r="http://schemas.openxmlformats.org/officeDocument/2006/relationships" xmlns:ac="http://schemas.microsoft.com/office/drawing/2013/main/command" xmlns:pc="http://schemas.microsoft.com/office/powerpoint/2013/main/command">
+  <pc:docChgLst>
+    <pc:chgData name="Anne Versleijen" userId="82fb0e19-6272-4065-8698-a218790ab681" providerId="ADAL" clId="{3CCD2105-DC2F-4764-B8BF-69C241DCAADC}"/>
+    <pc:docChg chg="custSel modSld">
+      <pc:chgData name="Anne Versleijen" userId="82fb0e19-6272-4065-8698-a218790ab681" providerId="ADAL" clId="{3CCD2105-DC2F-4764-B8BF-69C241DCAADC}" dt="2023-04-15T08:27:53.550" v="75" actId="20577"/>
+      <pc:docMkLst>
+        <pc:docMk/>
+      </pc:docMkLst>
+      <pc:sldChg chg="modSp mod">
+        <pc:chgData name="Anne Versleijen" userId="82fb0e19-6272-4065-8698-a218790ab681" providerId="ADAL" clId="{3CCD2105-DC2F-4764-B8BF-69C241DCAADC}" dt="2023-04-15T08:27:53.550" v="75" actId="20577"/>
+        <pc:sldMkLst>
+          <pc:docMk/>
+          <pc:sldMk cId="4122528354" sldId="257"/>
+        </pc:sldMkLst>
+        <pc:spChg chg="mod">
+          <ac:chgData name="Anne Versleijen" userId="82fb0e19-6272-4065-8698-a218790ab681" providerId="ADAL" clId="{3CCD2105-DC2F-4764-B8BF-69C241DCAADC}" dt="2023-04-15T08:27:53.550" v="75" actId="20577"/>
+          <ac:spMkLst>
+            <pc:docMk/>
+            <pc:sldMk cId="4122528354" sldId="257"/>
+            <ac:spMk id="17" creationId="{F30E2FA8-E572-0331-BD1F-3E20EA69F325}"/>
+          </ac:spMkLst>
+        </pc:spChg>
+      </pc:sldChg>
+    </pc:docChg>
+  </pc:docChgLst>
   <pc:docChgLst>
     <pc:chgData name="Anne Versleijen" userId="82fb0e19-6272-4065-8698-a218790ab681" providerId="ADAL" clId="{5A563461-806C-408C-9B33-29D1F56EEA5F}"/>
     <pc:docChg chg="undo custSel addSld delSld modSld">
@@ -969,7 +998,7 @@
           <a:p>
             <a:fld id="{207FE49C-52BE-48D3-BA01-22E72B34DE45}" type="datetimeFigureOut">
               <a:rPr lang="nl-NL" smtClean="0"/>
-              <a:t>14-4-2023</a:t>
+              <a:t>15-4-2023</a:t>
             </a:fld>
             <a:endParaRPr lang="nl-NL"/>
           </a:p>
@@ -1139,7 +1168,7 @@
           <a:p>
             <a:fld id="{207FE49C-52BE-48D3-BA01-22E72B34DE45}" type="datetimeFigureOut">
               <a:rPr lang="nl-NL" smtClean="0"/>
-              <a:t>14-4-2023</a:t>
+              <a:t>15-4-2023</a:t>
             </a:fld>
             <a:endParaRPr lang="nl-NL"/>
           </a:p>
@@ -1319,7 +1348,7 @@
           <a:p>
             <a:fld id="{207FE49C-52BE-48D3-BA01-22E72B34DE45}" type="datetimeFigureOut">
               <a:rPr lang="nl-NL" smtClean="0"/>
-              <a:t>14-4-2023</a:t>
+              <a:t>15-4-2023</a:t>
             </a:fld>
             <a:endParaRPr lang="nl-NL"/>
           </a:p>
@@ -1489,7 +1518,7 @@
           <a:p>
             <a:fld id="{207FE49C-52BE-48D3-BA01-22E72B34DE45}" type="datetimeFigureOut">
               <a:rPr lang="nl-NL" smtClean="0"/>
-              <a:t>14-4-2023</a:t>
+              <a:t>15-4-2023</a:t>
             </a:fld>
             <a:endParaRPr lang="nl-NL"/>
           </a:p>
@@ -1733,7 +1762,7 @@
           <a:p>
             <a:fld id="{207FE49C-52BE-48D3-BA01-22E72B34DE45}" type="datetimeFigureOut">
               <a:rPr lang="nl-NL" smtClean="0"/>
-              <a:t>14-4-2023</a:t>
+              <a:t>15-4-2023</a:t>
             </a:fld>
             <a:endParaRPr lang="nl-NL"/>
           </a:p>
@@ -1965,7 +1994,7 @@
           <a:p>
             <a:fld id="{207FE49C-52BE-48D3-BA01-22E72B34DE45}" type="datetimeFigureOut">
               <a:rPr lang="nl-NL" smtClean="0"/>
-              <a:t>14-4-2023</a:t>
+              <a:t>15-4-2023</a:t>
             </a:fld>
             <a:endParaRPr lang="nl-NL"/>
           </a:p>
@@ -2332,7 +2361,7 @@
           <a:p>
             <a:fld id="{207FE49C-52BE-48D3-BA01-22E72B34DE45}" type="datetimeFigureOut">
               <a:rPr lang="nl-NL" smtClean="0"/>
-              <a:t>14-4-2023</a:t>
+              <a:t>15-4-2023</a:t>
             </a:fld>
             <a:endParaRPr lang="nl-NL"/>
           </a:p>
@@ -2450,7 +2479,7 @@
           <a:p>
             <a:fld id="{207FE49C-52BE-48D3-BA01-22E72B34DE45}" type="datetimeFigureOut">
               <a:rPr lang="nl-NL" smtClean="0"/>
-              <a:t>14-4-2023</a:t>
+              <a:t>15-4-2023</a:t>
             </a:fld>
             <a:endParaRPr lang="nl-NL"/>
           </a:p>
@@ -2545,7 +2574,7 @@
           <a:p>
             <a:fld id="{207FE49C-52BE-48D3-BA01-22E72B34DE45}" type="datetimeFigureOut">
               <a:rPr lang="nl-NL" smtClean="0"/>
-              <a:t>14-4-2023</a:t>
+              <a:t>15-4-2023</a:t>
             </a:fld>
             <a:endParaRPr lang="nl-NL"/>
           </a:p>
@@ -2822,7 +2851,7 @@
           <a:p>
             <a:fld id="{207FE49C-52BE-48D3-BA01-22E72B34DE45}" type="datetimeFigureOut">
               <a:rPr lang="nl-NL" smtClean="0"/>
-              <a:t>14-4-2023</a:t>
+              <a:t>15-4-2023</a:t>
             </a:fld>
             <a:endParaRPr lang="nl-NL"/>
           </a:p>
@@ -3079,7 +3108,7 @@
           <a:p>
             <a:fld id="{207FE49C-52BE-48D3-BA01-22E72B34DE45}" type="datetimeFigureOut">
               <a:rPr lang="nl-NL" smtClean="0"/>
-              <a:t>14-4-2023</a:t>
+              <a:t>15-4-2023</a:t>
             </a:fld>
             <a:endParaRPr lang="nl-NL"/>
           </a:p>
@@ -3292,7 +3321,7 @@
           <a:p>
             <a:fld id="{207FE49C-52BE-48D3-BA01-22E72B34DE45}" type="datetimeFigureOut">
               <a:rPr lang="nl-NL" smtClean="0"/>
-              <a:t>14-4-2023</a:t>
+              <a:t>15-4-2023</a:t>
             </a:fld>
             <a:endParaRPr lang="nl-NL"/>
           </a:p>
@@ -4156,19 +4185,8 @@
                 <a:latin typeface="Arial" panose="020B0604020202020204" pitchFamily="34" charset="0"/>
                 <a:cs typeface="Arial" panose="020B0604020202020204" pitchFamily="34" charset="0"/>
               </a:rPr>
-              <a:t>Next to this, the distributed model under estimates the discharge during snowfall. The data is taken as average throughout the basin, but in practice it is a heterogenic area. (plot where you can </a:t>
-            </a:r>
-            <a:r>
-              <a:rPr lang="en-GB" sz="2400">
-                <a:latin typeface="Arial" panose="020B0604020202020204" pitchFamily="34" charset="0"/>
-                <a:cs typeface="Arial" panose="020B0604020202020204" pitchFamily="34" charset="0"/>
-              </a:rPr>
-              <a:t>see this?)</a:t>
-            </a:r>
-            <a:endParaRPr lang="en-GB" sz="2400" dirty="0">
-              <a:latin typeface="Arial" panose="020B0604020202020204" pitchFamily="34" charset="0"/>
-              <a:cs typeface="Arial" panose="020B0604020202020204" pitchFamily="34" charset="0"/>
-            </a:endParaRPr>
+              <a:t>Next to this, the distributed model under estimates the discharge during snowfall. The data is taken as average throughout the basin, but in practice it is a heterogenic area. (plot where you can see this?)</a:t>
+            </a:r>
           </a:p>
           <a:p>
             <a:pPr algn="just"/>
@@ -4222,8 +4240,28 @@
                 <a:latin typeface="Arial" panose="020B0604020202020204" pitchFamily="34" charset="0"/>
                 <a:cs typeface="Arial" panose="020B0604020202020204" pitchFamily="34" charset="0"/>
               </a:rPr>
-              <a:t> it is remarkable. </a:t>
-            </a:r>
+              <a:t> it is remarkable. Because of large area </a:t>
+            </a:r>
+            <a:r>
+              <a:rPr lang="en-GB" sz="2400" dirty="0">
+                <a:latin typeface="Arial" panose="020B0604020202020204" pitchFamily="34" charset="0"/>
+                <a:cs typeface="Arial" panose="020B0604020202020204" pitchFamily="34" charset="0"/>
+                <a:sym typeface="Wingdings" panose="05000000000000000000" pitchFamily="2" charset="2"/>
+              </a:rPr>
+              <a:t> heterogeneity, average </a:t>
+            </a:r>
+            <a:r>
+              <a:rPr lang="en-GB" sz="2400">
+                <a:latin typeface="Arial" panose="020B0604020202020204" pitchFamily="34" charset="0"/>
+                <a:cs typeface="Arial" panose="020B0604020202020204" pitchFamily="34" charset="0"/>
+                <a:sym typeface="Wingdings" panose="05000000000000000000" pitchFamily="2" charset="2"/>
+              </a:rPr>
+              <a:t>is taken </a:t>
+            </a:r>
+            <a:endParaRPr lang="en-GB" sz="2400" dirty="0">
+              <a:latin typeface="Arial" panose="020B0604020202020204" pitchFamily="34" charset="0"/>
+              <a:cs typeface="Arial" panose="020B0604020202020204" pitchFamily="34" charset="0"/>
+            </a:endParaRPr>
           </a:p>
           <a:p>
             <a:pPr algn="just"/>
@@ -4264,8 +4302,15 @@
             </a:r>
           </a:p>
           <a:p>
-            <a:pPr algn="ctr"/>
-            <a:endParaRPr lang="nl-NL" sz="2400" b="1" u="sng" dirty="0">
+            <a:pPr algn="just"/>
+            <a:endParaRPr lang="en-GB" sz="2400" dirty="0">
+              <a:latin typeface="Arial" panose="020B0604020202020204" pitchFamily="34" charset="0"/>
+              <a:cs typeface="Arial" panose="020B0604020202020204" pitchFamily="34" charset="0"/>
+            </a:endParaRPr>
+          </a:p>
+          <a:p>
+            <a:pPr algn="just"/>
+            <a:endParaRPr lang="en-GB" sz="2400" dirty="0">
               <a:latin typeface="Arial" panose="020B0604020202020204" pitchFamily="34" charset="0"/>
               <a:cs typeface="Arial" panose="020B0604020202020204" pitchFamily="34" charset="0"/>
             </a:endParaRPr>

--- a/Poster/Poster.pptx
+++ b/Poster/Poster.pptx
@@ -104,6 +104,11 @@
       </a:defRPr>
     </a:lvl9pPr>
   </p:defaultTextStyle>
+  <p:extLst>
+    <p:ext uri="{EFAFB233-063F-42B5-8137-9DF3F51BA10A}">
+      <p15:sldGuideLst xmlns:p15="http://schemas.microsoft.com/office/powerpoint/2012/main"/>
+    </p:ext>
+  </p:extLst>
 </p:presentation>
 </file>
 
@@ -969,7 +974,7 @@
           <a:p>
             <a:fld id="{207FE49C-52BE-48D3-BA01-22E72B34DE45}" type="datetimeFigureOut">
               <a:rPr lang="nl-NL" smtClean="0"/>
-              <a:t>14-4-2023</a:t>
+              <a:t>15-4-2023</a:t>
             </a:fld>
             <a:endParaRPr lang="nl-NL"/>
           </a:p>
@@ -1011,7 +1016,7 @@
           <a:p>
             <a:fld id="{A8C721A8-0FC4-4D74-9D1D-FEFB5425F115}" type="slidenum">
               <a:rPr lang="nl-NL" smtClean="0"/>
-              <a:t>‹nr.›</a:t>
+              <a:t>‹#›</a:t>
             </a:fld>
             <a:endParaRPr lang="nl-NL"/>
           </a:p>
@@ -1139,7 +1144,7 @@
           <a:p>
             <a:fld id="{207FE49C-52BE-48D3-BA01-22E72B34DE45}" type="datetimeFigureOut">
               <a:rPr lang="nl-NL" smtClean="0"/>
-              <a:t>14-4-2023</a:t>
+              <a:t>15-4-2023</a:t>
             </a:fld>
             <a:endParaRPr lang="nl-NL"/>
           </a:p>
@@ -1181,7 +1186,7 @@
           <a:p>
             <a:fld id="{A8C721A8-0FC4-4D74-9D1D-FEFB5425F115}" type="slidenum">
               <a:rPr lang="nl-NL" smtClean="0"/>
-              <a:t>‹nr.›</a:t>
+              <a:t>‹#›</a:t>
             </a:fld>
             <a:endParaRPr lang="nl-NL"/>
           </a:p>
@@ -1319,7 +1324,7 @@
           <a:p>
             <a:fld id="{207FE49C-52BE-48D3-BA01-22E72B34DE45}" type="datetimeFigureOut">
               <a:rPr lang="nl-NL" smtClean="0"/>
-              <a:t>14-4-2023</a:t>
+              <a:t>15-4-2023</a:t>
             </a:fld>
             <a:endParaRPr lang="nl-NL"/>
           </a:p>
@@ -1361,7 +1366,7 @@
           <a:p>
             <a:fld id="{A8C721A8-0FC4-4D74-9D1D-FEFB5425F115}" type="slidenum">
               <a:rPr lang="nl-NL" smtClean="0"/>
-              <a:t>‹nr.›</a:t>
+              <a:t>‹#›</a:t>
             </a:fld>
             <a:endParaRPr lang="nl-NL"/>
           </a:p>
@@ -1489,7 +1494,7 @@
           <a:p>
             <a:fld id="{207FE49C-52BE-48D3-BA01-22E72B34DE45}" type="datetimeFigureOut">
               <a:rPr lang="nl-NL" smtClean="0"/>
-              <a:t>14-4-2023</a:t>
+              <a:t>15-4-2023</a:t>
             </a:fld>
             <a:endParaRPr lang="nl-NL"/>
           </a:p>
@@ -1531,7 +1536,7 @@
           <a:p>
             <a:fld id="{A8C721A8-0FC4-4D74-9D1D-FEFB5425F115}" type="slidenum">
               <a:rPr lang="nl-NL" smtClean="0"/>
-              <a:t>‹nr.›</a:t>
+              <a:t>‹#›</a:t>
             </a:fld>
             <a:endParaRPr lang="nl-NL"/>
           </a:p>
@@ -1733,7 +1738,7 @@
           <a:p>
             <a:fld id="{207FE49C-52BE-48D3-BA01-22E72B34DE45}" type="datetimeFigureOut">
               <a:rPr lang="nl-NL" smtClean="0"/>
-              <a:t>14-4-2023</a:t>
+              <a:t>15-4-2023</a:t>
             </a:fld>
             <a:endParaRPr lang="nl-NL"/>
           </a:p>
@@ -1775,7 +1780,7 @@
           <a:p>
             <a:fld id="{A8C721A8-0FC4-4D74-9D1D-FEFB5425F115}" type="slidenum">
               <a:rPr lang="nl-NL" smtClean="0"/>
-              <a:t>‹nr.›</a:t>
+              <a:t>‹#›</a:t>
             </a:fld>
             <a:endParaRPr lang="nl-NL"/>
           </a:p>
@@ -1965,7 +1970,7 @@
           <a:p>
             <a:fld id="{207FE49C-52BE-48D3-BA01-22E72B34DE45}" type="datetimeFigureOut">
               <a:rPr lang="nl-NL" smtClean="0"/>
-              <a:t>14-4-2023</a:t>
+              <a:t>15-4-2023</a:t>
             </a:fld>
             <a:endParaRPr lang="nl-NL"/>
           </a:p>
@@ -2007,7 +2012,7 @@
           <a:p>
             <a:fld id="{A8C721A8-0FC4-4D74-9D1D-FEFB5425F115}" type="slidenum">
               <a:rPr lang="nl-NL" smtClean="0"/>
-              <a:t>‹nr.›</a:t>
+              <a:t>‹#›</a:t>
             </a:fld>
             <a:endParaRPr lang="nl-NL"/>
           </a:p>
@@ -2332,7 +2337,7 @@
           <a:p>
             <a:fld id="{207FE49C-52BE-48D3-BA01-22E72B34DE45}" type="datetimeFigureOut">
               <a:rPr lang="nl-NL" smtClean="0"/>
-              <a:t>14-4-2023</a:t>
+              <a:t>15-4-2023</a:t>
             </a:fld>
             <a:endParaRPr lang="nl-NL"/>
           </a:p>
@@ -2374,7 +2379,7 @@
           <a:p>
             <a:fld id="{A8C721A8-0FC4-4D74-9D1D-FEFB5425F115}" type="slidenum">
               <a:rPr lang="nl-NL" smtClean="0"/>
-              <a:t>‹nr.›</a:t>
+              <a:t>‹#›</a:t>
             </a:fld>
             <a:endParaRPr lang="nl-NL"/>
           </a:p>
@@ -2450,7 +2455,7 @@
           <a:p>
             <a:fld id="{207FE49C-52BE-48D3-BA01-22E72B34DE45}" type="datetimeFigureOut">
               <a:rPr lang="nl-NL" smtClean="0"/>
-              <a:t>14-4-2023</a:t>
+              <a:t>15-4-2023</a:t>
             </a:fld>
             <a:endParaRPr lang="nl-NL"/>
           </a:p>
@@ -2492,7 +2497,7 @@
           <a:p>
             <a:fld id="{A8C721A8-0FC4-4D74-9D1D-FEFB5425F115}" type="slidenum">
               <a:rPr lang="nl-NL" smtClean="0"/>
-              <a:t>‹nr.›</a:t>
+              <a:t>‹#›</a:t>
             </a:fld>
             <a:endParaRPr lang="nl-NL"/>
           </a:p>
@@ -2545,7 +2550,7 @@
           <a:p>
             <a:fld id="{207FE49C-52BE-48D3-BA01-22E72B34DE45}" type="datetimeFigureOut">
               <a:rPr lang="nl-NL" smtClean="0"/>
-              <a:t>14-4-2023</a:t>
+              <a:t>15-4-2023</a:t>
             </a:fld>
             <a:endParaRPr lang="nl-NL"/>
           </a:p>
@@ -2587,7 +2592,7 @@
           <a:p>
             <a:fld id="{A8C721A8-0FC4-4D74-9D1D-FEFB5425F115}" type="slidenum">
               <a:rPr lang="nl-NL" smtClean="0"/>
-              <a:t>‹nr.›</a:t>
+              <a:t>‹#›</a:t>
             </a:fld>
             <a:endParaRPr lang="nl-NL"/>
           </a:p>
@@ -2822,7 +2827,7 @@
           <a:p>
             <a:fld id="{207FE49C-52BE-48D3-BA01-22E72B34DE45}" type="datetimeFigureOut">
               <a:rPr lang="nl-NL" smtClean="0"/>
-              <a:t>14-4-2023</a:t>
+              <a:t>15-4-2023</a:t>
             </a:fld>
             <a:endParaRPr lang="nl-NL"/>
           </a:p>
@@ -2864,7 +2869,7 @@
           <a:p>
             <a:fld id="{A8C721A8-0FC4-4D74-9D1D-FEFB5425F115}" type="slidenum">
               <a:rPr lang="nl-NL" smtClean="0"/>
-              <a:t>‹nr.›</a:t>
+              <a:t>‹#›</a:t>
             </a:fld>
             <a:endParaRPr lang="nl-NL"/>
           </a:p>
@@ -3079,7 +3084,7 @@
           <a:p>
             <a:fld id="{207FE49C-52BE-48D3-BA01-22E72B34DE45}" type="datetimeFigureOut">
               <a:rPr lang="nl-NL" smtClean="0"/>
-              <a:t>14-4-2023</a:t>
+              <a:t>15-4-2023</a:t>
             </a:fld>
             <a:endParaRPr lang="nl-NL"/>
           </a:p>
@@ -3121,7 +3126,7 @@
           <a:p>
             <a:fld id="{A8C721A8-0FC4-4D74-9D1D-FEFB5425F115}" type="slidenum">
               <a:rPr lang="nl-NL" smtClean="0"/>
-              <a:t>‹nr.›</a:t>
+              <a:t>‹#›</a:t>
             </a:fld>
             <a:endParaRPr lang="nl-NL"/>
           </a:p>
@@ -3292,7 +3297,7 @@
           <a:p>
             <a:fld id="{207FE49C-52BE-48D3-BA01-22E72B34DE45}" type="datetimeFigureOut">
               <a:rPr lang="nl-NL" smtClean="0"/>
-              <a:t>14-4-2023</a:t>
+              <a:t>15-4-2023</a:t>
             </a:fld>
             <a:endParaRPr lang="nl-NL"/>
           </a:p>
@@ -3370,7 +3375,7 @@
           <a:p>
             <a:fld id="{A8C721A8-0FC4-4D74-9D1D-FEFB5425F115}" type="slidenum">
               <a:rPr lang="nl-NL" smtClean="0"/>
-              <a:t>‹nr.›</a:t>
+              <a:t>‹#›</a:t>
             </a:fld>
             <a:endParaRPr lang="nl-NL"/>
           </a:p>
@@ -3961,7 +3966,21 @@
                 <a:latin typeface="Arial" panose="020B0604020202020204" pitchFamily="34" charset="0"/>
                 <a:cs typeface="Arial" panose="020B0604020202020204" pitchFamily="34" charset="0"/>
               </a:rPr>
-              <a:t>. </a:t>
+              <a:t> </a:t>
+            </a:r>
+            <a:r>
+              <a:rPr lang="nl-NL" sz="2400" dirty="0" err="1">
+                <a:latin typeface="Arial" panose="020B0604020202020204" pitchFamily="34" charset="0"/>
+                <a:cs typeface="Arial" panose="020B0604020202020204" pitchFamily="34" charset="0"/>
+              </a:rPr>
+              <a:t>which</a:t>
+            </a:r>
+            <a:r>
+              <a:rPr lang="nl-NL" sz="2400" dirty="0">
+                <a:latin typeface="Arial" panose="020B0604020202020204" pitchFamily="34" charset="0"/>
+                <a:cs typeface="Arial" panose="020B0604020202020204" pitchFamily="34" charset="0"/>
+              </a:rPr>
+              <a:t> matches Era5 well. </a:t>
             </a:r>
           </a:p>
           <a:p>
@@ -3971,7 +3990,7 @@
                 <a:latin typeface="Arial" panose="020B0604020202020204" pitchFamily="34" charset="0"/>
                 <a:cs typeface="Arial" panose="020B0604020202020204" pitchFamily="34" charset="0"/>
               </a:rPr>
-              <a:t>Discharge data is </a:t>
+              <a:t>Discharge station data is </a:t>
             </a:r>
             <a:r>
               <a:rPr lang="nl-NL" sz="2400" dirty="0" err="1">
@@ -4106,7 +4125,7 @@
         <p:spPr>
           <a:xfrm>
             <a:off x="31380369" y="4914899"/>
-            <a:ext cx="10018279" cy="8695655"/>
+            <a:ext cx="10018279" cy="6246403"/>
           </a:xfrm>
           <a:prstGeom prst="rect">
             <a:avLst/>
@@ -4156,19 +4175,8 @@
                 <a:latin typeface="Arial" panose="020B0604020202020204" pitchFamily="34" charset="0"/>
                 <a:cs typeface="Arial" panose="020B0604020202020204" pitchFamily="34" charset="0"/>
               </a:rPr>
-              <a:t>Next to this, the distributed model under estimates the discharge during snowfall. The data is taken as average throughout the basin, but in practice it is a heterogenic area. (plot where you can </a:t>
-            </a:r>
-            <a:r>
-              <a:rPr lang="en-GB" sz="2400">
-                <a:latin typeface="Arial" panose="020B0604020202020204" pitchFamily="34" charset="0"/>
-                <a:cs typeface="Arial" panose="020B0604020202020204" pitchFamily="34" charset="0"/>
-              </a:rPr>
-              <a:t>see this?)</a:t>
-            </a:r>
-            <a:endParaRPr lang="en-GB" sz="2400" dirty="0">
-              <a:latin typeface="Arial" panose="020B0604020202020204" pitchFamily="34" charset="0"/>
-              <a:cs typeface="Arial" panose="020B0604020202020204" pitchFamily="34" charset="0"/>
-            </a:endParaRPr>
+              <a:t>Next to this, the distributed model under estimates the discharge during snowfall. The data is taken as average throughout the basin, but in practice it is a heterogenic area. (plot where you can see this?)</a:t>
+            </a:r>
           </a:p>
           <a:p>
             <a:pPr algn="just"/>
@@ -4453,6 +4461,189 @@
               </a:rPr>
               <a:t>compensate</a:t>
             </a:r>
+            <a:endParaRPr lang="nl-NL" sz="2400" b="1" u="sng" dirty="0">
+              <a:latin typeface="Arial" panose="020B0604020202020204" pitchFamily="34" charset="0"/>
+              <a:cs typeface="Arial" panose="020B0604020202020204" pitchFamily="34" charset="0"/>
+              <a:sym typeface="Wingdings" panose="05000000000000000000" pitchFamily="2" charset="2"/>
+            </a:endParaRPr>
+          </a:p>
+          <a:p>
+            <a:pPr marL="685800" indent="-685800" algn="ctr">
+              <a:buFontTx/>
+              <a:buChar char="-"/>
+            </a:pPr>
+            <a:endParaRPr lang="nl-NL" sz="2400" b="1" u="sng" dirty="0">
+              <a:latin typeface="Arial" panose="020B0604020202020204" pitchFamily="34" charset="0"/>
+              <a:cs typeface="Arial" panose="020B0604020202020204" pitchFamily="34" charset="0"/>
+              <a:sym typeface="Wingdings" panose="05000000000000000000" pitchFamily="2" charset="2"/>
+            </a:endParaRPr>
+          </a:p>
+          <a:p>
+            <a:pPr marL="685800" indent="-685800" algn="ctr">
+              <a:buFontTx/>
+              <a:buChar char="-"/>
+            </a:pPr>
+            <a:endParaRPr lang="nl-NL" sz="2400" b="1" u="sng" dirty="0">
+              <a:latin typeface="Arial" panose="020B0604020202020204" pitchFamily="34" charset="0"/>
+              <a:cs typeface="Arial" panose="020B0604020202020204" pitchFamily="34" charset="0"/>
+              <a:sym typeface="Wingdings" panose="05000000000000000000" pitchFamily="2" charset="2"/>
+            </a:endParaRPr>
+          </a:p>
+          <a:p>
+            <a:pPr marL="685800" indent="-685800" algn="ctr">
+              <a:buFontTx/>
+              <a:buChar char="-"/>
+            </a:pPr>
+            <a:endParaRPr lang="nl-NL" sz="2400" b="1" u="sng" dirty="0">
+              <a:latin typeface="Arial" panose="020B0604020202020204" pitchFamily="34" charset="0"/>
+              <a:cs typeface="Arial" panose="020B0604020202020204" pitchFamily="34" charset="0"/>
+              <a:sym typeface="Wingdings" panose="05000000000000000000" pitchFamily="2" charset="2"/>
+            </a:endParaRPr>
+          </a:p>
+          <a:p>
+            <a:pPr algn="ctr"/>
+            <a:endParaRPr lang="nl-NL" sz="2400" b="1" u="sng" dirty="0">
+              <a:latin typeface="Arial" panose="020B0604020202020204" pitchFamily="34" charset="0"/>
+              <a:cs typeface="Arial" panose="020B0604020202020204" pitchFamily="34" charset="0"/>
+              <a:sym typeface="Wingdings" panose="05000000000000000000" pitchFamily="2" charset="2"/>
+            </a:endParaRPr>
+          </a:p>
+          <a:p>
+            <a:pPr algn="ctr"/>
+            <a:endParaRPr lang="nl-NL" sz="2400" b="1" u="sng" dirty="0">
+              <a:latin typeface="Arial" panose="020B0604020202020204" pitchFamily="34" charset="0"/>
+              <a:cs typeface="Arial" panose="020B0604020202020204" pitchFamily="34" charset="0"/>
+              <a:sym typeface="Wingdings" panose="05000000000000000000" pitchFamily="2" charset="2"/>
+            </a:endParaRPr>
+          </a:p>
+          <a:p>
+            <a:pPr algn="ctr"/>
+            <a:endParaRPr lang="nl-NL" sz="2400" b="1" u="sng" dirty="0">
+              <a:latin typeface="Arial" panose="020B0604020202020204" pitchFamily="34" charset="0"/>
+              <a:cs typeface="Arial" panose="020B0604020202020204" pitchFamily="34" charset="0"/>
+              <a:sym typeface="Wingdings" panose="05000000000000000000" pitchFamily="2" charset="2"/>
+            </a:endParaRPr>
+          </a:p>
+          <a:p>
+            <a:pPr algn="ctr"/>
+            <a:endParaRPr lang="nl-NL" sz="2400" b="1" u="sng" dirty="0">
+              <a:latin typeface="Arial" panose="020B0604020202020204" pitchFamily="34" charset="0"/>
+              <a:cs typeface="Arial" panose="020B0604020202020204" pitchFamily="34" charset="0"/>
+              <a:sym typeface="Wingdings" panose="05000000000000000000" pitchFamily="2" charset="2"/>
+            </a:endParaRPr>
+          </a:p>
+          <a:p>
+            <a:pPr algn="ctr"/>
+            <a:endParaRPr lang="nl-NL" sz="2400" b="1" u="sng" dirty="0">
+              <a:latin typeface="Arial" panose="020B0604020202020204" pitchFamily="34" charset="0"/>
+              <a:cs typeface="Arial" panose="020B0604020202020204" pitchFamily="34" charset="0"/>
+              <a:sym typeface="Wingdings" panose="05000000000000000000" pitchFamily="2" charset="2"/>
+            </a:endParaRPr>
+          </a:p>
+          <a:p>
+            <a:pPr algn="ctr"/>
+            <a:endParaRPr lang="nl-NL" sz="2400" b="1" u="sng" dirty="0">
+              <a:latin typeface="Arial" panose="020B0604020202020204" pitchFamily="34" charset="0"/>
+              <a:cs typeface="Arial" panose="020B0604020202020204" pitchFamily="34" charset="0"/>
+              <a:sym typeface="Wingdings" panose="05000000000000000000" pitchFamily="2" charset="2"/>
+            </a:endParaRPr>
+          </a:p>
+          <a:p>
+            <a:pPr algn="ctr"/>
+            <a:endParaRPr lang="nl-NL" sz="2400" b="1" u="sng" dirty="0">
+              <a:latin typeface="Arial" panose="020B0604020202020204" pitchFamily="34" charset="0"/>
+              <a:cs typeface="Arial" panose="020B0604020202020204" pitchFamily="34" charset="0"/>
+              <a:sym typeface="Wingdings" panose="05000000000000000000" pitchFamily="2" charset="2"/>
+            </a:endParaRPr>
+          </a:p>
+          <a:p>
+            <a:pPr algn="ctr"/>
+            <a:endParaRPr lang="nl-NL" sz="2400" b="1" u="sng" dirty="0">
+              <a:latin typeface="Arial" panose="020B0604020202020204" pitchFamily="34" charset="0"/>
+              <a:cs typeface="Arial" panose="020B0604020202020204" pitchFamily="34" charset="0"/>
+              <a:sym typeface="Wingdings" panose="05000000000000000000" pitchFamily="2" charset="2"/>
+            </a:endParaRPr>
+          </a:p>
+          <a:p>
+            <a:pPr algn="ctr"/>
+            <a:endParaRPr lang="nl-NL" sz="2400" b="1" u="sng" dirty="0">
+              <a:latin typeface="Arial" panose="020B0604020202020204" pitchFamily="34" charset="0"/>
+              <a:cs typeface="Arial" panose="020B0604020202020204" pitchFamily="34" charset="0"/>
+              <a:sym typeface="Wingdings" panose="05000000000000000000" pitchFamily="2" charset="2"/>
+            </a:endParaRPr>
+          </a:p>
+          <a:p>
+            <a:pPr algn="ctr"/>
+            <a:endParaRPr lang="nl-NL" sz="2400" b="1" u="sng" dirty="0">
+              <a:latin typeface="Arial" panose="020B0604020202020204" pitchFamily="34" charset="0"/>
+              <a:cs typeface="Arial" panose="020B0604020202020204" pitchFamily="34" charset="0"/>
+              <a:sym typeface="Wingdings" panose="05000000000000000000" pitchFamily="2" charset="2"/>
+            </a:endParaRPr>
+          </a:p>
+          <a:p>
+            <a:pPr algn="ctr"/>
+            <a:endParaRPr lang="nl-NL" sz="2400" b="1" u="sng" dirty="0">
+              <a:latin typeface="Arial" panose="020B0604020202020204" pitchFamily="34" charset="0"/>
+              <a:cs typeface="Arial" panose="020B0604020202020204" pitchFamily="34" charset="0"/>
+              <a:sym typeface="Wingdings" panose="05000000000000000000" pitchFamily="2" charset="2"/>
+            </a:endParaRPr>
+          </a:p>
+          <a:p>
+            <a:pPr algn="ctr"/>
+            <a:endParaRPr lang="nl-NL" sz="2400" b="1" u="sng" dirty="0">
+              <a:latin typeface="Arial" panose="020B0604020202020204" pitchFamily="34" charset="0"/>
+              <a:cs typeface="Arial" panose="020B0604020202020204" pitchFamily="34" charset="0"/>
+              <a:sym typeface="Wingdings" panose="05000000000000000000" pitchFamily="2" charset="2"/>
+            </a:endParaRPr>
+          </a:p>
+          <a:p>
+            <a:pPr algn="ctr"/>
+            <a:endParaRPr lang="nl-NL" sz="2400" b="1" u="sng" dirty="0">
+              <a:latin typeface="Arial" panose="020B0604020202020204" pitchFamily="34" charset="0"/>
+              <a:cs typeface="Arial" panose="020B0604020202020204" pitchFamily="34" charset="0"/>
+              <a:sym typeface="Wingdings" panose="05000000000000000000" pitchFamily="2" charset="2"/>
+            </a:endParaRPr>
+          </a:p>
+          <a:p>
+            <a:pPr algn="ctr"/>
+            <a:endParaRPr lang="nl-NL" sz="2400" b="1" u="sng" dirty="0">
+              <a:latin typeface="Arial" panose="020B0604020202020204" pitchFamily="34" charset="0"/>
+              <a:cs typeface="Arial" panose="020B0604020202020204" pitchFamily="34" charset="0"/>
+              <a:sym typeface="Wingdings" panose="05000000000000000000" pitchFamily="2" charset="2"/>
+            </a:endParaRPr>
+          </a:p>
+          <a:p>
+            <a:pPr algn="ctr"/>
+            <a:endParaRPr lang="nl-NL" sz="2400" b="1" u="sng" dirty="0">
+              <a:latin typeface="Arial" panose="020B0604020202020204" pitchFamily="34" charset="0"/>
+              <a:cs typeface="Arial" panose="020B0604020202020204" pitchFamily="34" charset="0"/>
+              <a:sym typeface="Wingdings" panose="05000000000000000000" pitchFamily="2" charset="2"/>
+            </a:endParaRPr>
+          </a:p>
+          <a:p>
+            <a:pPr algn="ctr"/>
+            <a:endParaRPr lang="nl-NL" sz="2400" b="1" u="sng" dirty="0">
+              <a:latin typeface="Arial" panose="020B0604020202020204" pitchFamily="34" charset="0"/>
+              <a:cs typeface="Arial" panose="020B0604020202020204" pitchFamily="34" charset="0"/>
+              <a:sym typeface="Wingdings" panose="05000000000000000000" pitchFamily="2" charset="2"/>
+            </a:endParaRPr>
+          </a:p>
+          <a:p>
+            <a:pPr marL="685800" indent="-685800" algn="ctr">
+              <a:buFontTx/>
+              <a:buChar char="-"/>
+            </a:pPr>
+            <a:endParaRPr lang="nl-NL" sz="2400" b="1" u="sng" dirty="0">
+              <a:latin typeface="Arial" panose="020B0604020202020204" pitchFamily="34" charset="0"/>
+              <a:cs typeface="Arial" panose="020B0604020202020204" pitchFamily="34" charset="0"/>
+              <a:sym typeface="Wingdings" panose="05000000000000000000" pitchFamily="2" charset="2"/>
+            </a:endParaRPr>
+          </a:p>
+          <a:p>
+            <a:pPr marL="685800" indent="-685800" algn="ctr">
+              <a:buFontTx/>
+              <a:buChar char="-"/>
+            </a:pPr>
             <a:endParaRPr lang="nl-NL" sz="2400" b="1" u="sng" dirty="0">
               <a:latin typeface="Arial" panose="020B0604020202020204" pitchFamily="34" charset="0"/>
               <a:cs typeface="Arial" panose="020B0604020202020204" pitchFamily="34" charset="0"/>
@@ -4963,7 +5154,7 @@
         <p:spPr>
           <a:xfrm>
             <a:off x="2096851" y="8397761"/>
-            <a:ext cx="9940415" cy="5212794"/>
+            <a:ext cx="9940415" cy="1567872"/>
           </a:xfrm>
           <a:prstGeom prst="rect">
             <a:avLst/>
@@ -6184,7 +6375,7 @@
         </p:blipFill>
         <p:spPr>
           <a:xfrm>
-            <a:off x="14402381" y="10940725"/>
+            <a:off x="14402381" y="14008394"/>
             <a:ext cx="14069115" cy="14069115"/>
           </a:xfrm>
           <a:prstGeom prst="rect">
@@ -6270,7 +6461,7 @@
         </p:nvSpPr>
         <p:spPr>
           <a:xfrm>
-            <a:off x="12890055" y="7483228"/>
+            <a:off x="12890055" y="10550897"/>
             <a:ext cx="16806366" cy="814519"/>
           </a:xfrm>
           <a:prstGeom prst="rect">
@@ -6337,7 +6528,7 @@
         </p:nvSpPr>
         <p:spPr>
           <a:xfrm>
-            <a:off x="12998697" y="8570472"/>
+            <a:off x="12998697" y="11638141"/>
             <a:ext cx="16546989" cy="2097528"/>
           </a:xfrm>
           <a:prstGeom prst="rect">
@@ -6365,6 +6556,153 @@
           </a:p>
         </p:txBody>
       </p:sp>
+      <p:pic>
+        <p:nvPicPr>
+          <p:cNvPr id="7" name="Picture 6" descr="Map&#10;&#10;Description automatically generated">
+            <a:extLst>
+              <a:ext uri="{FF2B5EF4-FFF2-40B4-BE49-F238E27FC236}">
+                <a16:creationId xmlns:a16="http://schemas.microsoft.com/office/drawing/2014/main" id="{C5836706-27F9-E918-9C36-6651B0492623}"/>
+              </a:ext>
+            </a:extLst>
+          </p:cNvPr>
+          <p:cNvPicPr>
+            <a:picLocks noChangeAspect="1"/>
+          </p:cNvPicPr>
+          <p:nvPr/>
+        </p:nvPicPr>
+        <p:blipFill>
+          <a:blip r:embed="rId6">
+            <a:extLst>
+              <a:ext uri="{28A0092B-C50C-407E-A947-70E740481C1C}">
+                <a14:useLocalDpi xmlns:a14="http://schemas.microsoft.com/office/drawing/2010/main" val="0"/>
+              </a:ext>
+            </a:extLst>
+          </a:blip>
+          <a:stretch>
+            <a:fillRect/>
+          </a:stretch>
+        </p:blipFill>
+        <p:spPr>
+          <a:xfrm>
+            <a:off x="32009929" y="13866428"/>
+            <a:ext cx="9388719" cy="7041539"/>
+          </a:xfrm>
+          <a:prstGeom prst="rect">
+            <a:avLst/>
+          </a:prstGeom>
+        </p:spPr>
+      </p:pic>
+      <p:sp>
+        <p:nvSpPr>
+          <p:cNvPr id="11" name="Tekstvak 9">
+            <a:extLst>
+              <a:ext uri="{FF2B5EF4-FFF2-40B4-BE49-F238E27FC236}">
+                <a16:creationId xmlns:a16="http://schemas.microsoft.com/office/drawing/2014/main" id="{2B8E93C6-F9F5-6B98-6EE5-C63022EE6BB2}"/>
+              </a:ext>
+            </a:extLst>
+          </p:cNvPr>
+          <p:cNvSpPr txBox="1"/>
+          <p:nvPr/>
+        </p:nvSpPr>
+        <p:spPr>
+          <a:xfrm>
+            <a:off x="5373226" y="12350876"/>
+            <a:ext cx="9940415" cy="1567872"/>
+          </a:xfrm>
+          <a:prstGeom prst="rect">
+            <a:avLst/>
+          </a:prstGeom>
+          <a:noFill/>
+          <a:ln>
+            <a:noFill/>
+          </a:ln>
+        </p:spPr>
+        <p:txBody>
+          <a:bodyPr wrap="square" numCol="1" rtlCol="0">
+            <a:noAutofit/>
+          </a:bodyPr>
+          <a:lstStyle/>
+          <a:p>
+            <a:pPr algn="just"/>
+            <a:r>
+              <a:rPr lang="nl-NL" sz="2400" dirty="0" err="1">
+                <a:highlight>
+                  <a:srgbClr val="FFFF00"/>
+                </a:highlight>
+                <a:latin typeface="Arial" panose="020B0604020202020204" pitchFamily="34" charset="0"/>
+                <a:cs typeface="Arial" panose="020B0604020202020204" pitchFamily="34" charset="0"/>
+              </a:rPr>
+              <a:t>To</a:t>
+            </a:r>
+            <a:r>
+              <a:rPr lang="nl-NL" sz="2400" dirty="0">
+                <a:highlight>
+                  <a:srgbClr val="FFFF00"/>
+                </a:highlight>
+                <a:latin typeface="Arial" panose="020B0604020202020204" pitchFamily="34" charset="0"/>
+                <a:cs typeface="Arial" panose="020B0604020202020204" pitchFamily="34" charset="0"/>
+              </a:rPr>
+              <a:t> do: </a:t>
+            </a:r>
+            <a:r>
+              <a:rPr lang="nl-NL" sz="2400" dirty="0" err="1">
+                <a:highlight>
+                  <a:srgbClr val="FFFF00"/>
+                </a:highlight>
+                <a:latin typeface="Arial" panose="020B0604020202020204" pitchFamily="34" charset="0"/>
+                <a:cs typeface="Arial" panose="020B0604020202020204" pitchFamily="34" charset="0"/>
+              </a:rPr>
+              <a:t>replace</a:t>
+            </a:r>
+            <a:r>
+              <a:rPr lang="nl-NL" sz="2400" dirty="0">
+                <a:highlight>
+                  <a:srgbClr val="FFFF00"/>
+                </a:highlight>
+                <a:latin typeface="Arial" panose="020B0604020202020204" pitchFamily="34" charset="0"/>
+                <a:cs typeface="Arial" panose="020B0604020202020204" pitchFamily="34" charset="0"/>
+              </a:rPr>
+              <a:t> image</a:t>
+            </a:r>
+          </a:p>
+        </p:txBody>
+      </p:sp>
+      <p:pic>
+        <p:nvPicPr>
+          <p:cNvPr id="23" name="Picture 22" descr="A picture containing histogram&#10;&#10;Description automatically generated">
+            <a:extLst>
+              <a:ext uri="{FF2B5EF4-FFF2-40B4-BE49-F238E27FC236}">
+                <a16:creationId xmlns:a16="http://schemas.microsoft.com/office/drawing/2014/main" id="{ADE426D4-03FF-DDF0-53FD-62D6C8188B96}"/>
+              </a:ext>
+            </a:extLst>
+          </p:cNvPr>
+          <p:cNvPicPr>
+            <a:picLocks noChangeAspect="1"/>
+          </p:cNvPicPr>
+          <p:nvPr/>
+        </p:nvPicPr>
+        <p:blipFill>
+          <a:blip r:embed="rId7">
+            <a:extLst>
+              <a:ext uri="{28A0092B-C50C-407E-A947-70E740481C1C}">
+                <a14:useLocalDpi xmlns:a14="http://schemas.microsoft.com/office/drawing/2010/main" val="0"/>
+              </a:ext>
+            </a:extLst>
+          </a:blip>
+          <a:stretch>
+            <a:fillRect/>
+          </a:stretch>
+        </p:blipFill>
+        <p:spPr>
+          <a:xfrm>
+            <a:off x="13180547" y="6116939"/>
+            <a:ext cx="16068666" cy="4017167"/>
+          </a:xfrm>
+          <a:prstGeom prst="rect">
+            <a:avLst/>
+          </a:prstGeom>
+        </p:spPr>
+      </p:pic>
     </p:spTree>
     <p:extLst>
       <p:ext uri="{BB962C8B-B14F-4D97-AF65-F5344CB8AC3E}">

--- a/Poster/Poster.pptx
+++ b/Poster/Poster.pptx
@@ -116,12 +116,141 @@
 <p1510:revInfo xmlns:a="http://schemas.openxmlformats.org/drawingml/2006/main" xmlns:r="http://schemas.openxmlformats.org/officeDocument/2006/relationships" xmlns:p1510="http://schemas.microsoft.com/office/powerpoint/2015/10/main">
   <p1510:revLst>
     <p1510:client id="{5A563461-806C-408C-9B33-29D1F56EEA5F}" v="42" dt="2023-04-14T20:44:33.411"/>
+    <p1510:client id="{9A612CE6-B5F7-4238-B05D-8FFC9C8A4188}" v="4" dt="2023-04-15T18:32:19.256"/>
   </p1510:revLst>
 </p1510:revInfo>
 </file>
 
 <file path=ppt/changesInfos/changesInfo1.xml><?xml version="1.0" encoding="utf-8"?>
 <pc:chgInfo xmlns:a="http://schemas.openxmlformats.org/drawingml/2006/main" xmlns:r="http://schemas.openxmlformats.org/officeDocument/2006/relationships" xmlns:ac="http://schemas.microsoft.com/office/drawing/2013/main/command" xmlns:pc="http://schemas.microsoft.com/office/powerpoint/2013/main/command">
+  <pc:docChgLst>
+    <pc:chgData name="Anne Versleijen" userId="82fb0e19-6272-4065-8698-a218790ab681" providerId="ADAL" clId="{9A612CE6-B5F7-4238-B05D-8FFC9C8A4188}"/>
+    <pc:docChg chg="undo custSel modSld">
+      <pc:chgData name="Anne Versleijen" userId="82fb0e19-6272-4065-8698-a218790ab681" providerId="ADAL" clId="{9A612CE6-B5F7-4238-B05D-8FFC9C8A4188}" dt="2023-04-15T18:48:06.560" v="1366" actId="1036"/>
+      <pc:docMkLst>
+        <pc:docMk/>
+      </pc:docMkLst>
+      <pc:sldChg chg="addSp delSp modSp mod">
+        <pc:chgData name="Anne Versleijen" userId="82fb0e19-6272-4065-8698-a218790ab681" providerId="ADAL" clId="{9A612CE6-B5F7-4238-B05D-8FFC9C8A4188}" dt="2023-04-15T18:48:06.560" v="1366" actId="1036"/>
+        <pc:sldMkLst>
+          <pc:docMk/>
+          <pc:sldMk cId="4122528354" sldId="257"/>
+        </pc:sldMkLst>
+        <pc:spChg chg="mod">
+          <ac:chgData name="Anne Versleijen" userId="82fb0e19-6272-4065-8698-a218790ab681" providerId="ADAL" clId="{9A612CE6-B5F7-4238-B05D-8FFC9C8A4188}" dt="2023-04-15T18:26:04.822" v="389" actId="1076"/>
+          <ac:spMkLst>
+            <pc:docMk/>
+            <pc:sldMk cId="4122528354" sldId="257"/>
+            <ac:spMk id="8" creationId="{CA0B186D-E6D0-88B1-2450-CF87583BDE38}"/>
+          </ac:spMkLst>
+        </pc:spChg>
+        <pc:spChg chg="mod">
+          <ac:chgData name="Anne Versleijen" userId="82fb0e19-6272-4065-8698-a218790ab681" providerId="ADAL" clId="{9A612CE6-B5F7-4238-B05D-8FFC9C8A4188}" dt="2023-04-15T18:25:51.121" v="386" actId="1036"/>
+          <ac:spMkLst>
+            <pc:docMk/>
+            <pc:sldMk cId="4122528354" sldId="257"/>
+            <ac:spMk id="10" creationId="{6F553846-8B10-5587-CDD7-9215ADFFC796}"/>
+          </ac:spMkLst>
+        </pc:spChg>
+        <pc:spChg chg="del">
+          <ac:chgData name="Anne Versleijen" userId="82fb0e19-6272-4065-8698-a218790ab681" providerId="ADAL" clId="{9A612CE6-B5F7-4238-B05D-8FFC9C8A4188}" dt="2023-04-15T18:19:33.792" v="1" actId="478"/>
+          <ac:spMkLst>
+            <pc:docMk/>
+            <pc:sldMk cId="4122528354" sldId="257"/>
+            <ac:spMk id="11" creationId="{2B8E93C6-F9F5-6B98-6EE5-C63022EE6BB2}"/>
+          </ac:spMkLst>
+        </pc:spChg>
+        <pc:spChg chg="mod">
+          <ac:chgData name="Anne Versleijen" userId="82fb0e19-6272-4065-8698-a218790ab681" providerId="ADAL" clId="{9A612CE6-B5F7-4238-B05D-8FFC9C8A4188}" dt="2023-04-15T18:25:07.439" v="364" actId="14100"/>
+          <ac:spMkLst>
+            <pc:docMk/>
+            <pc:sldMk cId="4122528354" sldId="257"/>
+            <ac:spMk id="13" creationId="{8CE5ABF7-4463-87B7-7326-EF823C247F37}"/>
+          </ac:spMkLst>
+        </pc:spChg>
+        <pc:spChg chg="mod">
+          <ac:chgData name="Anne Versleijen" userId="82fb0e19-6272-4065-8698-a218790ab681" providerId="ADAL" clId="{9A612CE6-B5F7-4238-B05D-8FFC9C8A4188}" dt="2023-04-15T18:46:51.593" v="1321" actId="20577"/>
+          <ac:spMkLst>
+            <pc:docMk/>
+            <pc:sldMk cId="4122528354" sldId="257"/>
+            <ac:spMk id="16" creationId="{9787EA94-4CF8-BC7D-CFA7-1DE1950AE13E}"/>
+          </ac:spMkLst>
+        </pc:spChg>
+        <pc:spChg chg="add del mod">
+          <ac:chgData name="Anne Versleijen" userId="82fb0e19-6272-4065-8698-a218790ab681" providerId="ADAL" clId="{9A612CE6-B5F7-4238-B05D-8FFC9C8A4188}" dt="2023-04-15T18:28:50.742" v="716" actId="1036"/>
+          <ac:spMkLst>
+            <pc:docMk/>
+            <pc:sldMk cId="4122528354" sldId="257"/>
+            <ac:spMk id="20" creationId="{B86F8254-E121-77DD-5085-BA2B06BD60CD}"/>
+          </ac:spMkLst>
+        </pc:spChg>
+        <pc:spChg chg="add mod">
+          <ac:chgData name="Anne Versleijen" userId="82fb0e19-6272-4065-8698-a218790ab681" providerId="ADAL" clId="{9A612CE6-B5F7-4238-B05D-8FFC9C8A4188}" dt="2023-04-15T18:48:06.560" v="1366" actId="1036"/>
+          <ac:spMkLst>
+            <pc:docMk/>
+            <pc:sldMk cId="4122528354" sldId="257"/>
+            <ac:spMk id="21" creationId="{816E3285-BDAB-3C2E-ADA5-98A8917B08DA}"/>
+          </ac:spMkLst>
+        </pc:spChg>
+        <pc:spChg chg="add mod">
+          <ac:chgData name="Anne Versleijen" userId="82fb0e19-6272-4065-8698-a218790ab681" providerId="ADAL" clId="{9A612CE6-B5F7-4238-B05D-8FFC9C8A4188}" dt="2023-04-15T18:36:50.985" v="867" actId="1035"/>
+          <ac:spMkLst>
+            <pc:docMk/>
+            <pc:sldMk cId="4122528354" sldId="257"/>
+            <ac:spMk id="25" creationId="{CDF9FE4F-A640-DE05-7EED-9A4E23824C4E}"/>
+          </ac:spMkLst>
+        </pc:spChg>
+        <pc:spChg chg="mod">
+          <ac:chgData name="Anne Versleijen" userId="82fb0e19-6272-4065-8698-a218790ab681" providerId="ADAL" clId="{9A612CE6-B5F7-4238-B05D-8FFC9C8A4188}" dt="2023-04-15T18:32:02.143" v="721" actId="1076"/>
+          <ac:spMkLst>
+            <pc:docMk/>
+            <pc:sldMk cId="4122528354" sldId="257"/>
+            <ac:spMk id="29" creationId="{7B13B08F-0FAD-473D-F737-2090BBEB93F1}"/>
+          </ac:spMkLst>
+        </pc:spChg>
+        <pc:spChg chg="mod">
+          <ac:chgData name="Anne Versleijen" userId="82fb0e19-6272-4065-8698-a218790ab681" providerId="ADAL" clId="{9A612CE6-B5F7-4238-B05D-8FFC9C8A4188}" dt="2023-04-15T18:47:59.373" v="1354" actId="1035"/>
+          <ac:spMkLst>
+            <pc:docMk/>
+            <pc:sldMk cId="4122528354" sldId="257"/>
+            <ac:spMk id="30" creationId="{FA9B49E2-0543-F03F-9F25-50DDD0DFE728}"/>
+          </ac:spMkLst>
+        </pc:spChg>
+        <pc:spChg chg="mod">
+          <ac:chgData name="Anne Versleijen" userId="82fb0e19-6272-4065-8698-a218790ab681" providerId="ADAL" clId="{9A612CE6-B5F7-4238-B05D-8FFC9C8A4188}" dt="2023-04-15T18:47:55.973" v="1336" actId="1036"/>
+          <ac:spMkLst>
+            <pc:docMk/>
+            <pc:sldMk cId="4122528354" sldId="257"/>
+            <ac:spMk id="31" creationId="{D215C282-EFB8-97B7-0965-8167CF471186}"/>
+          </ac:spMkLst>
+        </pc:spChg>
+        <pc:picChg chg="add mod ord">
+          <ac:chgData name="Anne Versleijen" userId="82fb0e19-6272-4065-8698-a218790ab681" providerId="ADAL" clId="{9A612CE6-B5F7-4238-B05D-8FFC9C8A4188}" dt="2023-04-15T18:28:58.110" v="717" actId="1036"/>
+          <ac:picMkLst>
+            <pc:docMk/>
+            <pc:sldMk cId="4122528354" sldId="257"/>
+            <ac:picMk id="18" creationId="{9E4D005D-3920-DDA8-94AA-0687811630AC}"/>
+          </ac:picMkLst>
+        </pc:picChg>
+        <pc:picChg chg="mod">
+          <ac:chgData name="Anne Versleijen" userId="82fb0e19-6272-4065-8698-a218790ab681" providerId="ADAL" clId="{9A612CE6-B5F7-4238-B05D-8FFC9C8A4188}" dt="2023-04-15T18:48:06.560" v="1366" actId="1036"/>
+          <ac:picMkLst>
+            <pc:docMk/>
+            <pc:sldMk cId="4122528354" sldId="257"/>
+            <ac:picMk id="23" creationId="{ADE426D4-03FF-DDF0-53FD-62D6C8188B96}"/>
+          </ac:picMkLst>
+        </pc:picChg>
+        <pc:picChg chg="del">
+          <ac:chgData name="Anne Versleijen" userId="82fb0e19-6272-4065-8698-a218790ab681" providerId="ADAL" clId="{9A612CE6-B5F7-4238-B05D-8FFC9C8A4188}" dt="2023-04-15T18:19:29.661" v="0" actId="478"/>
+          <ac:picMkLst>
+            <pc:docMk/>
+            <pc:sldMk cId="4122528354" sldId="257"/>
+            <ac:picMk id="28" creationId="{B481E489-A05F-003C-B7F8-5D131904D70E}"/>
+          </ac:picMkLst>
+        </pc:picChg>
+      </pc:sldChg>
+    </pc:docChg>
+  </pc:docChgLst>
   <pc:docChgLst>
     <pc:chgData name="Anne Versleijen" userId="82fb0e19-6272-4065-8698-a218790ab681" providerId="ADAL" clId="{5A563461-806C-408C-9B33-29D1F56EEA5F}"/>
     <pc:docChg chg="undo custSel addSld delSld modSld">
@@ -1016,7 +1145,7 @@
           <a:p>
             <a:fld id="{A8C721A8-0FC4-4D74-9D1D-FEFB5425F115}" type="slidenum">
               <a:rPr lang="nl-NL" smtClean="0"/>
-              <a:t>‹#›</a:t>
+              <a:t>‹nr.›</a:t>
             </a:fld>
             <a:endParaRPr lang="nl-NL"/>
           </a:p>
@@ -1186,7 +1315,7 @@
           <a:p>
             <a:fld id="{A8C721A8-0FC4-4D74-9D1D-FEFB5425F115}" type="slidenum">
               <a:rPr lang="nl-NL" smtClean="0"/>
-              <a:t>‹#›</a:t>
+              <a:t>‹nr.›</a:t>
             </a:fld>
             <a:endParaRPr lang="nl-NL"/>
           </a:p>
@@ -1366,7 +1495,7 @@
           <a:p>
             <a:fld id="{A8C721A8-0FC4-4D74-9D1D-FEFB5425F115}" type="slidenum">
               <a:rPr lang="nl-NL" smtClean="0"/>
-              <a:t>‹#›</a:t>
+              <a:t>‹nr.›</a:t>
             </a:fld>
             <a:endParaRPr lang="nl-NL"/>
           </a:p>
@@ -1536,7 +1665,7 @@
           <a:p>
             <a:fld id="{A8C721A8-0FC4-4D74-9D1D-FEFB5425F115}" type="slidenum">
               <a:rPr lang="nl-NL" smtClean="0"/>
-              <a:t>‹#›</a:t>
+              <a:t>‹nr.›</a:t>
             </a:fld>
             <a:endParaRPr lang="nl-NL"/>
           </a:p>
@@ -1780,7 +1909,7 @@
           <a:p>
             <a:fld id="{A8C721A8-0FC4-4D74-9D1D-FEFB5425F115}" type="slidenum">
               <a:rPr lang="nl-NL" smtClean="0"/>
-              <a:t>‹#›</a:t>
+              <a:t>‹nr.›</a:t>
             </a:fld>
             <a:endParaRPr lang="nl-NL"/>
           </a:p>
@@ -2012,7 +2141,7 @@
           <a:p>
             <a:fld id="{A8C721A8-0FC4-4D74-9D1D-FEFB5425F115}" type="slidenum">
               <a:rPr lang="nl-NL" smtClean="0"/>
-              <a:t>‹#›</a:t>
+              <a:t>‹nr.›</a:t>
             </a:fld>
             <a:endParaRPr lang="nl-NL"/>
           </a:p>
@@ -2379,7 +2508,7 @@
           <a:p>
             <a:fld id="{A8C721A8-0FC4-4D74-9D1D-FEFB5425F115}" type="slidenum">
               <a:rPr lang="nl-NL" smtClean="0"/>
-              <a:t>‹#›</a:t>
+              <a:t>‹nr.›</a:t>
             </a:fld>
             <a:endParaRPr lang="nl-NL"/>
           </a:p>
@@ -2497,7 +2626,7 @@
           <a:p>
             <a:fld id="{A8C721A8-0FC4-4D74-9D1D-FEFB5425F115}" type="slidenum">
               <a:rPr lang="nl-NL" smtClean="0"/>
-              <a:t>‹#›</a:t>
+              <a:t>‹nr.›</a:t>
             </a:fld>
             <a:endParaRPr lang="nl-NL"/>
           </a:p>
@@ -2592,7 +2721,7 @@
           <a:p>
             <a:fld id="{A8C721A8-0FC4-4D74-9D1D-FEFB5425F115}" type="slidenum">
               <a:rPr lang="nl-NL" smtClean="0"/>
-              <a:t>‹#›</a:t>
+              <a:t>‹nr.›</a:t>
             </a:fld>
             <a:endParaRPr lang="nl-NL"/>
           </a:p>
@@ -2869,7 +2998,7 @@
           <a:p>
             <a:fld id="{A8C721A8-0FC4-4D74-9D1D-FEFB5425F115}" type="slidenum">
               <a:rPr lang="nl-NL" smtClean="0"/>
-              <a:t>‹#›</a:t>
+              <a:t>‹nr.›</a:t>
             </a:fld>
             <a:endParaRPr lang="nl-NL"/>
           </a:p>
@@ -3126,7 +3255,7 @@
           <a:p>
             <a:fld id="{A8C721A8-0FC4-4D74-9D1D-FEFB5425F115}" type="slidenum">
               <a:rPr lang="nl-NL" smtClean="0"/>
-              <a:t>‹#›</a:t>
+              <a:t>‹nr.›</a:t>
             </a:fld>
             <a:endParaRPr lang="nl-NL"/>
           </a:p>
@@ -3375,7 +3504,7 @@
           <a:p>
             <a:fld id="{A8C721A8-0FC4-4D74-9D1D-FEFB5425F115}" type="slidenum">
               <a:rPr lang="nl-NL" smtClean="0"/>
-              <a:t>‹#›</a:t>
+              <a:t>‹nr.›</a:t>
             </a:fld>
             <a:endParaRPr lang="nl-NL"/>
           </a:p>
@@ -3704,10 +3833,10 @@
       </p:grpSpPr>
       <p:pic>
         <p:nvPicPr>
-          <p:cNvPr id="28" name="Afbeelding 27" descr="Afbeelding met kaart&#10;&#10;Automatisch gegenereerde beschrijving">
+          <p:cNvPr id="18" name="Afbeelding 17" descr="Afbeelding met kaart&#10;&#10;Automatisch gegenereerde beschrijving">
             <a:extLst>
               <a:ext uri="{FF2B5EF4-FFF2-40B4-BE49-F238E27FC236}">
-                <a16:creationId xmlns:a16="http://schemas.microsoft.com/office/drawing/2014/main" id="{B481E489-A05F-003C-B7F8-5D131904D70E}"/>
+                <a16:creationId xmlns:a16="http://schemas.microsoft.com/office/drawing/2014/main" id="{9E4D005D-3920-DDA8-94AA-0687811630AC}"/>
               </a:ext>
             </a:extLst>
           </p:cNvPr>
@@ -3730,8 +3859,8 @@
         </p:blipFill>
         <p:spPr>
           <a:xfrm>
-            <a:off x="1990095" y="8970307"/>
-            <a:ext cx="10689336" cy="7559040"/>
+            <a:off x="1772472" y="6610279"/>
+            <a:ext cx="10094066" cy="7138090"/>
           </a:xfrm>
           <a:prstGeom prst="rect">
             <a:avLst/>
@@ -3918,175 +4047,25 @@
           </a:bodyPr>
           <a:lstStyle/>
           <a:p>
-            <a:pPr algn="ctr"/>
-            <a:r>
-              <a:rPr lang="nl-NL" sz="2400" dirty="0">
-                <a:latin typeface="Arial" panose="020B0604020202020204" pitchFamily="34" charset="0"/>
-                <a:cs typeface="Arial" panose="020B0604020202020204" pitchFamily="34" charset="0"/>
-              </a:rPr>
-              <a:t>For </a:t>
-            </a:r>
-            <a:r>
-              <a:rPr lang="nl-NL" sz="2400" dirty="0" err="1">
-                <a:latin typeface="Arial" panose="020B0604020202020204" pitchFamily="34" charset="0"/>
-                <a:cs typeface="Arial" panose="020B0604020202020204" pitchFamily="34" charset="0"/>
-              </a:rPr>
-              <a:t>the</a:t>
-            </a:r>
-            <a:r>
-              <a:rPr lang="nl-NL" sz="2400" dirty="0">
-                <a:latin typeface="Arial" panose="020B0604020202020204" pitchFamily="34" charset="0"/>
-                <a:cs typeface="Arial" panose="020B0604020202020204" pitchFamily="34" charset="0"/>
-              </a:rPr>
-              <a:t> </a:t>
-            </a:r>
-            <a:r>
-              <a:rPr lang="nl-NL" sz="2400" dirty="0" err="1">
-                <a:latin typeface="Arial" panose="020B0604020202020204" pitchFamily="34" charset="0"/>
-                <a:cs typeface="Arial" panose="020B0604020202020204" pitchFamily="34" charset="0"/>
-              </a:rPr>
-              <a:t>precipitation</a:t>
-            </a:r>
-            <a:r>
-              <a:rPr lang="nl-NL" sz="2400" dirty="0">
-                <a:latin typeface="Arial" panose="020B0604020202020204" pitchFamily="34" charset="0"/>
-                <a:cs typeface="Arial" panose="020B0604020202020204" pitchFamily="34" charset="0"/>
-              </a:rPr>
-              <a:t> data, station data is </a:t>
-            </a:r>
-            <a:r>
-              <a:rPr lang="nl-NL" sz="2400" dirty="0" err="1">
-                <a:latin typeface="Arial" panose="020B0604020202020204" pitchFamily="34" charset="0"/>
-                <a:cs typeface="Arial" panose="020B0604020202020204" pitchFamily="34" charset="0"/>
-              </a:rPr>
-              <a:t>used</a:t>
-            </a:r>
-            <a:r>
-              <a:rPr lang="nl-NL" sz="2400" dirty="0">
-                <a:latin typeface="Arial" panose="020B0604020202020204" pitchFamily="34" charset="0"/>
-                <a:cs typeface="Arial" panose="020B0604020202020204" pitchFamily="34" charset="0"/>
-              </a:rPr>
-              <a:t> </a:t>
-            </a:r>
-            <a:r>
-              <a:rPr lang="nl-NL" sz="2400" dirty="0" err="1">
-                <a:latin typeface="Arial" panose="020B0604020202020204" pitchFamily="34" charset="0"/>
-                <a:cs typeface="Arial" panose="020B0604020202020204" pitchFamily="34" charset="0"/>
-              </a:rPr>
-              <a:t>which</a:t>
-            </a:r>
-            <a:r>
-              <a:rPr lang="nl-NL" sz="2400" dirty="0">
-                <a:latin typeface="Arial" panose="020B0604020202020204" pitchFamily="34" charset="0"/>
-                <a:cs typeface="Arial" panose="020B0604020202020204" pitchFamily="34" charset="0"/>
-              </a:rPr>
-              <a:t> matches Era5 well. </a:t>
-            </a:r>
-          </a:p>
-          <a:p>
-            <a:pPr algn="ctr"/>
-            <a:r>
-              <a:rPr lang="nl-NL" sz="2400" dirty="0">
-                <a:latin typeface="Arial" panose="020B0604020202020204" pitchFamily="34" charset="0"/>
-                <a:cs typeface="Arial" panose="020B0604020202020204" pitchFamily="34" charset="0"/>
-              </a:rPr>
-              <a:t>Discharge station data is </a:t>
-            </a:r>
-            <a:r>
-              <a:rPr lang="nl-NL" sz="2400" dirty="0" err="1">
-                <a:latin typeface="Arial" panose="020B0604020202020204" pitchFamily="34" charset="0"/>
-                <a:cs typeface="Arial" panose="020B0604020202020204" pitchFamily="34" charset="0"/>
-              </a:rPr>
-              <a:t>retrieved</a:t>
-            </a:r>
-            <a:r>
-              <a:rPr lang="nl-NL" sz="2400" dirty="0">
-                <a:latin typeface="Arial" panose="020B0604020202020204" pitchFamily="34" charset="0"/>
-                <a:cs typeface="Arial" panose="020B0604020202020204" pitchFamily="34" charset="0"/>
-              </a:rPr>
-              <a:t> </a:t>
-            </a:r>
-            <a:r>
-              <a:rPr lang="nl-NL" sz="2400" dirty="0" err="1">
-                <a:latin typeface="Arial" panose="020B0604020202020204" pitchFamily="34" charset="0"/>
-                <a:cs typeface="Arial" panose="020B0604020202020204" pitchFamily="34" charset="0"/>
-              </a:rPr>
-              <a:t>from</a:t>
-            </a:r>
-            <a:r>
-              <a:rPr lang="nl-NL" sz="2400" dirty="0">
-                <a:latin typeface="Arial" panose="020B0604020202020204" pitchFamily="34" charset="0"/>
-                <a:cs typeface="Arial" panose="020B0604020202020204" pitchFamily="34" charset="0"/>
-              </a:rPr>
-              <a:t> USGS. </a:t>
-            </a:r>
-          </a:p>
-          <a:p>
-            <a:pPr algn="ctr"/>
-            <a:r>
-              <a:rPr lang="nl-NL" sz="2400" dirty="0">
-                <a:latin typeface="Arial" panose="020B0604020202020204" pitchFamily="34" charset="0"/>
-                <a:cs typeface="Arial" panose="020B0604020202020204" pitchFamily="34" charset="0"/>
-              </a:rPr>
-              <a:t>For </a:t>
-            </a:r>
-            <a:r>
-              <a:rPr lang="nl-NL" sz="2400" dirty="0" err="1">
-                <a:latin typeface="Arial" panose="020B0604020202020204" pitchFamily="34" charset="0"/>
-                <a:cs typeface="Arial" panose="020B0604020202020204" pitchFamily="34" charset="0"/>
-              </a:rPr>
-              <a:t>evaporation</a:t>
-            </a:r>
-            <a:r>
-              <a:rPr lang="nl-NL" sz="2400" dirty="0">
-                <a:latin typeface="Arial" panose="020B0604020202020204" pitchFamily="34" charset="0"/>
-                <a:cs typeface="Arial" panose="020B0604020202020204" pitchFamily="34" charset="0"/>
-              </a:rPr>
-              <a:t> data </a:t>
-            </a:r>
-            <a:r>
-              <a:rPr lang="nl-NL" sz="2400" dirty="0" err="1">
-                <a:latin typeface="Arial" panose="020B0604020202020204" pitchFamily="34" charset="0"/>
-                <a:cs typeface="Arial" panose="020B0604020202020204" pitchFamily="34" charset="0"/>
-              </a:rPr>
-              <a:t>obtain</a:t>
-            </a:r>
-            <a:r>
-              <a:rPr lang="nl-NL" sz="2400" dirty="0">
-                <a:latin typeface="Arial" panose="020B0604020202020204" pitchFamily="34" charset="0"/>
-                <a:cs typeface="Arial" panose="020B0604020202020204" pitchFamily="34" charset="0"/>
-              </a:rPr>
-              <a:t> </a:t>
-            </a:r>
-            <a:r>
-              <a:rPr lang="nl-NL" sz="2400" dirty="0" err="1">
-                <a:latin typeface="Arial" panose="020B0604020202020204" pitchFamily="34" charset="0"/>
-                <a:cs typeface="Arial" panose="020B0604020202020204" pitchFamily="34" charset="0"/>
-              </a:rPr>
-              <a:t>from</a:t>
-            </a:r>
-            <a:r>
-              <a:rPr lang="nl-NL" sz="2400" dirty="0">
-                <a:latin typeface="Arial" panose="020B0604020202020204" pitchFamily="34" charset="0"/>
-                <a:cs typeface="Arial" panose="020B0604020202020204" pitchFamily="34" charset="0"/>
-              </a:rPr>
-              <a:t> </a:t>
-            </a:r>
-            <a:r>
-              <a:rPr lang="en-US" sz="2400" dirty="0">
-                <a:latin typeface="Arial" panose="020B0604020202020204" pitchFamily="34" charset="0"/>
-                <a:cs typeface="Arial" panose="020B0604020202020204" pitchFamily="34" charset="0"/>
-              </a:rPr>
-              <a:t>Global Land Evaporation Amsterdam Model (GLEAM) is used. </a:t>
-            </a:r>
-            <a:r>
-              <a:rPr lang="nl-NL" sz="2400" dirty="0">
-                <a:latin typeface="Arial" panose="020B0604020202020204" pitchFamily="34" charset="0"/>
-                <a:cs typeface="Arial" panose="020B0604020202020204" pitchFamily="34" charset="0"/>
-              </a:rPr>
-              <a:t> </a:t>
-            </a:r>
-            <a:endParaRPr lang="nl-NL" sz="5000" dirty="0">
+            <a:pPr algn="just"/>
+            <a:r>
+              <a:rPr lang="en-GB" sz="2400" dirty="0">
+                <a:latin typeface="Arial" panose="020B0604020202020204" pitchFamily="34" charset="0"/>
+                <a:cs typeface="Arial" panose="020B0604020202020204" pitchFamily="34" charset="0"/>
+              </a:rPr>
+              <a:t>For the precipitation data, station data is used which matches Era5 well. The station data is averaged over the area by using Thiessen polygons. For evaporation data obtain from Global Land Evaporation Amsterdam Model (GLEAM) is used. Discharge station data is retrieved from USGS, the discharge of two stations in the lower part are added together. </a:t>
+            </a:r>
+          </a:p>
+          <a:p>
+            <a:pPr algn="just"/>
+            <a:r>
+              <a:rPr lang="en-GB" sz="2400" dirty="0">
+                <a:latin typeface="Arial" panose="020B0604020202020204" pitchFamily="34" charset="0"/>
+                <a:cs typeface="Arial" panose="020B0604020202020204" pitchFamily="34" charset="0"/>
+              </a:rPr>
+              <a:t>  </a:t>
+            </a:r>
+            <a:endParaRPr lang="en-GB" sz="5000" dirty="0">
               <a:latin typeface="Arial" panose="020B0604020202020204" pitchFamily="34" charset="0"/>
               <a:cs typeface="Arial" panose="020B0604020202020204" pitchFamily="34" charset="0"/>
             </a:endParaRPr>
@@ -5153,7 +5132,7 @@
         </p:nvSpPr>
         <p:spPr>
           <a:xfrm>
-            <a:off x="2096851" y="8397761"/>
+            <a:off x="2002098" y="15091359"/>
             <a:ext cx="9940415" cy="1567872"/>
           </a:xfrm>
           <a:prstGeom prst="rect">
@@ -5490,7 +5469,7 @@
         <p:spPr>
           <a:xfrm>
             <a:off x="2096852" y="5045261"/>
-            <a:ext cx="9940414" cy="1965139"/>
+            <a:ext cx="9940414" cy="2337953"/>
           </a:xfrm>
           <a:prstGeom prst="rect">
             <a:avLst/>
@@ -5511,7 +5490,7 @@
                 <a:latin typeface="Arial" panose="020B0604020202020204" pitchFamily="34" charset="0"/>
                 <a:cs typeface="Arial" panose="020B0604020202020204" pitchFamily="34" charset="0"/>
               </a:rPr>
-              <a:t>The Hudson River Basin is located in the North East of the United States. The area is around 35,000 km</a:t>
+              <a:t>The Hudson River Basin is located in the North East of the United States, which is around 35,000 km</a:t>
             </a:r>
             <a:r>
               <a:rPr lang="en-GB" sz="2400" baseline="30000" dirty="0">
@@ -5525,99 +5504,36 @@
                 <a:latin typeface="Arial" panose="020B0604020202020204" pitchFamily="34" charset="0"/>
                 <a:cs typeface="Arial" panose="020B0604020202020204" pitchFamily="34" charset="0"/>
               </a:rPr>
-              <a:t>. The lower part of the basin is an estuary. Only the northern region is taken into account, as the river in the lower part is influenced by the sea. </a:t>
-            </a:r>
-            <a:r>
-              <a:rPr lang="nl-NL" sz="2400" dirty="0" err="1">
-                <a:latin typeface="Arial" panose="020B0604020202020204" pitchFamily="34" charset="0"/>
-                <a:cs typeface="Arial" panose="020B0604020202020204" pitchFamily="34" charset="0"/>
-              </a:rPr>
-              <a:t>Figure</a:t>
-            </a:r>
-            <a:r>
-              <a:rPr lang="nl-NL" sz="2400" dirty="0">
-                <a:latin typeface="Arial" panose="020B0604020202020204" pitchFamily="34" charset="0"/>
-                <a:cs typeface="Arial" panose="020B0604020202020204" pitchFamily="34" charset="0"/>
-              </a:rPr>
-              <a:t> </a:t>
-            </a:r>
-            <a:r>
-              <a:rPr lang="nl-NL" sz="2400" dirty="0" err="1">
-                <a:latin typeface="Arial" panose="020B0604020202020204" pitchFamily="34" charset="0"/>
-                <a:cs typeface="Arial" panose="020B0604020202020204" pitchFamily="34" charset="0"/>
-              </a:rPr>
-              <a:t>basin</a:t>
-            </a:r>
-            <a:r>
-              <a:rPr lang="nl-NL" sz="2400" dirty="0">
-                <a:latin typeface="Arial" panose="020B0604020202020204" pitchFamily="34" charset="0"/>
-                <a:cs typeface="Arial" panose="020B0604020202020204" pitchFamily="34" charset="0"/>
-              </a:rPr>
-              <a:t> + </a:t>
-            </a:r>
-            <a:r>
-              <a:rPr lang="nl-NL" sz="2400" dirty="0" err="1">
-                <a:latin typeface="Arial" panose="020B0604020202020204" pitchFamily="34" charset="0"/>
-                <a:cs typeface="Arial" panose="020B0604020202020204" pitchFamily="34" charset="0"/>
-              </a:rPr>
-              <a:t>thiessen</a:t>
-            </a:r>
-            <a:r>
-              <a:rPr lang="nl-NL" sz="2400" dirty="0">
-                <a:latin typeface="Arial" panose="020B0604020202020204" pitchFamily="34" charset="0"/>
-                <a:cs typeface="Arial" panose="020B0604020202020204" pitchFamily="34" charset="0"/>
-              </a:rPr>
-              <a:t> </a:t>
-            </a:r>
-            <a:r>
-              <a:rPr lang="nl-NL" sz="2400" dirty="0" err="1">
-                <a:latin typeface="Arial" panose="020B0604020202020204" pitchFamily="34" charset="0"/>
-                <a:cs typeface="Arial" panose="020B0604020202020204" pitchFamily="34" charset="0"/>
-              </a:rPr>
-              <a:t>polygon</a:t>
-            </a:r>
-            <a:r>
-              <a:rPr lang="nl-NL" sz="2400" dirty="0">
-                <a:latin typeface="Arial" panose="020B0604020202020204" pitchFamily="34" charset="0"/>
-                <a:cs typeface="Arial" panose="020B0604020202020204" pitchFamily="34" charset="0"/>
-              </a:rPr>
-              <a:t>? Discharge stations 2 stations </a:t>
-            </a:r>
-            <a:r>
-              <a:rPr lang="nl-NL" sz="2400" dirty="0" err="1">
-                <a:latin typeface="Arial" panose="020B0604020202020204" pitchFamily="34" charset="0"/>
-                <a:cs typeface="Arial" panose="020B0604020202020204" pitchFamily="34" charset="0"/>
-              </a:rPr>
-              <a:t>summed</a:t>
-            </a:r>
-            <a:r>
-              <a:rPr lang="nl-NL" sz="2400" dirty="0">
-                <a:latin typeface="Arial" panose="020B0604020202020204" pitchFamily="34" charset="0"/>
-                <a:cs typeface="Arial" panose="020B0604020202020204" pitchFamily="34" charset="0"/>
-              </a:rPr>
-              <a:t> up (area </a:t>
-            </a:r>
-            <a:r>
-              <a:rPr lang="nl-NL" sz="2400" dirty="0" err="1">
-                <a:latin typeface="Arial" panose="020B0604020202020204" pitchFamily="34" charset="0"/>
-                <a:cs typeface="Arial" panose="020B0604020202020204" pitchFamily="34" charset="0"/>
-              </a:rPr>
-              <a:t>included</a:t>
-            </a:r>
-            <a:r>
-              <a:rPr lang="nl-NL" sz="2400" dirty="0">
-                <a:latin typeface="Arial" panose="020B0604020202020204" pitchFamily="34" charset="0"/>
-                <a:cs typeface="Arial" panose="020B0604020202020204" pitchFamily="34" charset="0"/>
-              </a:rPr>
-              <a:t>)</a:t>
-            </a:r>
-          </a:p>
-          <a:p>
-            <a:pPr algn="just"/>
-            <a:endParaRPr lang="en-GB" sz="2400" dirty="0">
-              <a:latin typeface="Arial" panose="020B0604020202020204" pitchFamily="34" charset="0"/>
-              <a:cs typeface="Arial" panose="020B0604020202020204" pitchFamily="34" charset="0"/>
-            </a:endParaRPr>
+              <a:t>. The lower part of the basin is an estuary. As the river in the lower part is influenced by the sea, only the Northern region is taken into account with an area of </a:t>
+            </a:r>
+            <a:r>
+              <a:rPr lang="en-GB" sz="2400" b="1" dirty="0">
+                <a:latin typeface="Arial" panose="020B0604020202020204" pitchFamily="34" charset="0"/>
+                <a:cs typeface="Arial" panose="020B0604020202020204" pitchFamily="34" charset="0"/>
+              </a:rPr>
+              <a:t>20,000 </a:t>
+            </a:r>
+            <a:r>
+              <a:rPr lang="en-GB" sz="2400" dirty="0">
+                <a:latin typeface="Arial" panose="020B0604020202020204" pitchFamily="34" charset="0"/>
+                <a:cs typeface="Arial" panose="020B0604020202020204" pitchFamily="34" charset="0"/>
+              </a:rPr>
+              <a:t>km</a:t>
+            </a:r>
+            <a:r>
+              <a:rPr lang="en-GB" sz="2400" baseline="30000" dirty="0">
+                <a:latin typeface="Arial" panose="020B0604020202020204" pitchFamily="34" charset="0"/>
+                <a:cs typeface="Arial" panose="020B0604020202020204" pitchFamily="34" charset="0"/>
+              </a:rPr>
+              <a:t>2</a:t>
+            </a:r>
+            <a:r>
+              <a:rPr lang="en-GB" sz="2400" dirty="0">
+                <a:latin typeface="Arial" panose="020B0604020202020204" pitchFamily="34" charset="0"/>
+                <a:cs typeface="Arial" panose="020B0604020202020204" pitchFamily="34" charset="0"/>
+              </a:rPr>
+              <a:t>. The region is showed in Figure 1. The area consists of forest, cropland and urban areas.</a:t>
+            </a:r>
           </a:p>
           <a:p>
             <a:pPr algn="just"/>
@@ -6397,7 +6313,7 @@
         </p:nvSpPr>
         <p:spPr>
           <a:xfrm>
-            <a:off x="1697583" y="7483228"/>
+            <a:off x="1602830" y="14176826"/>
             <a:ext cx="10800000" cy="814519"/>
           </a:xfrm>
           <a:prstGeom prst="rect">
@@ -6461,7 +6377,7 @@
         </p:nvSpPr>
         <p:spPr>
           <a:xfrm>
-            <a:off x="12890055" y="10550897"/>
+            <a:off x="12890055" y="11033497"/>
             <a:ext cx="16806366" cy="814519"/>
           </a:xfrm>
           <a:prstGeom prst="rect">
@@ -6528,7 +6444,7 @@
         </p:nvSpPr>
         <p:spPr>
           <a:xfrm>
-            <a:off x="12998697" y="11638141"/>
+            <a:off x="12998697" y="12019141"/>
             <a:ext cx="16546989" cy="2097528"/>
           </a:xfrm>
           <a:prstGeom prst="rect">
@@ -6592,81 +6508,6 @@
           </a:prstGeom>
         </p:spPr>
       </p:pic>
-      <p:sp>
-        <p:nvSpPr>
-          <p:cNvPr id="11" name="Tekstvak 9">
-            <a:extLst>
-              <a:ext uri="{FF2B5EF4-FFF2-40B4-BE49-F238E27FC236}">
-                <a16:creationId xmlns:a16="http://schemas.microsoft.com/office/drawing/2014/main" id="{2B8E93C6-F9F5-6B98-6EE5-C63022EE6BB2}"/>
-              </a:ext>
-            </a:extLst>
-          </p:cNvPr>
-          <p:cNvSpPr txBox="1"/>
-          <p:nvPr/>
-        </p:nvSpPr>
-        <p:spPr>
-          <a:xfrm>
-            <a:off x="5373226" y="12350876"/>
-            <a:ext cx="9940415" cy="1567872"/>
-          </a:xfrm>
-          <a:prstGeom prst="rect">
-            <a:avLst/>
-          </a:prstGeom>
-          <a:noFill/>
-          <a:ln>
-            <a:noFill/>
-          </a:ln>
-        </p:spPr>
-        <p:txBody>
-          <a:bodyPr wrap="square" numCol="1" rtlCol="0">
-            <a:noAutofit/>
-          </a:bodyPr>
-          <a:lstStyle/>
-          <a:p>
-            <a:pPr algn="just"/>
-            <a:r>
-              <a:rPr lang="nl-NL" sz="2400" dirty="0" err="1">
-                <a:highlight>
-                  <a:srgbClr val="FFFF00"/>
-                </a:highlight>
-                <a:latin typeface="Arial" panose="020B0604020202020204" pitchFamily="34" charset="0"/>
-                <a:cs typeface="Arial" panose="020B0604020202020204" pitchFamily="34" charset="0"/>
-              </a:rPr>
-              <a:t>To</a:t>
-            </a:r>
-            <a:r>
-              <a:rPr lang="nl-NL" sz="2400" dirty="0">
-                <a:highlight>
-                  <a:srgbClr val="FFFF00"/>
-                </a:highlight>
-                <a:latin typeface="Arial" panose="020B0604020202020204" pitchFamily="34" charset="0"/>
-                <a:cs typeface="Arial" panose="020B0604020202020204" pitchFamily="34" charset="0"/>
-              </a:rPr>
-              <a:t> do: </a:t>
-            </a:r>
-            <a:r>
-              <a:rPr lang="nl-NL" sz="2400" dirty="0" err="1">
-                <a:highlight>
-                  <a:srgbClr val="FFFF00"/>
-                </a:highlight>
-                <a:latin typeface="Arial" panose="020B0604020202020204" pitchFamily="34" charset="0"/>
-                <a:cs typeface="Arial" panose="020B0604020202020204" pitchFamily="34" charset="0"/>
-              </a:rPr>
-              <a:t>replace</a:t>
-            </a:r>
-            <a:r>
-              <a:rPr lang="nl-NL" sz="2400" dirty="0">
-                <a:highlight>
-                  <a:srgbClr val="FFFF00"/>
-                </a:highlight>
-                <a:latin typeface="Arial" panose="020B0604020202020204" pitchFamily="34" charset="0"/>
-                <a:cs typeface="Arial" panose="020B0604020202020204" pitchFamily="34" charset="0"/>
-              </a:rPr>
-              <a:t> image</a:t>
-            </a:r>
-          </a:p>
-        </p:txBody>
-      </p:sp>
       <p:pic>
         <p:nvPicPr>
           <p:cNvPr id="23" name="Picture 22" descr="A picture containing histogram&#10;&#10;Description automatically generated">
@@ -6695,7 +6536,7 @@
         </p:blipFill>
         <p:spPr>
           <a:xfrm>
-            <a:off x="13180547" y="6116939"/>
+            <a:off x="13180547" y="6459839"/>
             <a:ext cx="16068666" cy="4017167"/>
           </a:xfrm>
           <a:prstGeom prst="rect">
@@ -6703,6 +6544,167 @@
           </a:prstGeom>
         </p:spPr>
       </p:pic>
+      <p:sp>
+        <p:nvSpPr>
+          <p:cNvPr id="20" name="Tekstvak 19">
+            <a:extLst>
+              <a:ext uri="{FF2B5EF4-FFF2-40B4-BE49-F238E27FC236}">
+                <a16:creationId xmlns:a16="http://schemas.microsoft.com/office/drawing/2014/main" id="{B86F8254-E121-77DD-5085-BA2B06BD60CD}"/>
+              </a:ext>
+            </a:extLst>
+          </p:cNvPr>
+          <p:cNvSpPr txBox="1"/>
+          <p:nvPr/>
+        </p:nvSpPr>
+        <p:spPr>
+          <a:xfrm>
+            <a:off x="2096852" y="13481372"/>
+            <a:ext cx="9915920" cy="620840"/>
+          </a:xfrm>
+          <a:prstGeom prst="rect">
+            <a:avLst/>
+          </a:prstGeom>
+          <a:noFill/>
+          <a:ln>
+            <a:noFill/>
+          </a:ln>
+        </p:spPr>
+        <p:txBody>
+          <a:bodyPr wrap="square" numCol="1" rtlCol="0">
+            <a:noAutofit/>
+          </a:bodyPr>
+          <a:lstStyle/>
+          <a:p>
+            <a:pPr algn="just"/>
+            <a:r>
+              <a:rPr lang="en-GB" b="1" dirty="0">
+                <a:latin typeface="Arial" panose="020B0604020202020204" pitchFamily="34" charset="0"/>
+                <a:cs typeface="Arial" panose="020B0604020202020204" pitchFamily="34" charset="0"/>
+              </a:rPr>
+              <a:t>Figure 1</a:t>
+            </a:r>
+            <a:r>
+              <a:rPr lang="en-GB" dirty="0">
+                <a:latin typeface="Arial" panose="020B0604020202020204" pitchFamily="34" charset="0"/>
+                <a:cs typeface="Arial" panose="020B0604020202020204" pitchFamily="34" charset="0"/>
+              </a:rPr>
+              <a:t>. Considered upperpart of the Hudson River Basin. With dots, the different stations are 		  depicted.  </a:t>
+            </a:r>
+          </a:p>
+        </p:txBody>
+      </p:sp>
+      <p:sp>
+        <p:nvSpPr>
+          <p:cNvPr id="21" name="Tekstvak 20">
+            <a:extLst>
+              <a:ext uri="{FF2B5EF4-FFF2-40B4-BE49-F238E27FC236}">
+                <a16:creationId xmlns:a16="http://schemas.microsoft.com/office/drawing/2014/main" id="{816E3285-BDAB-3C2E-ADA5-98A8917B08DA}"/>
+              </a:ext>
+            </a:extLst>
+          </p:cNvPr>
+          <p:cNvSpPr txBox="1"/>
+          <p:nvPr/>
+        </p:nvSpPr>
+        <p:spPr>
+          <a:xfrm>
+            <a:off x="13437951" y="10468435"/>
+            <a:ext cx="15901579" cy="620840"/>
+          </a:xfrm>
+          <a:prstGeom prst="rect">
+            <a:avLst/>
+          </a:prstGeom>
+          <a:noFill/>
+          <a:ln>
+            <a:noFill/>
+          </a:ln>
+        </p:spPr>
+        <p:txBody>
+          <a:bodyPr wrap="square" numCol="1" rtlCol="0">
+            <a:noAutofit/>
+          </a:bodyPr>
+          <a:lstStyle/>
+          <a:p>
+            <a:pPr algn="just"/>
+            <a:r>
+              <a:rPr lang="en-GB" b="1" dirty="0">
+                <a:latin typeface="Arial" panose="020B0604020202020204" pitchFamily="34" charset="0"/>
+                <a:cs typeface="Arial" panose="020B0604020202020204" pitchFamily="34" charset="0"/>
+              </a:rPr>
+              <a:t>Figure 3</a:t>
+            </a:r>
+            <a:r>
+              <a:rPr lang="en-GB" dirty="0">
+                <a:latin typeface="Arial" panose="020B0604020202020204" pitchFamily="34" charset="0"/>
+                <a:cs typeface="Arial" panose="020B0604020202020204" pitchFamily="34" charset="0"/>
+              </a:rPr>
+              <a:t>. Data assimilation of precipitation (left) and evaporation (right) data. </a:t>
+            </a:r>
+          </a:p>
+        </p:txBody>
+      </p:sp>
+      <p:sp>
+        <p:nvSpPr>
+          <p:cNvPr id="25" name="Tekstvak 24">
+            <a:extLst>
+              <a:ext uri="{FF2B5EF4-FFF2-40B4-BE49-F238E27FC236}">
+                <a16:creationId xmlns:a16="http://schemas.microsoft.com/office/drawing/2014/main" id="{CDF9FE4F-A640-DE05-7EED-9A4E23824C4E}"/>
+              </a:ext>
+            </a:extLst>
+          </p:cNvPr>
+          <p:cNvSpPr txBox="1"/>
+          <p:nvPr/>
+        </p:nvSpPr>
+        <p:spPr>
+          <a:xfrm>
+            <a:off x="2096852" y="28077940"/>
+            <a:ext cx="9915920" cy="620840"/>
+          </a:xfrm>
+          <a:prstGeom prst="rect">
+            <a:avLst/>
+          </a:prstGeom>
+          <a:noFill/>
+          <a:ln>
+            <a:noFill/>
+          </a:ln>
+        </p:spPr>
+        <p:txBody>
+          <a:bodyPr wrap="square" numCol="1" rtlCol="0">
+            <a:noAutofit/>
+          </a:bodyPr>
+          <a:lstStyle/>
+          <a:p>
+            <a:pPr algn="just"/>
+            <a:r>
+              <a:rPr lang="en-GB" b="1" dirty="0">
+                <a:latin typeface="Arial" panose="020B0604020202020204" pitchFamily="34" charset="0"/>
+                <a:cs typeface="Arial" panose="020B0604020202020204" pitchFamily="34" charset="0"/>
+              </a:rPr>
+              <a:t>Figure 2</a:t>
+            </a:r>
+            <a:r>
+              <a:rPr lang="en-GB" dirty="0">
+                <a:latin typeface="Arial" panose="020B0604020202020204" pitchFamily="34" charset="0"/>
+                <a:cs typeface="Arial" panose="020B0604020202020204" pitchFamily="34" charset="0"/>
+              </a:rPr>
+              <a:t>. HBV model which is used to model the water cycle in the </a:t>
+            </a:r>
+            <a:r>
+              <a:rPr lang="en-GB" dirty="0" err="1">
+                <a:latin typeface="Arial" panose="020B0604020202020204" pitchFamily="34" charset="0"/>
+                <a:cs typeface="Arial" panose="020B0604020202020204" pitchFamily="34" charset="0"/>
+              </a:rPr>
+              <a:t>Husdon</a:t>
+            </a:r>
+            <a:r>
+              <a:rPr lang="en-GB" dirty="0">
+                <a:latin typeface="Arial" panose="020B0604020202020204" pitchFamily="34" charset="0"/>
+                <a:cs typeface="Arial" panose="020B0604020202020204" pitchFamily="34" charset="0"/>
+              </a:rPr>
+              <a:t> River Basin.</a:t>
+            </a:r>
+          </a:p>
+        </p:txBody>
+      </p:sp>
     </p:spTree>
     <p:extLst>
       <p:ext uri="{BB962C8B-B14F-4D97-AF65-F5344CB8AC3E}">

--- a/Poster/Poster.pptx
+++ b/Poster/Poster.pptx
@@ -4,6 +4,9 @@
   <p:sldMasterIdLst>
     <p:sldMasterId id="2147483660" r:id="rId1"/>
   </p:sldMasterIdLst>
+  <p:notesMasterIdLst>
+    <p:notesMasterId r:id="rId3"/>
+  </p:notesMasterIdLst>
   <p:sldIdLst>
     <p:sldId id="257" r:id="rId2"/>
   </p:sldIdLst>
@@ -972,6 +975,440 @@
 </pc:chgInfo>
 </file>
 
+<file path=ppt/notesMasters/notesMaster1.xml><?xml version="1.0" encoding="utf-8"?>
+<p:notesMaster xmlns:a="http://schemas.openxmlformats.org/drawingml/2006/main" xmlns:r="http://schemas.openxmlformats.org/officeDocument/2006/relationships" xmlns:p="http://schemas.openxmlformats.org/presentationml/2006/main">
+  <p:cSld>
+    <p:bg>
+      <p:bgRef idx="1001">
+        <a:schemeClr val="bg1"/>
+      </p:bgRef>
+    </p:bg>
+    <p:spTree>
+      <p:nvGrpSpPr>
+        <p:cNvPr id="1" name=""/>
+        <p:cNvGrpSpPr/>
+        <p:nvPr/>
+      </p:nvGrpSpPr>
+      <p:grpSpPr>
+        <a:xfrm>
+          <a:off x="0" y="0"/>
+          <a:ext cx="0" cy="0"/>
+          <a:chOff x="0" y="0"/>
+          <a:chExt cx="0" cy="0"/>
+        </a:xfrm>
+      </p:grpSpPr>
+      <p:sp>
+        <p:nvSpPr>
+          <p:cNvPr id="2" name="Header Placeholder 1"/>
+          <p:cNvSpPr>
+            <a:spLocks noGrp="1"/>
+          </p:cNvSpPr>
+          <p:nvPr>
+            <p:ph type="hdr" sz="quarter"/>
+          </p:nvPr>
+        </p:nvSpPr>
+        <p:spPr>
+          <a:xfrm>
+            <a:off x="0" y="0"/>
+            <a:ext cx="2971800" cy="458788"/>
+          </a:xfrm>
+          <a:prstGeom prst="rect">
+            <a:avLst/>
+          </a:prstGeom>
+        </p:spPr>
+        <p:txBody>
+          <a:bodyPr vert="horz" lIns="91440" tIns="45720" rIns="91440" bIns="45720" rtlCol="0"/>
+          <a:lstStyle>
+            <a:lvl1pPr algn="l">
+              <a:defRPr sz="1200"/>
+            </a:lvl1pPr>
+          </a:lstStyle>
+          <a:p>
+            <a:endParaRPr lang="en-NL"/>
+          </a:p>
+        </p:txBody>
+      </p:sp>
+      <p:sp>
+        <p:nvSpPr>
+          <p:cNvPr id="3" name="Date Placeholder 2"/>
+          <p:cNvSpPr>
+            <a:spLocks noGrp="1"/>
+          </p:cNvSpPr>
+          <p:nvPr>
+            <p:ph type="dt" idx="1"/>
+          </p:nvPr>
+        </p:nvSpPr>
+        <p:spPr>
+          <a:xfrm>
+            <a:off x="3884613" y="0"/>
+            <a:ext cx="2971800" cy="458788"/>
+          </a:xfrm>
+          <a:prstGeom prst="rect">
+            <a:avLst/>
+          </a:prstGeom>
+        </p:spPr>
+        <p:txBody>
+          <a:bodyPr vert="horz" lIns="91440" tIns="45720" rIns="91440" bIns="45720" rtlCol="0"/>
+          <a:lstStyle>
+            <a:lvl1pPr algn="r">
+              <a:defRPr sz="1200"/>
+            </a:lvl1pPr>
+          </a:lstStyle>
+          <a:p>
+            <a:fld id="{26FDFB3E-19C4-4117-A6C3-3DCDA680D6AE}" type="datetimeFigureOut">
+              <a:rPr lang="en-NL" smtClean="0"/>
+              <a:t>16/04/2023</a:t>
+            </a:fld>
+            <a:endParaRPr lang="en-NL"/>
+          </a:p>
+        </p:txBody>
+      </p:sp>
+      <p:sp>
+        <p:nvSpPr>
+          <p:cNvPr id="4" name="Slide Image Placeholder 3"/>
+          <p:cNvSpPr>
+            <a:spLocks noGrp="1" noRot="1" noChangeAspect="1"/>
+          </p:cNvSpPr>
+          <p:nvPr>
+            <p:ph type="sldImg" idx="2"/>
+          </p:nvPr>
+        </p:nvSpPr>
+        <p:spPr>
+          <a:xfrm>
+            <a:off x="1247775" y="1143000"/>
+            <a:ext cx="4362450" cy="3086100"/>
+          </a:xfrm>
+          <a:prstGeom prst="rect">
+            <a:avLst/>
+          </a:prstGeom>
+          <a:noFill/>
+          <a:ln w="12700">
+            <a:solidFill>
+              <a:prstClr val="black"/>
+            </a:solidFill>
+          </a:ln>
+        </p:spPr>
+        <p:txBody>
+          <a:bodyPr vert="horz" lIns="91440" tIns="45720" rIns="91440" bIns="45720" rtlCol="0" anchor="ctr"/>
+          <a:lstStyle/>
+          <a:p>
+            <a:endParaRPr lang="en-NL"/>
+          </a:p>
+        </p:txBody>
+      </p:sp>
+      <p:sp>
+        <p:nvSpPr>
+          <p:cNvPr id="5" name="Notes Placeholder 4"/>
+          <p:cNvSpPr>
+            <a:spLocks noGrp="1"/>
+          </p:cNvSpPr>
+          <p:nvPr>
+            <p:ph type="body" sz="quarter" idx="3"/>
+          </p:nvPr>
+        </p:nvSpPr>
+        <p:spPr>
+          <a:xfrm>
+            <a:off x="685800" y="4400550"/>
+            <a:ext cx="5486400" cy="3600450"/>
+          </a:xfrm>
+          <a:prstGeom prst="rect">
+            <a:avLst/>
+          </a:prstGeom>
+        </p:spPr>
+        <p:txBody>
+          <a:bodyPr vert="horz" lIns="91440" tIns="45720" rIns="91440" bIns="45720" rtlCol="0"/>
+          <a:lstStyle/>
+          <a:p>
+            <a:pPr lvl="0"/>
+            <a:r>
+              <a:rPr lang="en-US"/>
+              <a:t>Click to edit Master text styles</a:t>
+            </a:r>
+          </a:p>
+          <a:p>
+            <a:pPr lvl="1"/>
+            <a:r>
+              <a:rPr lang="en-US"/>
+              <a:t>Second level</a:t>
+            </a:r>
+          </a:p>
+          <a:p>
+            <a:pPr lvl="2"/>
+            <a:r>
+              <a:rPr lang="en-US"/>
+              <a:t>Third level</a:t>
+            </a:r>
+          </a:p>
+          <a:p>
+            <a:pPr lvl="3"/>
+            <a:r>
+              <a:rPr lang="en-US"/>
+              <a:t>Fourth level</a:t>
+            </a:r>
+          </a:p>
+          <a:p>
+            <a:pPr lvl="4"/>
+            <a:r>
+              <a:rPr lang="en-US"/>
+              <a:t>Fifth level</a:t>
+            </a:r>
+            <a:endParaRPr lang="en-NL"/>
+          </a:p>
+        </p:txBody>
+      </p:sp>
+      <p:sp>
+        <p:nvSpPr>
+          <p:cNvPr id="6" name="Footer Placeholder 5"/>
+          <p:cNvSpPr>
+            <a:spLocks noGrp="1"/>
+          </p:cNvSpPr>
+          <p:nvPr>
+            <p:ph type="ftr" sz="quarter" idx="4"/>
+          </p:nvPr>
+        </p:nvSpPr>
+        <p:spPr>
+          <a:xfrm>
+            <a:off x="0" y="8685213"/>
+            <a:ext cx="2971800" cy="458787"/>
+          </a:xfrm>
+          <a:prstGeom prst="rect">
+            <a:avLst/>
+          </a:prstGeom>
+        </p:spPr>
+        <p:txBody>
+          <a:bodyPr vert="horz" lIns="91440" tIns="45720" rIns="91440" bIns="45720" rtlCol="0" anchor="b"/>
+          <a:lstStyle>
+            <a:lvl1pPr algn="l">
+              <a:defRPr sz="1200"/>
+            </a:lvl1pPr>
+          </a:lstStyle>
+          <a:p>
+            <a:endParaRPr lang="en-NL"/>
+          </a:p>
+        </p:txBody>
+      </p:sp>
+      <p:sp>
+        <p:nvSpPr>
+          <p:cNvPr id="7" name="Slide Number Placeholder 6"/>
+          <p:cNvSpPr>
+            <a:spLocks noGrp="1"/>
+          </p:cNvSpPr>
+          <p:nvPr>
+            <p:ph type="sldNum" sz="quarter" idx="5"/>
+          </p:nvPr>
+        </p:nvSpPr>
+        <p:spPr>
+          <a:xfrm>
+            <a:off x="3884613" y="8685213"/>
+            <a:ext cx="2971800" cy="458787"/>
+          </a:xfrm>
+          <a:prstGeom prst="rect">
+            <a:avLst/>
+          </a:prstGeom>
+        </p:spPr>
+        <p:txBody>
+          <a:bodyPr vert="horz" lIns="91440" tIns="45720" rIns="91440" bIns="45720" rtlCol="0" anchor="b"/>
+          <a:lstStyle>
+            <a:lvl1pPr algn="r">
+              <a:defRPr sz="1200"/>
+            </a:lvl1pPr>
+          </a:lstStyle>
+          <a:p>
+            <a:fld id="{C73B8168-FC62-464C-9AD9-7C7DFCB5AB14}" type="slidenum">
+              <a:rPr lang="en-NL" smtClean="0"/>
+              <a:t>‹#›</a:t>
+            </a:fld>
+            <a:endParaRPr lang="en-NL"/>
+          </a:p>
+        </p:txBody>
+      </p:sp>
+    </p:spTree>
+    <p:extLst>
+      <p:ext uri="{BB962C8B-B14F-4D97-AF65-F5344CB8AC3E}">
+        <p14:creationId xmlns:p14="http://schemas.microsoft.com/office/powerpoint/2010/main" val="3166826147"/>
+      </p:ext>
+    </p:extLst>
+  </p:cSld>
+  <p:clrMap bg1="lt1" tx1="dk1" bg2="lt2" tx2="dk2" accent1="accent1" accent2="accent2" accent3="accent3" accent4="accent4" accent5="accent5" accent6="accent6" hlink="hlink" folHlink="folHlink"/>
+  <p:notesStyle>
+    <a:lvl1pPr marL="0" algn="l" defTabSz="914400" rtl="0" eaLnBrk="1" latinLnBrk="0" hangingPunct="1">
+      <a:defRPr sz="1200" kern="1200">
+        <a:solidFill>
+          <a:schemeClr val="tx1"/>
+        </a:solidFill>
+        <a:latin typeface="+mn-lt"/>
+        <a:ea typeface="+mn-ea"/>
+        <a:cs typeface="+mn-cs"/>
+      </a:defRPr>
+    </a:lvl1pPr>
+    <a:lvl2pPr marL="457200" algn="l" defTabSz="914400" rtl="0" eaLnBrk="1" latinLnBrk="0" hangingPunct="1">
+      <a:defRPr sz="1200" kern="1200">
+        <a:solidFill>
+          <a:schemeClr val="tx1"/>
+        </a:solidFill>
+        <a:latin typeface="+mn-lt"/>
+        <a:ea typeface="+mn-ea"/>
+        <a:cs typeface="+mn-cs"/>
+      </a:defRPr>
+    </a:lvl2pPr>
+    <a:lvl3pPr marL="914400" algn="l" defTabSz="914400" rtl="0" eaLnBrk="1" latinLnBrk="0" hangingPunct="1">
+      <a:defRPr sz="1200" kern="1200">
+        <a:solidFill>
+          <a:schemeClr val="tx1"/>
+        </a:solidFill>
+        <a:latin typeface="+mn-lt"/>
+        <a:ea typeface="+mn-ea"/>
+        <a:cs typeface="+mn-cs"/>
+      </a:defRPr>
+    </a:lvl3pPr>
+    <a:lvl4pPr marL="1371600" algn="l" defTabSz="914400" rtl="0" eaLnBrk="1" latinLnBrk="0" hangingPunct="1">
+      <a:defRPr sz="1200" kern="1200">
+        <a:solidFill>
+          <a:schemeClr val="tx1"/>
+        </a:solidFill>
+        <a:latin typeface="+mn-lt"/>
+        <a:ea typeface="+mn-ea"/>
+        <a:cs typeface="+mn-cs"/>
+      </a:defRPr>
+    </a:lvl4pPr>
+    <a:lvl5pPr marL="1828800" algn="l" defTabSz="914400" rtl="0" eaLnBrk="1" latinLnBrk="0" hangingPunct="1">
+      <a:defRPr sz="1200" kern="1200">
+        <a:solidFill>
+          <a:schemeClr val="tx1"/>
+        </a:solidFill>
+        <a:latin typeface="+mn-lt"/>
+        <a:ea typeface="+mn-ea"/>
+        <a:cs typeface="+mn-cs"/>
+      </a:defRPr>
+    </a:lvl5pPr>
+    <a:lvl6pPr marL="2286000" algn="l" defTabSz="914400" rtl="0" eaLnBrk="1" latinLnBrk="0" hangingPunct="1">
+      <a:defRPr sz="1200" kern="1200">
+        <a:solidFill>
+          <a:schemeClr val="tx1"/>
+        </a:solidFill>
+        <a:latin typeface="+mn-lt"/>
+        <a:ea typeface="+mn-ea"/>
+        <a:cs typeface="+mn-cs"/>
+      </a:defRPr>
+    </a:lvl6pPr>
+    <a:lvl7pPr marL="2743200" algn="l" defTabSz="914400" rtl="0" eaLnBrk="1" latinLnBrk="0" hangingPunct="1">
+      <a:defRPr sz="1200" kern="1200">
+        <a:solidFill>
+          <a:schemeClr val="tx1"/>
+        </a:solidFill>
+        <a:latin typeface="+mn-lt"/>
+        <a:ea typeface="+mn-ea"/>
+        <a:cs typeface="+mn-cs"/>
+      </a:defRPr>
+    </a:lvl7pPr>
+    <a:lvl8pPr marL="3200400" algn="l" defTabSz="914400" rtl="0" eaLnBrk="1" latinLnBrk="0" hangingPunct="1">
+      <a:defRPr sz="1200" kern="1200">
+        <a:solidFill>
+          <a:schemeClr val="tx1"/>
+        </a:solidFill>
+        <a:latin typeface="+mn-lt"/>
+        <a:ea typeface="+mn-ea"/>
+        <a:cs typeface="+mn-cs"/>
+      </a:defRPr>
+    </a:lvl8pPr>
+    <a:lvl9pPr marL="3657600" algn="l" defTabSz="914400" rtl="0" eaLnBrk="1" latinLnBrk="0" hangingPunct="1">
+      <a:defRPr sz="1200" kern="1200">
+        <a:solidFill>
+          <a:schemeClr val="tx1"/>
+        </a:solidFill>
+        <a:latin typeface="+mn-lt"/>
+        <a:ea typeface="+mn-ea"/>
+        <a:cs typeface="+mn-cs"/>
+      </a:defRPr>
+    </a:lvl9pPr>
+  </p:notesStyle>
+</p:notesMaster>
+</file>
+
+<file path=ppt/notesSlides/notesSlide1.xml><?xml version="1.0" encoding="utf-8"?>
+<p:notes xmlns:a="http://schemas.openxmlformats.org/drawingml/2006/main" xmlns:r="http://schemas.openxmlformats.org/officeDocument/2006/relationships" xmlns:p="http://schemas.openxmlformats.org/presentationml/2006/main">
+  <p:cSld>
+    <p:spTree>
+      <p:nvGrpSpPr>
+        <p:cNvPr id="1" name=""/>
+        <p:cNvGrpSpPr/>
+        <p:nvPr/>
+      </p:nvGrpSpPr>
+      <p:grpSpPr>
+        <a:xfrm>
+          <a:off x="0" y="0"/>
+          <a:ext cx="0" cy="0"/>
+          <a:chOff x="0" y="0"/>
+          <a:chExt cx="0" cy="0"/>
+        </a:xfrm>
+      </p:grpSpPr>
+      <p:sp>
+        <p:nvSpPr>
+          <p:cNvPr id="2" name="Slide Image Placeholder 1"/>
+          <p:cNvSpPr>
+            <a:spLocks noGrp="1" noRot="1" noChangeAspect="1"/>
+          </p:cNvSpPr>
+          <p:nvPr>
+            <p:ph type="sldImg"/>
+          </p:nvPr>
+        </p:nvSpPr>
+        <p:spPr/>
+      </p:sp>
+      <p:sp>
+        <p:nvSpPr>
+          <p:cNvPr id="3" name="Notes Placeholder 2"/>
+          <p:cNvSpPr>
+            <a:spLocks noGrp="1"/>
+          </p:cNvSpPr>
+          <p:nvPr>
+            <p:ph type="body" idx="1"/>
+          </p:nvPr>
+        </p:nvSpPr>
+        <p:spPr/>
+        <p:txBody>
+          <a:bodyPr/>
+          <a:lstStyle/>
+          <a:p>
+            <a:endParaRPr lang="en-NL" dirty="0"/>
+          </a:p>
+        </p:txBody>
+      </p:sp>
+      <p:sp>
+        <p:nvSpPr>
+          <p:cNvPr id="4" name="Slide Number Placeholder 3"/>
+          <p:cNvSpPr>
+            <a:spLocks noGrp="1"/>
+          </p:cNvSpPr>
+          <p:nvPr>
+            <p:ph type="sldNum" sz="quarter" idx="5"/>
+          </p:nvPr>
+        </p:nvSpPr>
+        <p:spPr/>
+        <p:txBody>
+          <a:bodyPr/>
+          <a:lstStyle/>
+          <a:p>
+            <a:fld id="{C73B8168-FC62-464C-9AD9-7C7DFCB5AB14}" type="slidenum">
+              <a:rPr lang="en-NL" smtClean="0"/>
+              <a:t>1</a:t>
+            </a:fld>
+            <a:endParaRPr lang="en-NL"/>
+          </a:p>
+        </p:txBody>
+      </p:sp>
+    </p:spTree>
+    <p:extLst>
+      <p:ext uri="{BB962C8B-B14F-4D97-AF65-F5344CB8AC3E}">
+        <p14:creationId xmlns:p14="http://schemas.microsoft.com/office/powerpoint/2010/main" val="2103190792"/>
+      </p:ext>
+    </p:extLst>
+  </p:cSld>
+  <p:clrMapOvr>
+    <a:masterClrMapping/>
+  </p:clrMapOvr>
+</p:notes>
+</file>
+
 <file path=ppt/slideLayouts/slideLayout1.xml><?xml version="1.0" encoding="utf-8"?>
 <p:sldLayout xmlns:a="http://schemas.openxmlformats.org/drawingml/2006/main" xmlns:r="http://schemas.openxmlformats.org/officeDocument/2006/relationships" xmlns:p="http://schemas.openxmlformats.org/presentationml/2006/main" type="title" preserve="1">
   <p:cSld name="Titeldia">
@@ -1103,7 +1540,7 @@
           <a:p>
             <a:fld id="{207FE49C-52BE-48D3-BA01-22E72B34DE45}" type="datetimeFigureOut">
               <a:rPr lang="nl-NL" smtClean="0"/>
-              <a:t>15-4-2023</a:t>
+              <a:t>16-4-2023</a:t>
             </a:fld>
             <a:endParaRPr lang="nl-NL"/>
           </a:p>
@@ -1145,7 +1582,7 @@
           <a:p>
             <a:fld id="{A8C721A8-0FC4-4D74-9D1D-FEFB5425F115}" type="slidenum">
               <a:rPr lang="nl-NL" smtClean="0"/>
-              <a:t>‹nr.›</a:t>
+              <a:t>‹#›</a:t>
             </a:fld>
             <a:endParaRPr lang="nl-NL"/>
           </a:p>
@@ -1273,7 +1710,7 @@
           <a:p>
             <a:fld id="{207FE49C-52BE-48D3-BA01-22E72B34DE45}" type="datetimeFigureOut">
               <a:rPr lang="nl-NL" smtClean="0"/>
-              <a:t>15-4-2023</a:t>
+              <a:t>16-4-2023</a:t>
             </a:fld>
             <a:endParaRPr lang="nl-NL"/>
           </a:p>
@@ -1315,7 +1752,7 @@
           <a:p>
             <a:fld id="{A8C721A8-0FC4-4D74-9D1D-FEFB5425F115}" type="slidenum">
               <a:rPr lang="nl-NL" smtClean="0"/>
-              <a:t>‹nr.›</a:t>
+              <a:t>‹#›</a:t>
             </a:fld>
             <a:endParaRPr lang="nl-NL"/>
           </a:p>
@@ -1453,7 +1890,7 @@
           <a:p>
             <a:fld id="{207FE49C-52BE-48D3-BA01-22E72B34DE45}" type="datetimeFigureOut">
               <a:rPr lang="nl-NL" smtClean="0"/>
-              <a:t>15-4-2023</a:t>
+              <a:t>16-4-2023</a:t>
             </a:fld>
             <a:endParaRPr lang="nl-NL"/>
           </a:p>
@@ -1495,7 +1932,7 @@
           <a:p>
             <a:fld id="{A8C721A8-0FC4-4D74-9D1D-FEFB5425F115}" type="slidenum">
               <a:rPr lang="nl-NL" smtClean="0"/>
-              <a:t>‹nr.›</a:t>
+              <a:t>‹#›</a:t>
             </a:fld>
             <a:endParaRPr lang="nl-NL"/>
           </a:p>
@@ -1623,7 +2060,7 @@
           <a:p>
             <a:fld id="{207FE49C-52BE-48D3-BA01-22E72B34DE45}" type="datetimeFigureOut">
               <a:rPr lang="nl-NL" smtClean="0"/>
-              <a:t>15-4-2023</a:t>
+              <a:t>16-4-2023</a:t>
             </a:fld>
             <a:endParaRPr lang="nl-NL"/>
           </a:p>
@@ -1665,7 +2102,7 @@
           <a:p>
             <a:fld id="{A8C721A8-0FC4-4D74-9D1D-FEFB5425F115}" type="slidenum">
               <a:rPr lang="nl-NL" smtClean="0"/>
-              <a:t>‹nr.›</a:t>
+              <a:t>‹#›</a:t>
             </a:fld>
             <a:endParaRPr lang="nl-NL"/>
           </a:p>
@@ -1867,7 +2304,7 @@
           <a:p>
             <a:fld id="{207FE49C-52BE-48D3-BA01-22E72B34DE45}" type="datetimeFigureOut">
               <a:rPr lang="nl-NL" smtClean="0"/>
-              <a:t>15-4-2023</a:t>
+              <a:t>16-4-2023</a:t>
             </a:fld>
             <a:endParaRPr lang="nl-NL"/>
           </a:p>
@@ -1909,7 +2346,7 @@
           <a:p>
             <a:fld id="{A8C721A8-0FC4-4D74-9D1D-FEFB5425F115}" type="slidenum">
               <a:rPr lang="nl-NL" smtClean="0"/>
-              <a:t>‹nr.›</a:t>
+              <a:t>‹#›</a:t>
             </a:fld>
             <a:endParaRPr lang="nl-NL"/>
           </a:p>
@@ -2099,7 +2536,7 @@
           <a:p>
             <a:fld id="{207FE49C-52BE-48D3-BA01-22E72B34DE45}" type="datetimeFigureOut">
               <a:rPr lang="nl-NL" smtClean="0"/>
-              <a:t>15-4-2023</a:t>
+              <a:t>16-4-2023</a:t>
             </a:fld>
             <a:endParaRPr lang="nl-NL"/>
           </a:p>
@@ -2141,7 +2578,7 @@
           <a:p>
             <a:fld id="{A8C721A8-0FC4-4D74-9D1D-FEFB5425F115}" type="slidenum">
               <a:rPr lang="nl-NL" smtClean="0"/>
-              <a:t>‹nr.›</a:t>
+              <a:t>‹#›</a:t>
             </a:fld>
             <a:endParaRPr lang="nl-NL"/>
           </a:p>
@@ -2466,7 +2903,7 @@
           <a:p>
             <a:fld id="{207FE49C-52BE-48D3-BA01-22E72B34DE45}" type="datetimeFigureOut">
               <a:rPr lang="nl-NL" smtClean="0"/>
-              <a:t>15-4-2023</a:t>
+              <a:t>16-4-2023</a:t>
             </a:fld>
             <a:endParaRPr lang="nl-NL"/>
           </a:p>
@@ -2508,7 +2945,7 @@
           <a:p>
             <a:fld id="{A8C721A8-0FC4-4D74-9D1D-FEFB5425F115}" type="slidenum">
               <a:rPr lang="nl-NL" smtClean="0"/>
-              <a:t>‹nr.›</a:t>
+              <a:t>‹#›</a:t>
             </a:fld>
             <a:endParaRPr lang="nl-NL"/>
           </a:p>
@@ -2584,7 +3021,7 @@
           <a:p>
             <a:fld id="{207FE49C-52BE-48D3-BA01-22E72B34DE45}" type="datetimeFigureOut">
               <a:rPr lang="nl-NL" smtClean="0"/>
-              <a:t>15-4-2023</a:t>
+              <a:t>16-4-2023</a:t>
             </a:fld>
             <a:endParaRPr lang="nl-NL"/>
           </a:p>
@@ -2626,7 +3063,7 @@
           <a:p>
             <a:fld id="{A8C721A8-0FC4-4D74-9D1D-FEFB5425F115}" type="slidenum">
               <a:rPr lang="nl-NL" smtClean="0"/>
-              <a:t>‹nr.›</a:t>
+              <a:t>‹#›</a:t>
             </a:fld>
             <a:endParaRPr lang="nl-NL"/>
           </a:p>
@@ -2679,7 +3116,7 @@
           <a:p>
             <a:fld id="{207FE49C-52BE-48D3-BA01-22E72B34DE45}" type="datetimeFigureOut">
               <a:rPr lang="nl-NL" smtClean="0"/>
-              <a:t>15-4-2023</a:t>
+              <a:t>16-4-2023</a:t>
             </a:fld>
             <a:endParaRPr lang="nl-NL"/>
           </a:p>
@@ -2721,7 +3158,7 @@
           <a:p>
             <a:fld id="{A8C721A8-0FC4-4D74-9D1D-FEFB5425F115}" type="slidenum">
               <a:rPr lang="nl-NL" smtClean="0"/>
-              <a:t>‹nr.›</a:t>
+              <a:t>‹#›</a:t>
             </a:fld>
             <a:endParaRPr lang="nl-NL"/>
           </a:p>
@@ -2956,7 +3393,7 @@
           <a:p>
             <a:fld id="{207FE49C-52BE-48D3-BA01-22E72B34DE45}" type="datetimeFigureOut">
               <a:rPr lang="nl-NL" smtClean="0"/>
-              <a:t>15-4-2023</a:t>
+              <a:t>16-4-2023</a:t>
             </a:fld>
             <a:endParaRPr lang="nl-NL"/>
           </a:p>
@@ -2998,7 +3435,7 @@
           <a:p>
             <a:fld id="{A8C721A8-0FC4-4D74-9D1D-FEFB5425F115}" type="slidenum">
               <a:rPr lang="nl-NL" smtClean="0"/>
-              <a:t>‹nr.›</a:t>
+              <a:t>‹#›</a:t>
             </a:fld>
             <a:endParaRPr lang="nl-NL"/>
           </a:p>
@@ -3213,7 +3650,7 @@
           <a:p>
             <a:fld id="{207FE49C-52BE-48D3-BA01-22E72B34DE45}" type="datetimeFigureOut">
               <a:rPr lang="nl-NL" smtClean="0"/>
-              <a:t>15-4-2023</a:t>
+              <a:t>16-4-2023</a:t>
             </a:fld>
             <a:endParaRPr lang="nl-NL"/>
           </a:p>
@@ -3255,7 +3692,7 @@
           <a:p>
             <a:fld id="{A8C721A8-0FC4-4D74-9D1D-FEFB5425F115}" type="slidenum">
               <a:rPr lang="nl-NL" smtClean="0"/>
-              <a:t>‹nr.›</a:t>
+              <a:t>‹#›</a:t>
             </a:fld>
             <a:endParaRPr lang="nl-NL"/>
           </a:p>
@@ -3426,7 +3863,7 @@
           <a:p>
             <a:fld id="{207FE49C-52BE-48D3-BA01-22E72B34DE45}" type="datetimeFigureOut">
               <a:rPr lang="nl-NL" smtClean="0"/>
-              <a:t>15-4-2023</a:t>
+              <a:t>16-4-2023</a:t>
             </a:fld>
             <a:endParaRPr lang="nl-NL"/>
           </a:p>
@@ -3504,7 +3941,7 @@
           <a:p>
             <a:fld id="{A8C721A8-0FC4-4D74-9D1D-FEFB5425F115}" type="slidenum">
               <a:rPr lang="nl-NL" smtClean="0"/>
-              <a:t>‹nr.›</a:t>
+              <a:t>‹#›</a:t>
             </a:fld>
             <a:endParaRPr lang="nl-NL"/>
           </a:p>
@@ -3846,7 +4283,7 @@
           <p:nvPr/>
         </p:nvPicPr>
         <p:blipFill>
-          <a:blip r:embed="rId2">
+          <a:blip r:embed="rId3">
             <a:extLst>
               <a:ext uri="{28A0092B-C50C-407E-A947-70E740481C1C}">
                 <a14:useLocalDpi xmlns:a14="http://schemas.microsoft.com/office/drawing/2010/main" val="0"/>
@@ -3956,7 +4393,7 @@
             <p:nvPr/>
           </p:nvPicPr>
           <p:blipFill>
-            <a:blip r:embed="rId3">
+            <a:blip r:embed="rId4">
               <a:extLst>
                 <a:ext uri="{28A0092B-C50C-407E-A947-70E740481C1C}">
                   <a14:useLocalDpi xmlns:a14="http://schemas.microsoft.com/office/drawing/2010/main" val="0"/>
@@ -3992,8 +4429,8 @@
         </p:nvSpPr>
         <p:spPr>
           <a:xfrm>
-            <a:off x="30306180" y="4914900"/>
-            <a:ext cx="10800000" cy="22861979"/>
+            <a:off x="31589125" y="11759233"/>
+            <a:ext cx="10800000" cy="16028875"/>
           </a:xfrm>
           <a:prstGeom prst="rect">
             <a:avLst/>
@@ -4010,7 +4447,7 @@
           <a:lstStyle/>
           <a:p>
             <a:r>
-              <a:rPr lang="nl-NL" sz="4400" dirty="0"/>
+              <a:rPr lang="en-GB" sz="4400"/>
               <a:t> </a:t>
             </a:r>
           </a:p>
@@ -4053,7 +4490,7 @@
                 <a:latin typeface="Arial" panose="020B0604020202020204" pitchFamily="34" charset="0"/>
                 <a:cs typeface="Arial" panose="020B0604020202020204" pitchFamily="34" charset="0"/>
               </a:rPr>
-              <a:t>For the precipitation data, station data is used which matches Era5 well. The station data is averaged over the area by using Thiessen polygons. For evaporation data obtain from Global Land Evaporation Amsterdam Model (GLEAM) is used. Discharge station data is retrieved from USGS, the discharge of two stations in the lower part are added together. </a:t>
+              <a:t>For the precipitation data, station data is used which matches ERA5 well. The station data is averaged over the area by using Thiessen polygons. For evaporation data obtain from Global Land Evaporation Amsterdam Model (GLEAM) is used. Discharge station data is retrieved from USGS, the discharge of two stations in the lower part are added together. </a:t>
             </a:r>
           </a:p>
           <a:p>
@@ -4123,21 +4560,7 @@
                 <a:latin typeface="Arial" panose="020B0604020202020204" pitchFamily="34" charset="0"/>
                 <a:cs typeface="Arial" panose="020B0604020202020204" pitchFamily="34" charset="0"/>
               </a:rPr>
-              <a:t>The HBV model overestimates the discharge during summer. An explanation for this could be the </a:t>
-            </a:r>
-            <a:r>
-              <a:rPr lang="en-GB" sz="2400" dirty="0" err="1">
-                <a:latin typeface="Arial" panose="020B0604020202020204" pitchFamily="34" charset="0"/>
-                <a:cs typeface="Arial" panose="020B0604020202020204" pitchFamily="34" charset="0"/>
-              </a:rPr>
-              <a:t>occurence</a:t>
-            </a:r>
-            <a:r>
-              <a:rPr lang="en-GB" sz="2400" dirty="0">
-                <a:latin typeface="Arial" panose="020B0604020202020204" pitchFamily="34" charset="0"/>
-                <a:cs typeface="Arial" panose="020B0604020202020204" pitchFamily="34" charset="0"/>
-              </a:rPr>
-              <a:t> of reservoirs in the basin. (put figure of reservoirs?)</a:t>
+              <a:t>The HBV model overestimates the discharge during summer. An explanation for this could be the occurrence of reservoirs in the basin. (put figure of reservoirs?)</a:t>
             </a:r>
           </a:p>
           <a:p>
@@ -4171,45 +4594,17 @@
                 <a:latin typeface="Arial" panose="020B0604020202020204" pitchFamily="34" charset="0"/>
                 <a:cs typeface="Arial" panose="020B0604020202020204" pitchFamily="34" charset="0"/>
               </a:rPr>
-              <a:t>Furthermore, both models have better outcome when same parameter range is chosen for the first 20 years based on the NSE.  When </a:t>
-            </a:r>
-            <a:r>
-              <a:rPr lang="en-GB" sz="2400" dirty="0" err="1">
-                <a:latin typeface="Arial" panose="020B0604020202020204" pitchFamily="34" charset="0"/>
-                <a:cs typeface="Arial" panose="020B0604020202020204" pitchFamily="34" charset="0"/>
-              </a:rPr>
-              <a:t>excuceted</a:t>
-            </a:r>
+              <a:t>Furthermore, both models have better outcome when same parameter range is chosen for the first 20 years based on the NSE.  When run several times, the model of the past 20 years score always lower than data used from 1980 till 2000. </a:t>
+            </a:r>
+          </a:p>
+          <a:p>
+            <a:pPr algn="just"/>
             <a:r>
               <a:rPr lang="en-GB" sz="2400" dirty="0">
                 <a:latin typeface="Arial" panose="020B0604020202020204" pitchFamily="34" charset="0"/>
                 <a:cs typeface="Arial" panose="020B0604020202020204" pitchFamily="34" charset="0"/>
               </a:rPr>
-              <a:t> several times, the model of the past 20 years score always lower than data used from 1980 till 2000. </a:t>
-            </a:r>
-          </a:p>
-          <a:p>
-            <a:pPr algn="just"/>
-            <a:r>
-              <a:rPr lang="en-GB" sz="2400" dirty="0">
-                <a:latin typeface="Arial" panose="020B0604020202020204" pitchFamily="34" charset="0"/>
-                <a:cs typeface="Arial" panose="020B0604020202020204" pitchFamily="34" charset="0"/>
-              </a:rPr>
-              <a:t>Uncertainty is </a:t>
-            </a:r>
-            <a:r>
-              <a:rPr lang="en-GB" sz="2400" dirty="0" err="1">
-                <a:latin typeface="Arial" panose="020B0604020202020204" pitchFamily="34" charset="0"/>
-                <a:cs typeface="Arial" panose="020B0604020202020204" pitchFamily="34" charset="0"/>
-              </a:rPr>
-              <a:t>large,but</a:t>
-            </a:r>
-            <a:r>
-              <a:rPr lang="en-GB" sz="2400" dirty="0">
-                <a:latin typeface="Arial" panose="020B0604020202020204" pitchFamily="34" charset="0"/>
-                <a:cs typeface="Arial" panose="020B0604020202020204" pitchFamily="34" charset="0"/>
-              </a:rPr>
-              <a:t> it is remarkable. </a:t>
+              <a:t>Uncertainty is large, but it is remarkable. </a:t>
             </a:r>
           </a:p>
           <a:p>
@@ -4233,21 +4628,7 @@
                 <a:latin typeface="Arial" panose="020B0604020202020204" pitchFamily="34" charset="0"/>
                 <a:cs typeface="Arial" panose="020B0604020202020204" pitchFamily="34" charset="0"/>
               </a:rPr>
-              <a:t>Data </a:t>
-            </a:r>
-            <a:r>
-              <a:rPr lang="en-GB" sz="2400" dirty="0" err="1">
-                <a:latin typeface="Arial" panose="020B0604020202020204" pitchFamily="34" charset="0"/>
-                <a:cs typeface="Arial" panose="020B0604020202020204" pitchFamily="34" charset="0"/>
-              </a:rPr>
-              <a:t>assmiliation</a:t>
-            </a:r>
-            <a:r>
-              <a:rPr lang="en-GB" sz="2400" dirty="0">
-                <a:latin typeface="Arial" panose="020B0604020202020204" pitchFamily="34" charset="0"/>
-                <a:cs typeface="Arial" panose="020B0604020202020204" pitchFamily="34" charset="0"/>
-              </a:rPr>
-              <a:t> part + plot </a:t>
+              <a:t>Data assimilation part + plot </a:t>
             </a:r>
           </a:p>
           <a:p>
@@ -4266,7 +4647,7 @@
           </a:p>
           <a:p>
             <a:pPr algn="ctr"/>
-            <a:endParaRPr lang="nl-NL" sz="2400" b="1" u="sng" dirty="0">
+            <a:endParaRPr lang="en-GB" sz="2400" b="1" u="sng" dirty="0">
               <a:latin typeface="Arial" panose="020B0604020202020204" pitchFamily="34" charset="0"/>
               <a:cs typeface="Arial" panose="020B0604020202020204" pitchFamily="34" charset="0"/>
             </a:endParaRPr>
@@ -4274,125 +4655,43 @@
           <a:p>
             <a:pPr algn="ctr"/>
             <a:r>
-              <a:rPr lang="nl-NL" sz="2400" b="1" u="sng" dirty="0" err="1">
+              <a:rPr lang="en-GB" sz="2400" b="1" u="sng" dirty="0">
                 <a:latin typeface="Arial" panose="020B0604020202020204" pitchFamily="34" charset="0"/>
                 <a:cs typeface="Arial" panose="020B0604020202020204" pitchFamily="34" charset="0"/>
               </a:rPr>
               <a:t>Conclusion</a:t>
             </a:r>
-            <a:endParaRPr lang="nl-NL" sz="2400" b="1" u="sng" dirty="0">
+          </a:p>
+          <a:p>
+            <a:pPr algn="ctr"/>
+            <a:endParaRPr lang="en-GB" sz="2400" b="1" u="sng" dirty="0">
               <a:latin typeface="Arial" panose="020B0604020202020204" pitchFamily="34" charset="0"/>
               <a:cs typeface="Arial" panose="020B0604020202020204" pitchFamily="34" charset="0"/>
             </a:endParaRPr>
           </a:p>
           <a:p>
             <a:pPr algn="ctr"/>
-            <a:endParaRPr lang="nl-NL" sz="2400" b="1" u="sng" dirty="0">
-              <a:latin typeface="Arial" panose="020B0604020202020204" pitchFamily="34" charset="0"/>
-              <a:cs typeface="Arial" panose="020B0604020202020204" pitchFamily="34" charset="0"/>
-            </a:endParaRPr>
-          </a:p>
-          <a:p>
-            <a:pPr algn="ctr"/>
-            <a:r>
-              <a:rPr lang="nl-NL" sz="2400" u="sng" dirty="0">
+            <a:r>
+              <a:rPr lang="en-GB" sz="2400" u="sng" dirty="0">
                 <a:latin typeface="Arial" panose="020B0604020202020204" pitchFamily="34" charset="0"/>
                 <a:cs typeface="Arial" panose="020B0604020202020204" pitchFamily="34" charset="0"/>
               </a:rPr>
               <a:t>Reservoirs</a:t>
             </a:r>
             <a:r>
-              <a:rPr lang="nl-NL" sz="2400" b="1" u="sng" dirty="0">
-                <a:latin typeface="Arial" panose="020B0604020202020204" pitchFamily="34" charset="0"/>
-                <a:cs typeface="Arial" panose="020B0604020202020204" pitchFamily="34" charset="0"/>
-              </a:rPr>
-              <a:t> in </a:t>
-            </a:r>
-            <a:r>
-              <a:rPr lang="nl-NL" sz="2400" b="1" u="sng" dirty="0" err="1">
-                <a:latin typeface="Arial" panose="020B0604020202020204" pitchFamily="34" charset="0"/>
-                <a:cs typeface="Arial" panose="020B0604020202020204" pitchFamily="34" charset="0"/>
-              </a:rPr>
-              <a:t>basin</a:t>
-            </a:r>
-            <a:r>
-              <a:rPr lang="nl-NL" sz="2400" b="1" u="sng" dirty="0">
-                <a:latin typeface="Arial" panose="020B0604020202020204" pitchFamily="34" charset="0"/>
-                <a:cs typeface="Arial" panose="020B0604020202020204" pitchFamily="34" charset="0"/>
-              </a:rPr>
-              <a:t> </a:t>
-            </a:r>
-            <a:r>
-              <a:rPr lang="nl-NL" sz="2400" b="1" u="sng" dirty="0">
+              <a:rPr lang="en-GB" sz="2400" b="1" u="sng" dirty="0">
+                <a:latin typeface="Arial" panose="020B0604020202020204" pitchFamily="34" charset="0"/>
+                <a:cs typeface="Arial" panose="020B0604020202020204" pitchFamily="34" charset="0"/>
+              </a:rPr>
+              <a:t> in basin </a:t>
+            </a:r>
+            <a:r>
+              <a:rPr lang="en-GB" sz="2400" b="1" u="sng" dirty="0">
                 <a:latin typeface="Arial" panose="020B0604020202020204" pitchFamily="34" charset="0"/>
                 <a:cs typeface="Arial" panose="020B0604020202020204" pitchFamily="34" charset="0"/>
                 <a:sym typeface="Wingdings" panose="05000000000000000000" pitchFamily="2" charset="2"/>
               </a:rPr>
-              <a:t> </a:t>
-            </a:r>
-            <a:r>
-              <a:rPr lang="nl-NL" sz="2400" b="1" u="sng" dirty="0" err="1">
-                <a:latin typeface="Arial" panose="020B0604020202020204" pitchFamily="34" charset="0"/>
-                <a:cs typeface="Arial" panose="020B0604020202020204" pitchFamily="34" charset="0"/>
-                <a:sym typeface="Wingdings" panose="05000000000000000000" pitchFamily="2" charset="2"/>
-              </a:rPr>
-              <a:t>higher</a:t>
-            </a:r>
-            <a:r>
-              <a:rPr lang="nl-NL" sz="2400" b="1" u="sng" dirty="0">
-                <a:latin typeface="Arial" panose="020B0604020202020204" pitchFamily="34" charset="0"/>
-                <a:cs typeface="Arial" panose="020B0604020202020204" pitchFamily="34" charset="0"/>
-                <a:sym typeface="Wingdings" panose="05000000000000000000" pitchFamily="2" charset="2"/>
-              </a:rPr>
-              <a:t> </a:t>
-            </a:r>
-            <a:r>
-              <a:rPr lang="nl-NL" sz="2400" b="1" u="sng" dirty="0" err="1">
-                <a:latin typeface="Arial" panose="020B0604020202020204" pitchFamily="34" charset="0"/>
-                <a:cs typeface="Arial" panose="020B0604020202020204" pitchFamily="34" charset="0"/>
-                <a:sym typeface="Wingdings" panose="05000000000000000000" pitchFamily="2" charset="2"/>
-              </a:rPr>
-              <a:t>modelled</a:t>
-            </a:r>
-            <a:r>
-              <a:rPr lang="nl-NL" sz="2400" b="1" u="sng" dirty="0">
-                <a:latin typeface="Arial" panose="020B0604020202020204" pitchFamily="34" charset="0"/>
-                <a:cs typeface="Arial" panose="020B0604020202020204" pitchFamily="34" charset="0"/>
-                <a:sym typeface="Wingdings" panose="05000000000000000000" pitchFamily="2" charset="2"/>
-              </a:rPr>
-              <a:t> </a:t>
-            </a:r>
-            <a:r>
-              <a:rPr lang="nl-NL" sz="2400" b="1" u="sng" dirty="0" err="1">
-                <a:latin typeface="Arial" panose="020B0604020202020204" pitchFamily="34" charset="0"/>
-                <a:cs typeface="Arial" panose="020B0604020202020204" pitchFamily="34" charset="0"/>
-                <a:sym typeface="Wingdings" panose="05000000000000000000" pitchFamily="2" charset="2"/>
-              </a:rPr>
-              <a:t>outflow</a:t>
-            </a:r>
-            <a:r>
-              <a:rPr lang="nl-NL" sz="2400" b="1" u="sng" dirty="0">
-                <a:latin typeface="Arial" panose="020B0604020202020204" pitchFamily="34" charset="0"/>
-                <a:cs typeface="Arial" panose="020B0604020202020204" pitchFamily="34" charset="0"/>
-                <a:sym typeface="Wingdings" panose="05000000000000000000" pitchFamily="2" charset="2"/>
-              </a:rPr>
-              <a:t> </a:t>
-            </a:r>
-            <a:r>
-              <a:rPr lang="nl-NL" sz="2400" b="1" u="sng" dirty="0" err="1">
-                <a:latin typeface="Arial" panose="020B0604020202020204" pitchFamily="34" charset="0"/>
-                <a:cs typeface="Arial" panose="020B0604020202020204" pitchFamily="34" charset="0"/>
-                <a:sym typeface="Wingdings" panose="05000000000000000000" pitchFamily="2" charset="2"/>
-              </a:rPr>
-              <a:t>summer</a:t>
-            </a:r>
-            <a:r>
-              <a:rPr lang="nl-NL" sz="2400" b="1" u="sng" dirty="0">
-                <a:latin typeface="Arial" panose="020B0604020202020204" pitchFamily="34" charset="0"/>
-                <a:cs typeface="Arial" panose="020B0604020202020204" pitchFamily="34" charset="0"/>
-                <a:sym typeface="Wingdings" panose="05000000000000000000" pitchFamily="2" charset="2"/>
-              </a:rPr>
-              <a:t> </a:t>
+              <a:t> higher modelled outflow summer </a:t>
             </a:r>
           </a:p>
           <a:p>
@@ -4401,46 +4700,20 @@
               <a:buChar char="-"/>
             </a:pPr>
             <a:r>
-              <a:rPr lang="nl-NL" sz="2400" b="1" u="sng" dirty="0" err="1">
+              <a:rPr lang="en-GB" sz="2400" b="1" u="sng" dirty="0">
                 <a:latin typeface="Arial" panose="020B0604020202020204" pitchFamily="34" charset="0"/>
                 <a:cs typeface="Arial" panose="020B0604020202020204" pitchFamily="34" charset="0"/>
                 <a:sym typeface="Wingdings" panose="05000000000000000000" pitchFamily="2" charset="2"/>
               </a:rPr>
-              <a:t>Used</a:t>
-            </a:r>
-            <a:r>
-              <a:rPr lang="nl-NL" sz="2400" b="1" u="sng" dirty="0">
-                <a:latin typeface="Arial" panose="020B0604020202020204" pitchFamily="34" charset="0"/>
-                <a:cs typeface="Arial" panose="020B0604020202020204" pitchFamily="34" charset="0"/>
-                <a:sym typeface="Wingdings" panose="05000000000000000000" pitchFamily="2" charset="2"/>
-              </a:rPr>
-              <a:t> factor </a:t>
-            </a:r>
-            <a:r>
-              <a:rPr lang="nl-NL" sz="2400" b="1" u="sng" dirty="0" err="1">
-                <a:latin typeface="Arial" panose="020B0604020202020204" pitchFamily="34" charset="0"/>
-                <a:cs typeface="Arial" panose="020B0604020202020204" pitchFamily="34" charset="0"/>
-                <a:sym typeface="Wingdings" panose="05000000000000000000" pitchFamily="2" charset="2"/>
-              </a:rPr>
-              <a:t>to</a:t>
-            </a:r>
-            <a:r>
-              <a:rPr lang="nl-NL" sz="2400" b="1" u="sng" dirty="0">
-                <a:latin typeface="Arial" panose="020B0604020202020204" pitchFamily="34" charset="0"/>
-                <a:cs typeface="Arial" panose="020B0604020202020204" pitchFamily="34" charset="0"/>
-                <a:sym typeface="Wingdings" panose="05000000000000000000" pitchFamily="2" charset="2"/>
-              </a:rPr>
-              <a:t> </a:t>
-            </a:r>
-            <a:r>
-              <a:rPr lang="nl-NL" sz="2400" b="1" u="sng" dirty="0" err="1">
-                <a:latin typeface="Arial" panose="020B0604020202020204" pitchFamily="34" charset="0"/>
-                <a:cs typeface="Arial" panose="020B0604020202020204" pitchFamily="34" charset="0"/>
-                <a:sym typeface="Wingdings" panose="05000000000000000000" pitchFamily="2" charset="2"/>
-              </a:rPr>
-              <a:t>compensate</a:t>
-            </a:r>
-            <a:endParaRPr lang="nl-NL" sz="2400" b="1" u="sng" dirty="0">
+              <a:t>Used factor to compensate</a:t>
+            </a:r>
+          </a:p>
+          <a:p>
+            <a:pPr marL="685800" indent="-685800" algn="ctr">
+              <a:buFontTx/>
+              <a:buChar char="-"/>
+            </a:pPr>
+            <a:endParaRPr lang="en-GB" sz="2400" b="1" u="sng" dirty="0">
               <a:latin typeface="Arial" panose="020B0604020202020204" pitchFamily="34" charset="0"/>
               <a:cs typeface="Arial" panose="020B0604020202020204" pitchFamily="34" charset="0"/>
               <a:sym typeface="Wingdings" panose="05000000000000000000" pitchFamily="2" charset="2"/>
@@ -4451,7 +4724,7 @@
               <a:buFontTx/>
               <a:buChar char="-"/>
             </a:pPr>
-            <a:endParaRPr lang="nl-NL" sz="2400" b="1" u="sng" dirty="0">
+            <a:endParaRPr lang="en-GB" sz="2400" b="1" u="sng" dirty="0">
               <a:latin typeface="Arial" panose="020B0604020202020204" pitchFamily="34" charset="0"/>
               <a:cs typeface="Arial" panose="020B0604020202020204" pitchFamily="34" charset="0"/>
               <a:sym typeface="Wingdings" panose="05000000000000000000" pitchFamily="2" charset="2"/>
@@ -4462,34 +4735,168 @@
               <a:buFontTx/>
               <a:buChar char="-"/>
             </a:pPr>
-            <a:endParaRPr lang="nl-NL" sz="2400" b="1" u="sng" dirty="0">
+            <a:endParaRPr lang="en-GB" sz="2400" b="1" u="sng" dirty="0">
               <a:latin typeface="Arial" panose="020B0604020202020204" pitchFamily="34" charset="0"/>
               <a:cs typeface="Arial" panose="020B0604020202020204" pitchFamily="34" charset="0"/>
               <a:sym typeface="Wingdings" panose="05000000000000000000" pitchFamily="2" charset="2"/>
             </a:endParaRPr>
           </a:p>
           <a:p>
+            <a:pPr algn="ctr"/>
+            <a:endParaRPr lang="en-GB" sz="2400" b="1" u="sng" dirty="0">
+              <a:latin typeface="Arial" panose="020B0604020202020204" pitchFamily="34" charset="0"/>
+              <a:cs typeface="Arial" panose="020B0604020202020204" pitchFamily="34" charset="0"/>
+              <a:sym typeface="Wingdings" panose="05000000000000000000" pitchFamily="2" charset="2"/>
+            </a:endParaRPr>
+          </a:p>
+          <a:p>
+            <a:pPr algn="ctr"/>
+            <a:endParaRPr lang="en-GB" sz="2400" b="1" u="sng" dirty="0">
+              <a:latin typeface="Arial" panose="020B0604020202020204" pitchFamily="34" charset="0"/>
+              <a:cs typeface="Arial" panose="020B0604020202020204" pitchFamily="34" charset="0"/>
+              <a:sym typeface="Wingdings" panose="05000000000000000000" pitchFamily="2" charset="2"/>
+            </a:endParaRPr>
+          </a:p>
+          <a:p>
+            <a:pPr algn="ctr"/>
+            <a:endParaRPr lang="en-GB" sz="2400" b="1" u="sng" dirty="0">
+              <a:latin typeface="Arial" panose="020B0604020202020204" pitchFamily="34" charset="0"/>
+              <a:cs typeface="Arial" panose="020B0604020202020204" pitchFamily="34" charset="0"/>
+              <a:sym typeface="Wingdings" panose="05000000000000000000" pitchFamily="2" charset="2"/>
+            </a:endParaRPr>
+          </a:p>
+          <a:p>
+            <a:pPr algn="ctr"/>
+            <a:endParaRPr lang="en-GB" sz="2400" b="1" u="sng" dirty="0">
+              <a:latin typeface="Arial" panose="020B0604020202020204" pitchFamily="34" charset="0"/>
+              <a:cs typeface="Arial" panose="020B0604020202020204" pitchFamily="34" charset="0"/>
+              <a:sym typeface="Wingdings" panose="05000000000000000000" pitchFamily="2" charset="2"/>
+            </a:endParaRPr>
+          </a:p>
+          <a:p>
+            <a:pPr algn="ctr"/>
+            <a:endParaRPr lang="en-GB" sz="2400" b="1" u="sng" dirty="0">
+              <a:latin typeface="Arial" panose="020B0604020202020204" pitchFamily="34" charset="0"/>
+              <a:cs typeface="Arial" panose="020B0604020202020204" pitchFamily="34" charset="0"/>
+              <a:sym typeface="Wingdings" panose="05000000000000000000" pitchFamily="2" charset="2"/>
+            </a:endParaRPr>
+          </a:p>
+          <a:p>
+            <a:pPr algn="ctr"/>
+            <a:endParaRPr lang="en-GB" sz="2400" b="1" u="sng" dirty="0">
+              <a:latin typeface="Arial" panose="020B0604020202020204" pitchFamily="34" charset="0"/>
+              <a:cs typeface="Arial" panose="020B0604020202020204" pitchFamily="34" charset="0"/>
+              <a:sym typeface="Wingdings" panose="05000000000000000000" pitchFamily="2" charset="2"/>
+            </a:endParaRPr>
+          </a:p>
+          <a:p>
+            <a:pPr algn="ctr"/>
+            <a:endParaRPr lang="en-GB" sz="2400" b="1" u="sng" dirty="0">
+              <a:latin typeface="Arial" panose="020B0604020202020204" pitchFamily="34" charset="0"/>
+              <a:cs typeface="Arial" panose="020B0604020202020204" pitchFamily="34" charset="0"/>
+              <a:sym typeface="Wingdings" panose="05000000000000000000" pitchFamily="2" charset="2"/>
+            </a:endParaRPr>
+          </a:p>
+          <a:p>
+            <a:pPr algn="ctr"/>
+            <a:endParaRPr lang="en-GB" sz="2400" b="1" u="sng" dirty="0">
+              <a:latin typeface="Arial" panose="020B0604020202020204" pitchFamily="34" charset="0"/>
+              <a:cs typeface="Arial" panose="020B0604020202020204" pitchFamily="34" charset="0"/>
+              <a:sym typeface="Wingdings" panose="05000000000000000000" pitchFamily="2" charset="2"/>
+            </a:endParaRPr>
+          </a:p>
+          <a:p>
+            <a:pPr algn="ctr"/>
+            <a:endParaRPr lang="en-GB" sz="2400" b="1" u="sng" dirty="0">
+              <a:latin typeface="Arial" panose="020B0604020202020204" pitchFamily="34" charset="0"/>
+              <a:cs typeface="Arial" panose="020B0604020202020204" pitchFamily="34" charset="0"/>
+              <a:sym typeface="Wingdings" panose="05000000000000000000" pitchFamily="2" charset="2"/>
+            </a:endParaRPr>
+          </a:p>
+          <a:p>
+            <a:pPr algn="ctr"/>
+            <a:endParaRPr lang="en-GB" sz="2400" b="1" u="sng" dirty="0">
+              <a:latin typeface="Arial" panose="020B0604020202020204" pitchFamily="34" charset="0"/>
+              <a:cs typeface="Arial" panose="020B0604020202020204" pitchFamily="34" charset="0"/>
+              <a:sym typeface="Wingdings" panose="05000000000000000000" pitchFamily="2" charset="2"/>
+            </a:endParaRPr>
+          </a:p>
+          <a:p>
+            <a:pPr algn="ctr"/>
+            <a:endParaRPr lang="en-GB" sz="2400" b="1" u="sng" dirty="0">
+              <a:latin typeface="Arial" panose="020B0604020202020204" pitchFamily="34" charset="0"/>
+              <a:cs typeface="Arial" panose="020B0604020202020204" pitchFamily="34" charset="0"/>
+              <a:sym typeface="Wingdings" panose="05000000000000000000" pitchFamily="2" charset="2"/>
+            </a:endParaRPr>
+          </a:p>
+          <a:p>
+            <a:pPr algn="ctr"/>
+            <a:endParaRPr lang="en-GB" sz="2400" b="1" u="sng" dirty="0">
+              <a:latin typeface="Arial" panose="020B0604020202020204" pitchFamily="34" charset="0"/>
+              <a:cs typeface="Arial" panose="020B0604020202020204" pitchFamily="34" charset="0"/>
+              <a:sym typeface="Wingdings" panose="05000000000000000000" pitchFamily="2" charset="2"/>
+            </a:endParaRPr>
+          </a:p>
+          <a:p>
+            <a:pPr algn="ctr"/>
+            <a:endParaRPr lang="en-GB" sz="2400" b="1" u="sng" dirty="0">
+              <a:latin typeface="Arial" panose="020B0604020202020204" pitchFamily="34" charset="0"/>
+              <a:cs typeface="Arial" panose="020B0604020202020204" pitchFamily="34" charset="0"/>
+              <a:sym typeface="Wingdings" panose="05000000000000000000" pitchFamily="2" charset="2"/>
+            </a:endParaRPr>
+          </a:p>
+          <a:p>
+            <a:pPr algn="ctr"/>
+            <a:endParaRPr lang="en-GB" sz="2400" b="1" u="sng" dirty="0">
+              <a:latin typeface="Arial" panose="020B0604020202020204" pitchFamily="34" charset="0"/>
+              <a:cs typeface="Arial" panose="020B0604020202020204" pitchFamily="34" charset="0"/>
+              <a:sym typeface="Wingdings" panose="05000000000000000000" pitchFamily="2" charset="2"/>
+            </a:endParaRPr>
+          </a:p>
+          <a:p>
+            <a:pPr algn="ctr"/>
+            <a:endParaRPr lang="en-GB" sz="2400" b="1" u="sng" dirty="0">
+              <a:latin typeface="Arial" panose="020B0604020202020204" pitchFamily="34" charset="0"/>
+              <a:cs typeface="Arial" panose="020B0604020202020204" pitchFamily="34" charset="0"/>
+              <a:sym typeface="Wingdings" panose="05000000000000000000" pitchFamily="2" charset="2"/>
+            </a:endParaRPr>
+          </a:p>
+          <a:p>
+            <a:pPr algn="ctr"/>
+            <a:endParaRPr lang="en-GB" sz="2400" b="1" u="sng" dirty="0">
+              <a:latin typeface="Arial" panose="020B0604020202020204" pitchFamily="34" charset="0"/>
+              <a:cs typeface="Arial" panose="020B0604020202020204" pitchFamily="34" charset="0"/>
+              <a:sym typeface="Wingdings" panose="05000000000000000000" pitchFamily="2" charset="2"/>
+            </a:endParaRPr>
+          </a:p>
+          <a:p>
             <a:pPr marL="685800" indent="-685800" algn="ctr">
               <a:buFontTx/>
               <a:buChar char="-"/>
             </a:pPr>
-            <a:endParaRPr lang="nl-NL" sz="2400" b="1" u="sng" dirty="0">
+            <a:endParaRPr lang="en-GB" sz="2400" b="1" u="sng" dirty="0">
               <a:latin typeface="Arial" panose="020B0604020202020204" pitchFamily="34" charset="0"/>
               <a:cs typeface="Arial" panose="020B0604020202020204" pitchFamily="34" charset="0"/>
               <a:sym typeface="Wingdings" panose="05000000000000000000" pitchFamily="2" charset="2"/>
             </a:endParaRPr>
           </a:p>
           <a:p>
-            <a:pPr algn="ctr"/>
-            <a:endParaRPr lang="nl-NL" sz="2400" b="1" u="sng" dirty="0">
+            <a:pPr marL="685800" indent="-685800" algn="ctr">
+              <a:buFontTx/>
+              <a:buChar char="-"/>
+            </a:pPr>
+            <a:endParaRPr lang="en-GB" sz="2400" b="1" u="sng" dirty="0">
               <a:latin typeface="Arial" panose="020B0604020202020204" pitchFamily="34" charset="0"/>
               <a:cs typeface="Arial" panose="020B0604020202020204" pitchFamily="34" charset="0"/>
               <a:sym typeface="Wingdings" panose="05000000000000000000" pitchFamily="2" charset="2"/>
             </a:endParaRPr>
           </a:p>
           <a:p>
-            <a:pPr algn="ctr"/>
-            <a:endParaRPr lang="nl-NL" sz="2400" b="1" u="sng" dirty="0">
+            <a:pPr marL="685800" indent="-685800" algn="ctr">
+              <a:buFontTx/>
+              <a:buChar char="-"/>
+            </a:pPr>
+            <a:endParaRPr lang="en-GB" sz="2400" b="1" u="sng" dirty="0">
               <a:latin typeface="Arial" panose="020B0604020202020204" pitchFamily="34" charset="0"/>
               <a:cs typeface="Arial" panose="020B0604020202020204" pitchFamily="34" charset="0"/>
               <a:sym typeface="Wingdings" panose="05000000000000000000" pitchFamily="2" charset="2"/>
@@ -4497,7 +4904,54 @@
           </a:p>
           <a:p>
             <a:pPr algn="ctr"/>
-            <a:endParaRPr lang="nl-NL" sz="2400" b="1" u="sng" dirty="0">
+            <a:r>
+              <a:rPr lang="en-GB" sz="2400" b="1" u="sng" dirty="0">
+                <a:latin typeface="Arial" panose="020B0604020202020204" pitchFamily="34" charset="0"/>
+                <a:cs typeface="Arial" panose="020B0604020202020204" pitchFamily="34" charset="0"/>
+                <a:sym typeface="Wingdings" panose="05000000000000000000" pitchFamily="2" charset="2"/>
+              </a:rPr>
+              <a:t>Distributed model: under estimates discharge during snowfall</a:t>
+            </a:r>
+          </a:p>
+          <a:p>
+            <a:pPr marL="685800" indent="-685800" algn="ctr">
+              <a:buFontTx/>
+              <a:buChar char="-"/>
+            </a:pPr>
+            <a:r>
+              <a:rPr lang="en-GB" sz="2400" b="1" u="sng" dirty="0" err="1">
+                <a:latin typeface="Arial" panose="020B0604020202020204" pitchFamily="34" charset="0"/>
+                <a:cs typeface="Arial" panose="020B0604020202020204" pitchFamily="34" charset="0"/>
+                <a:sym typeface="Wingdings" panose="05000000000000000000" pitchFamily="2" charset="2"/>
+              </a:rPr>
+              <a:t>Heterogenity</a:t>
+            </a:r>
+            <a:r>
+              <a:rPr lang="en-GB" sz="2400" b="1" u="sng" dirty="0">
+                <a:latin typeface="Arial" panose="020B0604020202020204" pitchFamily="34" charset="0"/>
+                <a:cs typeface="Arial" panose="020B0604020202020204" pitchFamily="34" charset="0"/>
+                <a:sym typeface="Wingdings" panose="05000000000000000000" pitchFamily="2" charset="2"/>
+              </a:rPr>
+              <a:t> </a:t>
+            </a:r>
+          </a:p>
+          <a:p>
+            <a:pPr marL="685800" indent="-685800" algn="ctr">
+              <a:buFontTx/>
+              <a:buChar char="-"/>
+            </a:pPr>
+            <a:r>
+              <a:rPr lang="en-GB" sz="2400" b="1" u="sng" dirty="0">
+                <a:latin typeface="Arial" panose="020B0604020202020204" pitchFamily="34" charset="0"/>
+                <a:cs typeface="Arial" panose="020B0604020202020204" pitchFamily="34" charset="0"/>
+                <a:sym typeface="Wingdings" panose="05000000000000000000" pitchFamily="2" charset="2"/>
+              </a:rPr>
+              <a:t>Average</a:t>
+            </a:r>
+          </a:p>
+          <a:p>
+            <a:pPr algn="ctr"/>
+            <a:endParaRPr lang="en-GB" sz="2400" b="1" u="sng" dirty="0">
               <a:latin typeface="Arial" panose="020B0604020202020204" pitchFamily="34" charset="0"/>
               <a:cs typeface="Arial" panose="020B0604020202020204" pitchFamily="34" charset="0"/>
               <a:sym typeface="Wingdings" panose="05000000000000000000" pitchFamily="2" charset="2"/>
@@ -4505,7 +4959,18 @@
           </a:p>
           <a:p>
             <a:pPr algn="ctr"/>
-            <a:endParaRPr lang="nl-NL" sz="2400" b="1" u="sng" dirty="0">
+            <a:r>
+              <a:rPr lang="en-GB" sz="2400" b="1" u="sng" dirty="0">
+                <a:latin typeface="Arial" panose="020B0604020202020204" pitchFamily="34" charset="0"/>
+                <a:cs typeface="Arial" panose="020B0604020202020204" pitchFamily="34" charset="0"/>
+                <a:sym typeface="Wingdings" panose="05000000000000000000" pitchFamily="2" charset="2"/>
+              </a:rPr>
+              <a:t>Both lumped and distributed parameter range better outcome first 20 years, or last 20 years</a:t>
+            </a:r>
+          </a:p>
+          <a:p>
+            <a:pPr algn="ctr"/>
+            <a:endParaRPr lang="en-GB" sz="2400" b="1" u="sng" dirty="0">
               <a:latin typeface="Arial" panose="020B0604020202020204" pitchFamily="34" charset="0"/>
               <a:cs typeface="Arial" panose="020B0604020202020204" pitchFamily="34" charset="0"/>
               <a:sym typeface="Wingdings" panose="05000000000000000000" pitchFamily="2" charset="2"/>
@@ -4513,389 +4978,42 @@
           </a:p>
           <a:p>
             <a:pPr algn="ctr"/>
-            <a:endParaRPr lang="nl-NL" sz="2400" b="1" u="sng" dirty="0">
-              <a:latin typeface="Arial" panose="020B0604020202020204" pitchFamily="34" charset="0"/>
-              <a:cs typeface="Arial" panose="020B0604020202020204" pitchFamily="34" charset="0"/>
-              <a:sym typeface="Wingdings" panose="05000000000000000000" pitchFamily="2" charset="2"/>
-            </a:endParaRPr>
-          </a:p>
-          <a:p>
-            <a:pPr algn="ctr"/>
-            <a:endParaRPr lang="nl-NL" sz="2400" b="1" u="sng" dirty="0">
-              <a:latin typeface="Arial" panose="020B0604020202020204" pitchFamily="34" charset="0"/>
-              <a:cs typeface="Arial" panose="020B0604020202020204" pitchFamily="34" charset="0"/>
-              <a:sym typeface="Wingdings" panose="05000000000000000000" pitchFamily="2" charset="2"/>
-            </a:endParaRPr>
-          </a:p>
-          <a:p>
-            <a:pPr algn="ctr"/>
-            <a:endParaRPr lang="nl-NL" sz="2400" b="1" u="sng" dirty="0">
-              <a:latin typeface="Arial" panose="020B0604020202020204" pitchFamily="34" charset="0"/>
-              <a:cs typeface="Arial" panose="020B0604020202020204" pitchFamily="34" charset="0"/>
-              <a:sym typeface="Wingdings" panose="05000000000000000000" pitchFamily="2" charset="2"/>
-            </a:endParaRPr>
-          </a:p>
-          <a:p>
-            <a:pPr algn="ctr"/>
-            <a:endParaRPr lang="nl-NL" sz="2400" b="1" u="sng" dirty="0">
-              <a:latin typeface="Arial" panose="020B0604020202020204" pitchFamily="34" charset="0"/>
-              <a:cs typeface="Arial" panose="020B0604020202020204" pitchFamily="34" charset="0"/>
-              <a:sym typeface="Wingdings" panose="05000000000000000000" pitchFamily="2" charset="2"/>
-            </a:endParaRPr>
-          </a:p>
-          <a:p>
-            <a:pPr algn="ctr"/>
-            <a:endParaRPr lang="nl-NL" sz="2400" b="1" u="sng" dirty="0">
-              <a:latin typeface="Arial" panose="020B0604020202020204" pitchFamily="34" charset="0"/>
-              <a:cs typeface="Arial" panose="020B0604020202020204" pitchFamily="34" charset="0"/>
-              <a:sym typeface="Wingdings" panose="05000000000000000000" pitchFamily="2" charset="2"/>
-            </a:endParaRPr>
-          </a:p>
-          <a:p>
-            <a:pPr algn="ctr"/>
-            <a:endParaRPr lang="nl-NL" sz="2400" b="1" u="sng" dirty="0">
-              <a:latin typeface="Arial" panose="020B0604020202020204" pitchFamily="34" charset="0"/>
-              <a:cs typeface="Arial" panose="020B0604020202020204" pitchFamily="34" charset="0"/>
-              <a:sym typeface="Wingdings" panose="05000000000000000000" pitchFamily="2" charset="2"/>
-            </a:endParaRPr>
-          </a:p>
-          <a:p>
-            <a:pPr algn="ctr"/>
-            <a:endParaRPr lang="nl-NL" sz="2400" b="1" u="sng" dirty="0">
-              <a:latin typeface="Arial" panose="020B0604020202020204" pitchFamily="34" charset="0"/>
-              <a:cs typeface="Arial" panose="020B0604020202020204" pitchFamily="34" charset="0"/>
-              <a:sym typeface="Wingdings" panose="05000000000000000000" pitchFamily="2" charset="2"/>
-            </a:endParaRPr>
-          </a:p>
-          <a:p>
-            <a:pPr algn="ctr"/>
-            <a:endParaRPr lang="nl-NL" sz="2400" b="1" u="sng" dirty="0">
-              <a:latin typeface="Arial" panose="020B0604020202020204" pitchFamily="34" charset="0"/>
-              <a:cs typeface="Arial" panose="020B0604020202020204" pitchFamily="34" charset="0"/>
-              <a:sym typeface="Wingdings" panose="05000000000000000000" pitchFamily="2" charset="2"/>
-            </a:endParaRPr>
-          </a:p>
-          <a:p>
-            <a:pPr algn="ctr"/>
-            <a:endParaRPr lang="nl-NL" sz="2400" b="1" u="sng" dirty="0">
-              <a:latin typeface="Arial" panose="020B0604020202020204" pitchFamily="34" charset="0"/>
-              <a:cs typeface="Arial" panose="020B0604020202020204" pitchFamily="34" charset="0"/>
-              <a:sym typeface="Wingdings" panose="05000000000000000000" pitchFamily="2" charset="2"/>
-            </a:endParaRPr>
-          </a:p>
-          <a:p>
-            <a:pPr algn="ctr"/>
-            <a:endParaRPr lang="nl-NL" sz="2400" b="1" u="sng" dirty="0">
-              <a:latin typeface="Arial" panose="020B0604020202020204" pitchFamily="34" charset="0"/>
-              <a:cs typeface="Arial" panose="020B0604020202020204" pitchFamily="34" charset="0"/>
-              <a:sym typeface="Wingdings" panose="05000000000000000000" pitchFamily="2" charset="2"/>
-            </a:endParaRPr>
-          </a:p>
-          <a:p>
-            <a:pPr algn="ctr"/>
-            <a:endParaRPr lang="nl-NL" sz="2400" b="1" u="sng" dirty="0">
-              <a:latin typeface="Arial" panose="020B0604020202020204" pitchFamily="34" charset="0"/>
-              <a:cs typeface="Arial" panose="020B0604020202020204" pitchFamily="34" charset="0"/>
-              <a:sym typeface="Wingdings" panose="05000000000000000000" pitchFamily="2" charset="2"/>
-            </a:endParaRPr>
-          </a:p>
-          <a:p>
-            <a:pPr algn="ctr"/>
-            <a:endParaRPr lang="nl-NL" sz="2400" b="1" u="sng" dirty="0">
-              <a:latin typeface="Arial" panose="020B0604020202020204" pitchFamily="34" charset="0"/>
-              <a:cs typeface="Arial" panose="020B0604020202020204" pitchFamily="34" charset="0"/>
-              <a:sym typeface="Wingdings" panose="05000000000000000000" pitchFamily="2" charset="2"/>
-            </a:endParaRPr>
-          </a:p>
-          <a:p>
-            <a:pPr marL="685800" indent="-685800" algn="ctr">
+            <a:r>
+              <a:rPr lang="en-GB" sz="2400" b="1" u="sng" dirty="0">
+                <a:latin typeface="Arial" panose="020B0604020202020204" pitchFamily="34" charset="0"/>
+                <a:cs typeface="Arial" panose="020B0604020202020204" pitchFamily="34" charset="0"/>
+                <a:sym typeface="Wingdings" panose="05000000000000000000" pitchFamily="2" charset="2"/>
+              </a:rPr>
+              <a:t>Comment on what we could do to improve the peaks: </a:t>
+            </a:r>
+          </a:p>
+          <a:p>
+            <a:pPr marL="342900" indent="-342900" algn="ctr">
               <a:buFontTx/>
               <a:buChar char="-"/>
             </a:pPr>
-            <a:endParaRPr lang="nl-NL" sz="2400" b="1" u="sng" dirty="0">
-              <a:latin typeface="Arial" panose="020B0604020202020204" pitchFamily="34" charset="0"/>
-              <a:cs typeface="Arial" panose="020B0604020202020204" pitchFamily="34" charset="0"/>
-              <a:sym typeface="Wingdings" panose="05000000000000000000" pitchFamily="2" charset="2"/>
-            </a:endParaRPr>
-          </a:p>
-          <a:p>
-            <a:pPr marL="685800" indent="-685800" algn="ctr">
+            <a:r>
+              <a:rPr lang="en-GB" sz="2400" b="1" u="sng" dirty="0">
+                <a:latin typeface="Arial" panose="020B0604020202020204" pitchFamily="34" charset="0"/>
+                <a:cs typeface="Arial" panose="020B0604020202020204" pitchFamily="34" charset="0"/>
+                <a:sym typeface="Wingdings" panose="05000000000000000000" pitchFamily="2" charset="2"/>
+              </a:rPr>
+              <a:t>compare to more data, </a:t>
+            </a:r>
+          </a:p>
+          <a:p>
+            <a:pPr marL="342900" indent="-342900" algn="ctr">
               <a:buFontTx/>
               <a:buChar char="-"/>
             </a:pPr>
-            <a:endParaRPr lang="nl-NL" sz="2400" b="1" u="sng" dirty="0">
-              <a:latin typeface="Arial" panose="020B0604020202020204" pitchFamily="34" charset="0"/>
-              <a:cs typeface="Arial" panose="020B0604020202020204" pitchFamily="34" charset="0"/>
-              <a:sym typeface="Wingdings" panose="05000000000000000000" pitchFamily="2" charset="2"/>
-            </a:endParaRPr>
-          </a:p>
-          <a:p>
-            <a:pPr marL="685800" indent="-685800" algn="ctr">
-              <a:buFontTx/>
-              <a:buChar char="-"/>
-            </a:pPr>
-            <a:endParaRPr lang="nl-NL" sz="2400" b="1" u="sng" dirty="0">
-              <a:latin typeface="Arial" panose="020B0604020202020204" pitchFamily="34" charset="0"/>
-              <a:cs typeface="Arial" panose="020B0604020202020204" pitchFamily="34" charset="0"/>
-              <a:sym typeface="Wingdings" panose="05000000000000000000" pitchFamily="2" charset="2"/>
-            </a:endParaRPr>
-          </a:p>
-          <a:p>
-            <a:pPr algn="ctr"/>
-            <a:r>
-              <a:rPr lang="nl-NL" sz="2400" b="1" u="sng" dirty="0">
+            <a:r>
+              <a:rPr lang="en-GB" sz="2400" b="1" u="sng" dirty="0">
                 <a:latin typeface="Arial" panose="020B0604020202020204" pitchFamily="34" charset="0"/>
                 <a:cs typeface="Arial" panose="020B0604020202020204" pitchFamily="34" charset="0"/>
                 <a:sym typeface="Wingdings" panose="05000000000000000000" pitchFamily="2" charset="2"/>
               </a:rPr>
-              <a:t>Distributed model: </a:t>
-            </a:r>
-            <a:r>
-              <a:rPr lang="nl-NL" sz="2400" b="1" u="sng" dirty="0" err="1">
-                <a:latin typeface="Arial" panose="020B0604020202020204" pitchFamily="34" charset="0"/>
-                <a:cs typeface="Arial" panose="020B0604020202020204" pitchFamily="34" charset="0"/>
-                <a:sym typeface="Wingdings" panose="05000000000000000000" pitchFamily="2" charset="2"/>
-              </a:rPr>
-              <a:t>under</a:t>
-            </a:r>
-            <a:r>
-              <a:rPr lang="nl-NL" sz="2400" b="1" u="sng" dirty="0">
-                <a:latin typeface="Arial" panose="020B0604020202020204" pitchFamily="34" charset="0"/>
-                <a:cs typeface="Arial" panose="020B0604020202020204" pitchFamily="34" charset="0"/>
-                <a:sym typeface="Wingdings" panose="05000000000000000000" pitchFamily="2" charset="2"/>
-              </a:rPr>
-              <a:t> </a:t>
-            </a:r>
-            <a:r>
-              <a:rPr lang="nl-NL" sz="2400" b="1" u="sng" dirty="0" err="1">
-                <a:latin typeface="Arial" panose="020B0604020202020204" pitchFamily="34" charset="0"/>
-                <a:cs typeface="Arial" panose="020B0604020202020204" pitchFamily="34" charset="0"/>
-                <a:sym typeface="Wingdings" panose="05000000000000000000" pitchFamily="2" charset="2"/>
-              </a:rPr>
-              <a:t>estimates</a:t>
-            </a:r>
-            <a:r>
-              <a:rPr lang="nl-NL" sz="2400" b="1" u="sng" dirty="0">
-                <a:latin typeface="Arial" panose="020B0604020202020204" pitchFamily="34" charset="0"/>
-                <a:cs typeface="Arial" panose="020B0604020202020204" pitchFamily="34" charset="0"/>
-                <a:sym typeface="Wingdings" panose="05000000000000000000" pitchFamily="2" charset="2"/>
-              </a:rPr>
-              <a:t> discharge </a:t>
-            </a:r>
-            <a:r>
-              <a:rPr lang="nl-NL" sz="2400" b="1" u="sng" dirty="0" err="1">
-                <a:latin typeface="Arial" panose="020B0604020202020204" pitchFamily="34" charset="0"/>
-                <a:cs typeface="Arial" panose="020B0604020202020204" pitchFamily="34" charset="0"/>
-                <a:sym typeface="Wingdings" panose="05000000000000000000" pitchFamily="2" charset="2"/>
-              </a:rPr>
-              <a:t>during</a:t>
-            </a:r>
-            <a:r>
-              <a:rPr lang="nl-NL" sz="2400" b="1" u="sng" dirty="0">
-                <a:latin typeface="Arial" panose="020B0604020202020204" pitchFamily="34" charset="0"/>
-                <a:cs typeface="Arial" panose="020B0604020202020204" pitchFamily="34" charset="0"/>
-                <a:sym typeface="Wingdings" panose="05000000000000000000" pitchFamily="2" charset="2"/>
-              </a:rPr>
-              <a:t> </a:t>
-            </a:r>
-            <a:r>
-              <a:rPr lang="nl-NL" sz="2400" b="1" u="sng" dirty="0" err="1">
-                <a:latin typeface="Arial" panose="020B0604020202020204" pitchFamily="34" charset="0"/>
-                <a:cs typeface="Arial" panose="020B0604020202020204" pitchFamily="34" charset="0"/>
-                <a:sym typeface="Wingdings" panose="05000000000000000000" pitchFamily="2" charset="2"/>
-              </a:rPr>
-              <a:t>snowfall</a:t>
-            </a:r>
-            <a:endParaRPr lang="nl-NL" sz="2400" b="1" u="sng" dirty="0">
-              <a:latin typeface="Arial" panose="020B0604020202020204" pitchFamily="34" charset="0"/>
-              <a:cs typeface="Arial" panose="020B0604020202020204" pitchFamily="34" charset="0"/>
-              <a:sym typeface="Wingdings" panose="05000000000000000000" pitchFamily="2" charset="2"/>
-            </a:endParaRPr>
-          </a:p>
-          <a:p>
-            <a:pPr marL="685800" indent="-685800" algn="ctr">
-              <a:buFontTx/>
-              <a:buChar char="-"/>
-            </a:pPr>
-            <a:r>
-              <a:rPr lang="nl-NL" sz="2400" b="1" u="sng" dirty="0" err="1">
-                <a:latin typeface="Arial" panose="020B0604020202020204" pitchFamily="34" charset="0"/>
-                <a:cs typeface="Arial" panose="020B0604020202020204" pitchFamily="34" charset="0"/>
-                <a:sym typeface="Wingdings" panose="05000000000000000000" pitchFamily="2" charset="2"/>
-              </a:rPr>
-              <a:t>Heterogenity</a:t>
-            </a:r>
-            <a:r>
-              <a:rPr lang="nl-NL" sz="2400" b="1" u="sng" dirty="0">
-                <a:latin typeface="Arial" panose="020B0604020202020204" pitchFamily="34" charset="0"/>
-                <a:cs typeface="Arial" panose="020B0604020202020204" pitchFamily="34" charset="0"/>
-                <a:sym typeface="Wingdings" panose="05000000000000000000" pitchFamily="2" charset="2"/>
-              </a:rPr>
-              <a:t> </a:t>
-            </a:r>
-          </a:p>
-          <a:p>
-            <a:pPr marL="685800" indent="-685800" algn="ctr">
-              <a:buFontTx/>
-              <a:buChar char="-"/>
-            </a:pPr>
-            <a:r>
-              <a:rPr lang="nl-NL" sz="2400" b="1" u="sng" dirty="0" err="1">
-                <a:latin typeface="Arial" panose="020B0604020202020204" pitchFamily="34" charset="0"/>
-                <a:cs typeface="Arial" panose="020B0604020202020204" pitchFamily="34" charset="0"/>
-                <a:sym typeface="Wingdings" panose="05000000000000000000" pitchFamily="2" charset="2"/>
-              </a:rPr>
-              <a:t>Average</a:t>
-            </a:r>
-            <a:endParaRPr lang="nl-NL" sz="2400" b="1" u="sng" dirty="0">
-              <a:latin typeface="Arial" panose="020B0604020202020204" pitchFamily="34" charset="0"/>
-              <a:cs typeface="Arial" panose="020B0604020202020204" pitchFamily="34" charset="0"/>
-              <a:sym typeface="Wingdings" panose="05000000000000000000" pitchFamily="2" charset="2"/>
-            </a:endParaRPr>
-          </a:p>
-          <a:p>
-            <a:pPr algn="ctr"/>
-            <a:endParaRPr lang="nl-NL" sz="2400" b="1" u="sng" dirty="0">
-              <a:latin typeface="Arial" panose="020B0604020202020204" pitchFamily="34" charset="0"/>
-              <a:cs typeface="Arial" panose="020B0604020202020204" pitchFamily="34" charset="0"/>
-              <a:sym typeface="Wingdings" panose="05000000000000000000" pitchFamily="2" charset="2"/>
-            </a:endParaRPr>
-          </a:p>
-          <a:p>
-            <a:pPr algn="ctr"/>
-            <a:r>
-              <a:rPr lang="nl-NL" sz="2400" b="1" u="sng" dirty="0">
-                <a:latin typeface="Arial" panose="020B0604020202020204" pitchFamily="34" charset="0"/>
-                <a:cs typeface="Arial" panose="020B0604020202020204" pitchFamily="34" charset="0"/>
-                <a:sym typeface="Wingdings" panose="05000000000000000000" pitchFamily="2" charset="2"/>
-              </a:rPr>
-              <a:t>Both </a:t>
-            </a:r>
-            <a:r>
-              <a:rPr lang="nl-NL" sz="2400" b="1" u="sng" dirty="0" err="1">
-                <a:latin typeface="Arial" panose="020B0604020202020204" pitchFamily="34" charset="0"/>
-                <a:cs typeface="Arial" panose="020B0604020202020204" pitchFamily="34" charset="0"/>
-                <a:sym typeface="Wingdings" panose="05000000000000000000" pitchFamily="2" charset="2"/>
-              </a:rPr>
-              <a:t>lumped</a:t>
-            </a:r>
-            <a:r>
-              <a:rPr lang="nl-NL" sz="2400" b="1" u="sng" dirty="0">
-                <a:latin typeface="Arial" panose="020B0604020202020204" pitchFamily="34" charset="0"/>
-                <a:cs typeface="Arial" panose="020B0604020202020204" pitchFamily="34" charset="0"/>
-                <a:sym typeface="Wingdings" panose="05000000000000000000" pitchFamily="2" charset="2"/>
-              </a:rPr>
-              <a:t> </a:t>
-            </a:r>
-            <a:r>
-              <a:rPr lang="nl-NL" sz="2400" b="1" u="sng" dirty="0" err="1">
-                <a:latin typeface="Arial" panose="020B0604020202020204" pitchFamily="34" charset="0"/>
-                <a:cs typeface="Arial" panose="020B0604020202020204" pitchFamily="34" charset="0"/>
-                <a:sym typeface="Wingdings" panose="05000000000000000000" pitchFamily="2" charset="2"/>
-              </a:rPr>
-              <a:t>and</a:t>
-            </a:r>
-            <a:r>
-              <a:rPr lang="nl-NL" sz="2400" b="1" u="sng" dirty="0">
-                <a:latin typeface="Arial" panose="020B0604020202020204" pitchFamily="34" charset="0"/>
-                <a:cs typeface="Arial" panose="020B0604020202020204" pitchFamily="34" charset="0"/>
-                <a:sym typeface="Wingdings" panose="05000000000000000000" pitchFamily="2" charset="2"/>
-              </a:rPr>
-              <a:t> </a:t>
-            </a:r>
-            <a:r>
-              <a:rPr lang="nl-NL" sz="2400" b="1" u="sng" dirty="0" err="1">
-                <a:latin typeface="Arial" panose="020B0604020202020204" pitchFamily="34" charset="0"/>
-                <a:cs typeface="Arial" panose="020B0604020202020204" pitchFamily="34" charset="0"/>
-                <a:sym typeface="Wingdings" panose="05000000000000000000" pitchFamily="2" charset="2"/>
-              </a:rPr>
-              <a:t>distributed</a:t>
-            </a:r>
-            <a:r>
-              <a:rPr lang="nl-NL" sz="2400" b="1" u="sng" dirty="0">
-                <a:latin typeface="Arial" panose="020B0604020202020204" pitchFamily="34" charset="0"/>
-                <a:cs typeface="Arial" panose="020B0604020202020204" pitchFamily="34" charset="0"/>
-                <a:sym typeface="Wingdings" panose="05000000000000000000" pitchFamily="2" charset="2"/>
-              </a:rPr>
-              <a:t> parameter range </a:t>
-            </a:r>
-            <a:r>
-              <a:rPr lang="nl-NL" sz="2400" b="1" u="sng" dirty="0" err="1">
-                <a:latin typeface="Arial" panose="020B0604020202020204" pitchFamily="34" charset="0"/>
-                <a:cs typeface="Arial" panose="020B0604020202020204" pitchFamily="34" charset="0"/>
-                <a:sym typeface="Wingdings" panose="05000000000000000000" pitchFamily="2" charset="2"/>
-              </a:rPr>
-              <a:t>better</a:t>
-            </a:r>
-            <a:r>
-              <a:rPr lang="nl-NL" sz="2400" b="1" u="sng" dirty="0">
-                <a:latin typeface="Arial" panose="020B0604020202020204" pitchFamily="34" charset="0"/>
-                <a:cs typeface="Arial" panose="020B0604020202020204" pitchFamily="34" charset="0"/>
-                <a:sym typeface="Wingdings" panose="05000000000000000000" pitchFamily="2" charset="2"/>
-              </a:rPr>
-              <a:t> </a:t>
-            </a:r>
-            <a:r>
-              <a:rPr lang="nl-NL" sz="2400" b="1" u="sng" dirty="0" err="1">
-                <a:latin typeface="Arial" panose="020B0604020202020204" pitchFamily="34" charset="0"/>
-                <a:cs typeface="Arial" panose="020B0604020202020204" pitchFamily="34" charset="0"/>
-                <a:sym typeface="Wingdings" panose="05000000000000000000" pitchFamily="2" charset="2"/>
-              </a:rPr>
-              <a:t>outcome</a:t>
-            </a:r>
-            <a:r>
-              <a:rPr lang="nl-NL" sz="2400" b="1" u="sng" dirty="0">
-                <a:latin typeface="Arial" panose="020B0604020202020204" pitchFamily="34" charset="0"/>
-                <a:cs typeface="Arial" panose="020B0604020202020204" pitchFamily="34" charset="0"/>
-                <a:sym typeface="Wingdings" panose="05000000000000000000" pitchFamily="2" charset="2"/>
-              </a:rPr>
-              <a:t> first 20 </a:t>
-            </a:r>
-            <a:r>
-              <a:rPr lang="nl-NL" sz="2400" b="1" u="sng" dirty="0" err="1">
-                <a:latin typeface="Arial" panose="020B0604020202020204" pitchFamily="34" charset="0"/>
-                <a:cs typeface="Arial" panose="020B0604020202020204" pitchFamily="34" charset="0"/>
-                <a:sym typeface="Wingdings" panose="05000000000000000000" pitchFamily="2" charset="2"/>
-              </a:rPr>
-              <a:t>years</a:t>
-            </a:r>
-            <a:r>
-              <a:rPr lang="nl-NL" sz="2400" b="1" u="sng" dirty="0">
-                <a:latin typeface="Arial" panose="020B0604020202020204" pitchFamily="34" charset="0"/>
-                <a:cs typeface="Arial" panose="020B0604020202020204" pitchFamily="34" charset="0"/>
-                <a:sym typeface="Wingdings" panose="05000000000000000000" pitchFamily="2" charset="2"/>
-              </a:rPr>
-              <a:t>, or last 20 </a:t>
-            </a:r>
-            <a:r>
-              <a:rPr lang="nl-NL" sz="2400" b="1" u="sng" dirty="0" err="1">
-                <a:latin typeface="Arial" panose="020B0604020202020204" pitchFamily="34" charset="0"/>
-                <a:cs typeface="Arial" panose="020B0604020202020204" pitchFamily="34" charset="0"/>
-                <a:sym typeface="Wingdings" panose="05000000000000000000" pitchFamily="2" charset="2"/>
-              </a:rPr>
-              <a:t>years</a:t>
-            </a:r>
-            <a:endParaRPr lang="nl-NL" sz="2400" b="1" u="sng" dirty="0">
-              <a:latin typeface="Arial" panose="020B0604020202020204" pitchFamily="34" charset="0"/>
-              <a:cs typeface="Arial" panose="020B0604020202020204" pitchFamily="34" charset="0"/>
-              <a:sym typeface="Wingdings" panose="05000000000000000000" pitchFamily="2" charset="2"/>
-            </a:endParaRPr>
-          </a:p>
-          <a:p>
-            <a:pPr algn="ctr"/>
-            <a:endParaRPr lang="nl-NL" sz="2400" b="1" u="sng" dirty="0">
-              <a:latin typeface="Arial" panose="020B0604020202020204" pitchFamily="34" charset="0"/>
-              <a:cs typeface="Arial" panose="020B0604020202020204" pitchFamily="34" charset="0"/>
-              <a:sym typeface="Wingdings" panose="05000000000000000000" pitchFamily="2" charset="2"/>
-            </a:endParaRPr>
-          </a:p>
-          <a:p>
-            <a:pPr algn="ctr"/>
-            <a:endParaRPr lang="nl-NL" sz="2400" b="1" u="sng" dirty="0">
-              <a:latin typeface="Arial" panose="020B0604020202020204" pitchFamily="34" charset="0"/>
-              <a:cs typeface="Arial" panose="020B0604020202020204" pitchFamily="34" charset="0"/>
-              <a:sym typeface="Wingdings" panose="05000000000000000000" pitchFamily="2" charset="2"/>
-            </a:endParaRPr>
+              <a:t>-equifinality</a:t>
+            </a:r>
           </a:p>
           <a:p>
             <a:pPr marL="685800" indent="-685800" algn="ctr">
@@ -4962,38 +5080,24 @@
               </a:spcAft>
             </a:pPr>
             <a:r>
-              <a:rPr lang="nl-NL" sz="8000" b="1" dirty="0" err="1">
+              <a:rPr lang="en-GB" sz="8000" b="1" dirty="0">
                 <a:solidFill>
                   <a:srgbClr val="00A6D6"/>
                 </a:solidFill>
                 <a:latin typeface="Arial" panose="020B0604020202020204" pitchFamily="34" charset="0"/>
                 <a:cs typeface="Arial" panose="020B0604020202020204" pitchFamily="34" charset="0"/>
               </a:rPr>
-              <a:t>Husdon</a:t>
-            </a:r>
-            <a:r>
-              <a:rPr lang="nl-NL" sz="8000" b="1" dirty="0">
-                <a:latin typeface="Arial" panose="020B0604020202020204" pitchFamily="34" charset="0"/>
-                <a:cs typeface="Arial" panose="020B0604020202020204" pitchFamily="34" charset="0"/>
-              </a:rPr>
-              <a:t> </a:t>
-            </a:r>
-            <a:r>
-              <a:rPr lang="nl-NL" sz="8000" b="1" dirty="0" err="1">
-                <a:latin typeface="Arial" panose="020B0604020202020204" pitchFamily="34" charset="0"/>
-                <a:cs typeface="Arial" panose="020B0604020202020204" pitchFamily="34" charset="0"/>
-              </a:rPr>
-              <a:t>basin</a:t>
-            </a:r>
-            <a:r>
-              <a:rPr lang="nl-NL" sz="8000" b="1" dirty="0">
-                <a:latin typeface="Arial" panose="020B0604020202020204" pitchFamily="34" charset="0"/>
-                <a:cs typeface="Arial" panose="020B0604020202020204" pitchFamily="34" charset="0"/>
-              </a:rPr>
-              <a:t> </a:t>
-            </a:r>
-            <a:r>
-              <a:rPr lang="nl-NL" sz="8000" b="1" dirty="0" err="1">
+              <a:t>Hudson</a:t>
+            </a:r>
+            <a:r>
+              <a:rPr lang="en-GB" sz="8000" b="1" dirty="0">
+                <a:latin typeface="Arial" panose="020B0604020202020204" pitchFamily="34" charset="0"/>
+                <a:cs typeface="Arial" panose="020B0604020202020204" pitchFamily="34" charset="0"/>
+              </a:rPr>
+              <a:t> basin </a:t>
+            </a:r>
+            <a:r>
+              <a:rPr lang="en-GB" sz="8000" b="1" dirty="0">
                 <a:solidFill>
                   <a:srgbClr val="00A6D6"/>
                 </a:solidFill>
@@ -5003,23 +5107,12 @@
               <a:t>modelled</a:t>
             </a:r>
             <a:r>
-              <a:rPr lang="nl-NL" sz="8000" b="1" dirty="0">
-                <a:latin typeface="Arial" panose="020B0604020202020204" pitchFamily="34" charset="0"/>
-                <a:cs typeface="Arial" panose="020B0604020202020204" pitchFamily="34" charset="0"/>
-              </a:rPr>
-              <a:t> HBV </a:t>
-            </a:r>
-            <a:r>
-              <a:rPr lang="nl-NL" sz="8000" b="1" dirty="0" err="1">
-                <a:latin typeface="Arial" panose="020B0604020202020204" pitchFamily="34" charset="0"/>
-                <a:cs typeface="Arial" panose="020B0604020202020204" pitchFamily="34" charset="0"/>
-              </a:rPr>
-              <a:t>upper</a:t>
-            </a:r>
-            <a:endParaRPr lang="nl-NL" sz="8000" b="1" dirty="0">
-              <a:latin typeface="Arial" panose="020B0604020202020204" pitchFamily="34" charset="0"/>
-              <a:cs typeface="Arial" panose="020B0604020202020204" pitchFamily="34" charset="0"/>
-            </a:endParaRPr>
+              <a:rPr lang="en-GB" sz="8000" b="1" dirty="0">
+                <a:latin typeface="Arial" panose="020B0604020202020204" pitchFamily="34" charset="0"/>
+                <a:cs typeface="Arial" panose="020B0604020202020204" pitchFamily="34" charset="0"/>
+              </a:rPr>
+              <a:t> HBV upper</a:t>
+            </a:r>
           </a:p>
           <a:p>
             <a:pPr algn="ctr">
@@ -5028,25 +5121,11 @@
               </a:spcAft>
             </a:pPr>
             <a:r>
-              <a:rPr lang="nl-NL" sz="4400" dirty="0">
-                <a:latin typeface="Arial" panose="020B0604020202020204" pitchFamily="34" charset="0"/>
-                <a:cs typeface="Arial" panose="020B0604020202020204" pitchFamily="34" charset="0"/>
-              </a:rPr>
-              <a:t>David Haasnoot </a:t>
-            </a:r>
-            <a:r>
-              <a:rPr lang="nl-NL" sz="4400" dirty="0" err="1">
-                <a:latin typeface="Arial" panose="020B0604020202020204" pitchFamily="34" charset="0"/>
-                <a:cs typeface="Arial" panose="020B0604020202020204" pitchFamily="34" charset="0"/>
-              </a:rPr>
-              <a:t>and</a:t>
-            </a:r>
-            <a:r>
-              <a:rPr lang="nl-NL" sz="4400" dirty="0">
-                <a:latin typeface="Arial" panose="020B0604020202020204" pitchFamily="34" charset="0"/>
-                <a:cs typeface="Arial" panose="020B0604020202020204" pitchFamily="34" charset="0"/>
-              </a:rPr>
-              <a:t> Anne Versleijen</a:t>
+              <a:rPr lang="en-GB" sz="4400" dirty="0">
+                <a:latin typeface="Arial" panose="020B0604020202020204" pitchFamily="34" charset="0"/>
+                <a:cs typeface="Arial" panose="020B0604020202020204" pitchFamily="34" charset="0"/>
+              </a:rPr>
+              <a:t>David Haasnoot and Anne Versleijen</a:t>
             </a:r>
           </a:p>
           <a:p>
@@ -5056,53 +5135,11 @@
               </a:spcAft>
             </a:pPr>
             <a:r>
-              <a:rPr lang="nl-NL" sz="4400" dirty="0">
-                <a:latin typeface="Arial" panose="020B0604020202020204" pitchFamily="34" charset="0"/>
-                <a:cs typeface="Arial" panose="020B0604020202020204" pitchFamily="34" charset="0"/>
-              </a:rPr>
-              <a:t>River </a:t>
-            </a:r>
-            <a:r>
-              <a:rPr lang="nl-NL" sz="4400" dirty="0" err="1">
-                <a:latin typeface="Arial" panose="020B0604020202020204" pitchFamily="34" charset="0"/>
-                <a:cs typeface="Arial" panose="020B0604020202020204" pitchFamily="34" charset="0"/>
-              </a:rPr>
-              <a:t>Basin</a:t>
-            </a:r>
-            <a:r>
-              <a:rPr lang="nl-NL" sz="4400" dirty="0">
-                <a:latin typeface="Arial" panose="020B0604020202020204" pitchFamily="34" charset="0"/>
-                <a:cs typeface="Arial" panose="020B0604020202020204" pitchFamily="34" charset="0"/>
-              </a:rPr>
-              <a:t> </a:t>
-            </a:r>
-            <a:r>
-              <a:rPr lang="nl-NL" sz="4400" dirty="0" err="1">
-                <a:latin typeface="Arial" panose="020B0604020202020204" pitchFamily="34" charset="0"/>
-                <a:cs typeface="Arial" panose="020B0604020202020204" pitchFamily="34" charset="0"/>
-              </a:rPr>
-              <a:t>Hydrology</a:t>
-            </a:r>
-            <a:r>
-              <a:rPr lang="nl-NL" sz="4400" dirty="0">
-                <a:latin typeface="Arial" panose="020B0604020202020204" pitchFamily="34" charset="0"/>
-                <a:cs typeface="Arial" panose="020B0604020202020204" pitchFamily="34" charset="0"/>
-              </a:rPr>
-              <a:t> </a:t>
-            </a:r>
-            <a:r>
-              <a:rPr lang="nl-NL" sz="4400" dirty="0" err="1">
-                <a:latin typeface="Arial" panose="020B0604020202020204" pitchFamily="34" charset="0"/>
-                <a:cs typeface="Arial" panose="020B0604020202020204" pitchFamily="34" charset="0"/>
-              </a:rPr>
-              <a:t>and</a:t>
-            </a:r>
-            <a:r>
-              <a:rPr lang="nl-NL" sz="4400" dirty="0">
-                <a:latin typeface="Arial" panose="020B0604020202020204" pitchFamily="34" charset="0"/>
-                <a:cs typeface="Arial" panose="020B0604020202020204" pitchFamily="34" charset="0"/>
-              </a:rPr>
-              <a:t> Water Management</a:t>
+              <a:rPr lang="en-GB" sz="4400" dirty="0">
+                <a:latin typeface="Arial" panose="020B0604020202020204" pitchFamily="34" charset="0"/>
+                <a:cs typeface="Arial" panose="020B0604020202020204" pitchFamily="34" charset="0"/>
+              </a:rPr>
+              <a:t>River Basin Hydrology and Water Management</a:t>
             </a:r>
           </a:p>
           <a:p>
@@ -5111,7 +5148,7 @@
                 <a:spcPts val="2400"/>
               </a:spcAft>
             </a:pPr>
-            <a:endParaRPr lang="nl-NL" sz="4400" dirty="0">
+            <a:endParaRPr lang="en-GB" sz="4400" dirty="0">
               <a:latin typeface="Arial" panose="020B0604020202020204" pitchFamily="34" charset="0"/>
               <a:cs typeface="Arial" panose="020B0604020202020204" pitchFamily="34" charset="0"/>
             </a:endParaRPr>
@@ -5151,305 +5188,11 @@
           <a:p>
             <a:pPr algn="just"/>
             <a:r>
-              <a:rPr lang="nl-NL" sz="2400" dirty="0">
-                <a:latin typeface="Arial" panose="020B0604020202020204" pitchFamily="34" charset="0"/>
-                <a:cs typeface="Arial" panose="020B0604020202020204" pitchFamily="34" charset="0"/>
-              </a:rPr>
-              <a:t>The </a:t>
-            </a:r>
-            <a:r>
-              <a:rPr lang="nl-NL" sz="2400" dirty="0" err="1">
-                <a:latin typeface="Arial" panose="020B0604020202020204" pitchFamily="34" charset="0"/>
-                <a:cs typeface="Arial" panose="020B0604020202020204" pitchFamily="34" charset="0"/>
-              </a:rPr>
-              <a:t>aim</a:t>
-            </a:r>
-            <a:r>
-              <a:rPr lang="nl-NL" sz="2400" dirty="0">
-                <a:latin typeface="Arial" panose="020B0604020202020204" pitchFamily="34" charset="0"/>
-                <a:cs typeface="Arial" panose="020B0604020202020204" pitchFamily="34" charset="0"/>
-              </a:rPr>
-              <a:t> is </a:t>
-            </a:r>
-            <a:r>
-              <a:rPr lang="nl-NL" sz="2400" dirty="0" err="1">
-                <a:latin typeface="Arial" panose="020B0604020202020204" pitchFamily="34" charset="0"/>
-                <a:cs typeface="Arial" panose="020B0604020202020204" pitchFamily="34" charset="0"/>
-              </a:rPr>
-              <a:t>to</a:t>
-            </a:r>
-            <a:r>
-              <a:rPr lang="nl-NL" sz="2400" dirty="0">
-                <a:latin typeface="Arial" panose="020B0604020202020204" pitchFamily="34" charset="0"/>
-                <a:cs typeface="Arial" panose="020B0604020202020204" pitchFamily="34" charset="0"/>
-              </a:rPr>
-              <a:t> </a:t>
-            </a:r>
-            <a:r>
-              <a:rPr lang="nl-NL" sz="2400" dirty="0" err="1">
-                <a:latin typeface="Arial" panose="020B0604020202020204" pitchFamily="34" charset="0"/>
-                <a:cs typeface="Arial" panose="020B0604020202020204" pitchFamily="34" charset="0"/>
-              </a:rPr>
-              <a:t>describe</a:t>
-            </a:r>
-            <a:r>
-              <a:rPr lang="nl-NL" sz="2400" dirty="0">
-                <a:latin typeface="Arial" panose="020B0604020202020204" pitchFamily="34" charset="0"/>
-                <a:cs typeface="Arial" panose="020B0604020202020204" pitchFamily="34" charset="0"/>
-              </a:rPr>
-              <a:t> </a:t>
-            </a:r>
-            <a:r>
-              <a:rPr lang="nl-NL" sz="2400" dirty="0" err="1">
-                <a:latin typeface="Arial" panose="020B0604020202020204" pitchFamily="34" charset="0"/>
-                <a:cs typeface="Arial" panose="020B0604020202020204" pitchFamily="34" charset="0"/>
-              </a:rPr>
-              <a:t>the</a:t>
-            </a:r>
-            <a:r>
-              <a:rPr lang="nl-NL" sz="2400" dirty="0">
-                <a:latin typeface="Arial" panose="020B0604020202020204" pitchFamily="34" charset="0"/>
-                <a:cs typeface="Arial" panose="020B0604020202020204" pitchFamily="34" charset="0"/>
-              </a:rPr>
-              <a:t> </a:t>
-            </a:r>
-            <a:r>
-              <a:rPr lang="nl-NL" sz="2400" dirty="0" err="1">
-                <a:latin typeface="Arial" panose="020B0604020202020204" pitchFamily="34" charset="0"/>
-                <a:cs typeface="Arial" panose="020B0604020202020204" pitchFamily="34" charset="0"/>
-              </a:rPr>
-              <a:t>diferent</a:t>
-            </a:r>
-            <a:r>
-              <a:rPr lang="nl-NL" sz="2400" dirty="0">
-                <a:latin typeface="Arial" panose="020B0604020202020204" pitchFamily="34" charset="0"/>
-                <a:cs typeface="Arial" panose="020B0604020202020204" pitchFamily="34" charset="0"/>
-              </a:rPr>
-              <a:t> </a:t>
-            </a:r>
-            <a:r>
-              <a:rPr lang="nl-NL" sz="2400" dirty="0" err="1">
-                <a:latin typeface="Arial" panose="020B0604020202020204" pitchFamily="34" charset="0"/>
-                <a:cs typeface="Arial" panose="020B0604020202020204" pitchFamily="34" charset="0"/>
-              </a:rPr>
-              <a:t>elements</a:t>
-            </a:r>
-            <a:r>
-              <a:rPr lang="nl-NL" sz="2400" dirty="0">
-                <a:latin typeface="Arial" panose="020B0604020202020204" pitchFamily="34" charset="0"/>
-                <a:cs typeface="Arial" panose="020B0604020202020204" pitchFamily="34" charset="0"/>
-              </a:rPr>
-              <a:t> of </a:t>
-            </a:r>
-            <a:r>
-              <a:rPr lang="nl-NL" sz="2400" dirty="0" err="1">
-                <a:latin typeface="Arial" panose="020B0604020202020204" pitchFamily="34" charset="0"/>
-                <a:cs typeface="Arial" panose="020B0604020202020204" pitchFamily="34" charset="0"/>
-              </a:rPr>
-              <a:t>the</a:t>
-            </a:r>
-            <a:r>
-              <a:rPr lang="nl-NL" sz="2400" dirty="0">
-                <a:latin typeface="Arial" panose="020B0604020202020204" pitchFamily="34" charset="0"/>
-                <a:cs typeface="Arial" panose="020B0604020202020204" pitchFamily="34" charset="0"/>
-              </a:rPr>
-              <a:t> water </a:t>
-            </a:r>
-            <a:r>
-              <a:rPr lang="nl-NL" sz="2400" dirty="0" err="1">
-                <a:latin typeface="Arial" panose="020B0604020202020204" pitchFamily="34" charset="0"/>
-                <a:cs typeface="Arial" panose="020B0604020202020204" pitchFamily="34" charset="0"/>
-              </a:rPr>
-              <a:t>cycle</a:t>
-            </a:r>
-            <a:r>
-              <a:rPr lang="nl-NL" sz="2400" dirty="0">
-                <a:latin typeface="Arial" panose="020B0604020202020204" pitchFamily="34" charset="0"/>
-                <a:cs typeface="Arial" panose="020B0604020202020204" pitchFamily="34" charset="0"/>
-              </a:rPr>
-              <a:t> </a:t>
-            </a:r>
-            <a:r>
-              <a:rPr lang="nl-NL" sz="2400" dirty="0" err="1">
-                <a:latin typeface="Arial" panose="020B0604020202020204" pitchFamily="34" charset="0"/>
-                <a:cs typeface="Arial" panose="020B0604020202020204" pitchFamily="34" charset="0"/>
-              </a:rPr>
-              <a:t>within</a:t>
-            </a:r>
-            <a:r>
-              <a:rPr lang="nl-NL" sz="2400" dirty="0">
-                <a:latin typeface="Arial" panose="020B0604020202020204" pitchFamily="34" charset="0"/>
-                <a:cs typeface="Arial" panose="020B0604020202020204" pitchFamily="34" charset="0"/>
-              </a:rPr>
-              <a:t> </a:t>
-            </a:r>
-            <a:r>
-              <a:rPr lang="nl-NL" sz="2400" dirty="0" err="1">
-                <a:latin typeface="Arial" panose="020B0604020202020204" pitchFamily="34" charset="0"/>
-                <a:cs typeface="Arial" panose="020B0604020202020204" pitchFamily="34" charset="0"/>
-              </a:rPr>
-              <a:t>this</a:t>
-            </a:r>
-            <a:r>
-              <a:rPr lang="nl-NL" sz="2400" dirty="0">
-                <a:latin typeface="Arial" panose="020B0604020202020204" pitchFamily="34" charset="0"/>
-                <a:cs typeface="Arial" panose="020B0604020202020204" pitchFamily="34" charset="0"/>
-              </a:rPr>
-              <a:t> </a:t>
-            </a:r>
-            <a:r>
-              <a:rPr lang="nl-NL" sz="2400" dirty="0" err="1">
-                <a:latin typeface="Arial" panose="020B0604020202020204" pitchFamily="34" charset="0"/>
-                <a:cs typeface="Arial" panose="020B0604020202020204" pitchFamily="34" charset="0"/>
-              </a:rPr>
-              <a:t>region</a:t>
-            </a:r>
-            <a:r>
-              <a:rPr lang="nl-NL" sz="2400" dirty="0">
-                <a:latin typeface="Arial" panose="020B0604020202020204" pitchFamily="34" charset="0"/>
-                <a:cs typeface="Arial" panose="020B0604020202020204" pitchFamily="34" charset="0"/>
-              </a:rPr>
-              <a:t>. </a:t>
-            </a:r>
-            <a:r>
-              <a:rPr lang="nl-NL" sz="2400" dirty="0" err="1">
-                <a:latin typeface="Arial" panose="020B0604020202020204" pitchFamily="34" charset="0"/>
-                <a:cs typeface="Arial" panose="020B0604020202020204" pitchFamily="34" charset="0"/>
-              </a:rPr>
-              <a:t>To</a:t>
-            </a:r>
-            <a:r>
-              <a:rPr lang="nl-NL" sz="2400" dirty="0">
-                <a:latin typeface="Arial" panose="020B0604020202020204" pitchFamily="34" charset="0"/>
-                <a:cs typeface="Arial" panose="020B0604020202020204" pitchFamily="34" charset="0"/>
-              </a:rPr>
-              <a:t> do </a:t>
-            </a:r>
-            <a:r>
-              <a:rPr lang="nl-NL" sz="2400" dirty="0" err="1">
-                <a:latin typeface="Arial" panose="020B0604020202020204" pitchFamily="34" charset="0"/>
-                <a:cs typeface="Arial" panose="020B0604020202020204" pitchFamily="34" charset="0"/>
-              </a:rPr>
-              <a:t>so</a:t>
-            </a:r>
-            <a:r>
-              <a:rPr lang="nl-NL" sz="2400" dirty="0">
-                <a:latin typeface="Arial" panose="020B0604020202020204" pitchFamily="34" charset="0"/>
-                <a:cs typeface="Arial" panose="020B0604020202020204" pitchFamily="34" charset="0"/>
-              </a:rPr>
-              <a:t>, data </a:t>
-            </a:r>
-            <a:r>
-              <a:rPr lang="nl-NL" sz="2400" dirty="0" err="1">
-                <a:latin typeface="Arial" panose="020B0604020202020204" pitchFamily="34" charset="0"/>
-                <a:cs typeface="Arial" panose="020B0604020202020204" pitchFamily="34" charset="0"/>
-              </a:rPr>
-              <a:t>and</a:t>
-            </a:r>
-            <a:r>
-              <a:rPr lang="nl-NL" sz="2400" dirty="0">
-                <a:latin typeface="Arial" panose="020B0604020202020204" pitchFamily="34" charset="0"/>
-                <a:cs typeface="Arial" panose="020B0604020202020204" pitchFamily="34" charset="0"/>
-              </a:rPr>
-              <a:t> information </a:t>
-            </a:r>
-            <a:r>
-              <a:rPr lang="nl-NL" sz="2400" dirty="0" err="1">
-                <a:latin typeface="Arial" panose="020B0604020202020204" pitchFamily="34" charset="0"/>
-                <a:cs typeface="Arial" panose="020B0604020202020204" pitchFamily="34" charset="0"/>
-              </a:rPr>
-              <a:t>obtained</a:t>
-            </a:r>
-            <a:r>
-              <a:rPr lang="nl-NL" sz="2400" dirty="0">
-                <a:latin typeface="Arial" panose="020B0604020202020204" pitchFamily="34" charset="0"/>
-                <a:cs typeface="Arial" panose="020B0604020202020204" pitchFamily="34" charset="0"/>
-              </a:rPr>
-              <a:t> </a:t>
-            </a:r>
-            <a:r>
-              <a:rPr lang="nl-NL" sz="2400" dirty="0" err="1">
-                <a:latin typeface="Arial" panose="020B0604020202020204" pitchFamily="34" charset="0"/>
-                <a:cs typeface="Arial" panose="020B0604020202020204" pitchFamily="34" charset="0"/>
-              </a:rPr>
-              <a:t>from</a:t>
-            </a:r>
-            <a:r>
-              <a:rPr lang="nl-NL" sz="2400" dirty="0">
-                <a:latin typeface="Arial" panose="020B0604020202020204" pitchFamily="34" charset="0"/>
-                <a:cs typeface="Arial" panose="020B0604020202020204" pitchFamily="34" charset="0"/>
-              </a:rPr>
-              <a:t> remote </a:t>
-            </a:r>
-            <a:r>
-              <a:rPr lang="nl-NL" sz="2400" dirty="0" err="1">
-                <a:latin typeface="Arial" panose="020B0604020202020204" pitchFamily="34" charset="0"/>
-                <a:cs typeface="Arial" panose="020B0604020202020204" pitchFamily="34" charset="0"/>
-              </a:rPr>
-              <a:t>sensing</a:t>
-            </a:r>
-            <a:r>
-              <a:rPr lang="nl-NL" sz="2400" dirty="0">
-                <a:latin typeface="Arial" panose="020B0604020202020204" pitchFamily="34" charset="0"/>
-                <a:cs typeface="Arial" panose="020B0604020202020204" pitchFamily="34" charset="0"/>
-              </a:rPr>
-              <a:t> </a:t>
-            </a:r>
-            <a:r>
-              <a:rPr lang="nl-NL" sz="2400" dirty="0" err="1">
-                <a:latin typeface="Arial" panose="020B0604020202020204" pitchFamily="34" charset="0"/>
-                <a:cs typeface="Arial" panose="020B0604020202020204" pitchFamily="34" charset="0"/>
-              </a:rPr>
-              <a:t>techniques</a:t>
-            </a:r>
-            <a:r>
-              <a:rPr lang="nl-NL" sz="2400" dirty="0">
-                <a:latin typeface="Arial" panose="020B0604020202020204" pitchFamily="34" charset="0"/>
-                <a:cs typeface="Arial" panose="020B0604020202020204" pitchFamily="34" charset="0"/>
-              </a:rPr>
-              <a:t> are </a:t>
-            </a:r>
-            <a:r>
-              <a:rPr lang="nl-NL" sz="2400" dirty="0" err="1">
-                <a:latin typeface="Arial" panose="020B0604020202020204" pitchFamily="34" charset="0"/>
-                <a:cs typeface="Arial" panose="020B0604020202020204" pitchFamily="34" charset="0"/>
-              </a:rPr>
-              <a:t>used</a:t>
-            </a:r>
-            <a:r>
-              <a:rPr lang="nl-NL" sz="2400" dirty="0">
-                <a:latin typeface="Arial" panose="020B0604020202020204" pitchFamily="34" charset="0"/>
-                <a:cs typeface="Arial" panose="020B0604020202020204" pitchFamily="34" charset="0"/>
-              </a:rPr>
-              <a:t> </a:t>
-            </a:r>
-            <a:r>
-              <a:rPr lang="nl-NL" sz="2400" dirty="0" err="1">
-                <a:latin typeface="Arial" panose="020B0604020202020204" pitchFamily="34" charset="0"/>
-                <a:cs typeface="Arial" panose="020B0604020202020204" pitchFamily="34" charset="0"/>
-              </a:rPr>
-              <a:t>to</a:t>
-            </a:r>
-            <a:r>
-              <a:rPr lang="nl-NL" sz="2400" dirty="0">
-                <a:latin typeface="Arial" panose="020B0604020202020204" pitchFamily="34" charset="0"/>
-                <a:cs typeface="Arial" panose="020B0604020202020204" pitchFamily="34" charset="0"/>
-              </a:rPr>
-              <a:t> </a:t>
-            </a:r>
-            <a:r>
-              <a:rPr lang="nl-NL" sz="2400" dirty="0" err="1">
-                <a:latin typeface="Arial" panose="020B0604020202020204" pitchFamily="34" charset="0"/>
-                <a:cs typeface="Arial" panose="020B0604020202020204" pitchFamily="34" charset="0"/>
-              </a:rPr>
-              <a:t>develop</a:t>
-            </a:r>
-            <a:r>
-              <a:rPr lang="nl-NL" sz="2400" dirty="0">
-                <a:latin typeface="Arial" panose="020B0604020202020204" pitchFamily="34" charset="0"/>
-                <a:cs typeface="Arial" panose="020B0604020202020204" pitchFamily="34" charset="0"/>
-              </a:rPr>
-              <a:t> a model. </a:t>
+              <a:rPr lang="en-GB" sz="2400" dirty="0">
+                <a:latin typeface="Arial" panose="020B0604020202020204" pitchFamily="34" charset="0"/>
+                <a:cs typeface="Arial" panose="020B0604020202020204" pitchFamily="34" charset="0"/>
+              </a:rPr>
+              <a:t>The aim is to describe the different elements of the water cycle within this region. To do so, data and information obtained from remote sensing techniques are used to develop a model. </a:t>
             </a:r>
           </a:p>
         </p:txBody>
@@ -5719,16 +5462,12 @@
           <a:p>
             <a:pPr algn="ctr"/>
             <a:r>
-              <a:rPr lang="nl-NL" sz="3600" b="1" dirty="0" err="1">
+              <a:rPr lang="en-GB" sz="3600" b="1" dirty="0">
                 <a:latin typeface="Arial" panose="020B0604020202020204" pitchFamily="34" charset="0"/>
                 <a:cs typeface="Arial" panose="020B0604020202020204" pitchFamily="34" charset="0"/>
               </a:rPr>
               <a:t>Introduction</a:t>
             </a:r>
-            <a:endParaRPr lang="nl-NL" sz="3600" b="1" dirty="0">
-              <a:latin typeface="Arial" panose="020B0604020202020204" pitchFamily="34" charset="0"/>
-              <a:cs typeface="Arial" panose="020B0604020202020204" pitchFamily="34" charset="0"/>
-            </a:endParaRPr>
           </a:p>
         </p:txBody>
       </p:sp>
@@ -5903,16 +5642,12 @@
           <a:p>
             <a:pPr algn="ctr"/>
             <a:r>
-              <a:rPr lang="nl-NL" sz="3600" b="1" dirty="0" err="1">
+              <a:rPr lang="en-GB" sz="3600" b="1" dirty="0">
                 <a:latin typeface="Arial" panose="020B0604020202020204" pitchFamily="34" charset="0"/>
                 <a:cs typeface="Arial" panose="020B0604020202020204" pitchFamily="34" charset="0"/>
               </a:rPr>
               <a:t>Conclusion</a:t>
             </a:r>
-            <a:endParaRPr lang="nl-NL" sz="3600" b="1" dirty="0">
-              <a:latin typeface="Arial" panose="020B0604020202020204" pitchFamily="34" charset="0"/>
-              <a:cs typeface="Arial" panose="020B0604020202020204" pitchFamily="34" charset="0"/>
-            </a:endParaRPr>
           </a:p>
         </p:txBody>
       </p:sp>
@@ -6242,7 +5977,7 @@
           <p:nvPr/>
         </p:nvPicPr>
         <p:blipFill>
-          <a:blip r:embed="rId4">
+          <a:blip r:embed="rId5">
             <a:extLst>
               <a:ext uri="{28A0092B-C50C-407E-A947-70E740481C1C}">
                 <a14:useLocalDpi xmlns:a14="http://schemas.microsoft.com/office/drawing/2010/main" val="0"/>
@@ -6278,7 +6013,7 @@
           <p:nvPr/>
         </p:nvPicPr>
         <p:blipFill>
-          <a:blip r:embed="rId5">
+          <a:blip r:embed="rId6">
             <a:extLst>
               <a:ext uri="{28A0092B-C50C-407E-A947-70E740481C1C}">
                 <a14:useLocalDpi xmlns:a14="http://schemas.microsoft.com/office/drawing/2010/main" val="0"/>
@@ -6350,16 +6085,12 @@
           <a:p>
             <a:pPr algn="ctr"/>
             <a:r>
-              <a:rPr lang="nl-NL" sz="3600" b="1" dirty="0" err="1">
+              <a:rPr lang="en-GB" sz="3600" b="1" dirty="0">
                 <a:latin typeface="Arial" panose="020B0604020202020204" pitchFamily="34" charset="0"/>
                 <a:cs typeface="Arial" panose="020B0604020202020204" pitchFamily="34" charset="0"/>
               </a:rPr>
               <a:t>Objective</a:t>
             </a:r>
-            <a:endParaRPr lang="nl-NL" sz="3600" b="1" dirty="0">
-              <a:latin typeface="Arial" panose="020B0604020202020204" pitchFamily="34" charset="0"/>
-              <a:cs typeface="Arial" panose="020B0604020202020204" pitchFamily="34" charset="0"/>
-            </a:endParaRPr>
           </a:p>
         </p:txBody>
       </p:sp>
@@ -6414,7 +6145,7 @@
           <a:p>
             <a:pPr algn="ctr"/>
             <a:r>
-              <a:rPr lang="nl-NL" sz="3600" b="1" dirty="0" err="1">
+              <a:rPr lang="en-GB" sz="3600" b="1" dirty="0">
                 <a:latin typeface="Arial" panose="020B0604020202020204" pitchFamily="34" charset="0"/>
                 <a:cs typeface="Arial" panose="020B0604020202020204" pitchFamily="34" charset="0"/>
               </a:rPr>
@@ -6487,7 +6218,7 @@
           <p:nvPr/>
         </p:nvPicPr>
         <p:blipFill>
-          <a:blip r:embed="rId6">
+          <a:blip r:embed="rId7">
             <a:extLst>
               <a:ext uri="{28A0092B-C50C-407E-A947-70E740481C1C}">
                 <a14:useLocalDpi xmlns:a14="http://schemas.microsoft.com/office/drawing/2010/main" val="0"/>
@@ -6500,7 +6231,7 @@
         </p:blipFill>
         <p:spPr>
           <a:xfrm>
-            <a:off x="32009929" y="13866428"/>
+            <a:off x="31971321" y="14357892"/>
             <a:ext cx="9388719" cy="7041539"/>
           </a:xfrm>
           <a:prstGeom prst="rect">
@@ -6523,7 +6254,7 @@
           <p:nvPr/>
         </p:nvPicPr>
         <p:blipFill>
-          <a:blip r:embed="rId7">
+          <a:blip r:embed="rId8">
             <a:extLst>
               <a:ext uri="{28A0092B-C50C-407E-A947-70E740481C1C}">
                 <a14:useLocalDpi xmlns:a14="http://schemas.microsoft.com/office/drawing/2010/main" val="0"/>
@@ -6686,21 +6417,7 @@
                 <a:latin typeface="Arial" panose="020B0604020202020204" pitchFamily="34" charset="0"/>
                 <a:cs typeface="Arial" panose="020B0604020202020204" pitchFamily="34" charset="0"/>
               </a:rPr>
-              <a:t>. HBV model which is used to model the water cycle in the </a:t>
-            </a:r>
-            <a:r>
-              <a:rPr lang="en-GB" dirty="0" err="1">
-                <a:latin typeface="Arial" panose="020B0604020202020204" pitchFamily="34" charset="0"/>
-                <a:cs typeface="Arial" panose="020B0604020202020204" pitchFamily="34" charset="0"/>
-              </a:rPr>
-              <a:t>Husdon</a:t>
-            </a:r>
-            <a:r>
-              <a:rPr lang="en-GB" dirty="0">
-                <a:latin typeface="Arial" panose="020B0604020202020204" pitchFamily="34" charset="0"/>
-                <a:cs typeface="Arial" panose="020B0604020202020204" pitchFamily="34" charset="0"/>
-              </a:rPr>
-              <a:t> River Basin.</a:t>
+              <a:t>. HBV model which is used to model the water cycle in the Hudson River Basin.</a:t>
             </a:r>
           </a:p>
         </p:txBody>
@@ -6977,4 +6694,299 @@
     </a:ext>
   </a:extLst>
 </a:theme>
+</file>
+
+<file path=ppt/theme/theme2.xml><?xml version="1.0" encoding="utf-8"?>
+<a:theme xmlns:a="http://schemas.openxmlformats.org/drawingml/2006/main" name="Office Theme">
+  <a:themeElements>
+    <a:clrScheme name="Office">
+      <a:dk1>
+        <a:sysClr val="windowText" lastClr="000000"/>
+      </a:dk1>
+      <a:lt1>
+        <a:sysClr val="window" lastClr="FFFFFF"/>
+      </a:lt1>
+      <a:dk2>
+        <a:srgbClr val="44546A"/>
+      </a:dk2>
+      <a:lt2>
+        <a:srgbClr val="E7E6E6"/>
+      </a:lt2>
+      <a:accent1>
+        <a:srgbClr val="4472C4"/>
+      </a:accent1>
+      <a:accent2>
+        <a:srgbClr val="ED7D31"/>
+      </a:accent2>
+      <a:accent3>
+        <a:srgbClr val="A5A5A5"/>
+      </a:accent3>
+      <a:accent4>
+        <a:srgbClr val="FFC000"/>
+      </a:accent4>
+      <a:accent5>
+        <a:srgbClr val="5B9BD5"/>
+      </a:accent5>
+      <a:accent6>
+        <a:srgbClr val="70AD47"/>
+      </a:accent6>
+      <a:hlink>
+        <a:srgbClr val="0563C1"/>
+      </a:hlink>
+      <a:folHlink>
+        <a:srgbClr val="954F72"/>
+      </a:folHlink>
+    </a:clrScheme>
+    <a:fontScheme name="Office">
+      <a:majorFont>
+        <a:latin typeface="Calibri Light" panose="020F0302020204030204"/>
+        <a:ea typeface=""/>
+        <a:cs typeface=""/>
+        <a:font script="Jpan" typeface="游ゴシック Light"/>
+        <a:font script="Hang" typeface="맑은 고딕"/>
+        <a:font script="Hans" typeface="等线 Light"/>
+        <a:font script="Hant" typeface="新細明體"/>
+        <a:font script="Arab" typeface="Times New Roman"/>
+        <a:font script="Hebr" typeface="Times New Roman"/>
+        <a:font script="Thai" typeface="Angsana New"/>
+        <a:font script="Ethi" typeface="Nyala"/>
+        <a:font script="Beng" typeface="Vrinda"/>
+        <a:font script="Gujr" typeface="Shruti"/>
+        <a:font script="Khmr" typeface="MoolBoran"/>
+        <a:font script="Knda" typeface="Tunga"/>
+        <a:font script="Guru" typeface="Raavi"/>
+        <a:font script="Cans" typeface="Euphemia"/>
+        <a:font script="Cher" typeface="Plantagenet Cherokee"/>
+        <a:font script="Yiii" typeface="Microsoft Yi Baiti"/>
+        <a:font script="Tibt" typeface="Microsoft Himalaya"/>
+        <a:font script="Thaa" typeface="MV Boli"/>
+        <a:font script="Deva" typeface="Mangal"/>
+        <a:font script="Telu" typeface="Gautami"/>
+        <a:font script="Taml" typeface="Latha"/>
+        <a:font script="Syrc" typeface="Estrangelo Edessa"/>
+        <a:font script="Orya" typeface="Kalinga"/>
+        <a:font script="Mlym" typeface="Kartika"/>
+        <a:font script="Laoo" typeface="DokChampa"/>
+        <a:font script="Sinh" typeface="Iskoola Pota"/>
+        <a:font script="Mong" typeface="Mongolian Baiti"/>
+        <a:font script="Viet" typeface="Times New Roman"/>
+        <a:font script="Uigh" typeface="Microsoft Uighur"/>
+        <a:font script="Geor" typeface="Sylfaen"/>
+        <a:font script="Armn" typeface="Arial"/>
+        <a:font script="Bugi" typeface="Leelawadee UI"/>
+        <a:font script="Bopo" typeface="Microsoft JhengHei"/>
+        <a:font script="Java" typeface="Javanese Text"/>
+        <a:font script="Lisu" typeface="Segoe UI"/>
+        <a:font script="Mymr" typeface="Myanmar Text"/>
+        <a:font script="Nkoo" typeface="Ebrima"/>
+        <a:font script="Olck" typeface="Nirmala UI"/>
+        <a:font script="Osma" typeface="Ebrima"/>
+        <a:font script="Phag" typeface="Phagspa"/>
+        <a:font script="Syrn" typeface="Estrangelo Edessa"/>
+        <a:font script="Syrj" typeface="Estrangelo Edessa"/>
+        <a:font script="Syre" typeface="Estrangelo Edessa"/>
+        <a:font script="Sora" typeface="Nirmala UI"/>
+        <a:font script="Tale" typeface="Microsoft Tai Le"/>
+        <a:font script="Talu" typeface="Microsoft New Tai Lue"/>
+        <a:font script="Tfng" typeface="Ebrima"/>
+      </a:majorFont>
+      <a:minorFont>
+        <a:latin typeface="Calibri" panose="020F0502020204030204"/>
+        <a:ea typeface=""/>
+        <a:cs typeface=""/>
+        <a:font script="Jpan" typeface="游ゴシック"/>
+        <a:font script="Hang" typeface="맑은 고딕"/>
+        <a:font script="Hans" typeface="等线"/>
+        <a:font script="Hant" typeface="新細明體"/>
+        <a:font script="Arab" typeface="Arial"/>
+        <a:font script="Hebr" typeface="Arial"/>
+        <a:font script="Thai" typeface="Cordia New"/>
+        <a:font script="Ethi" typeface="Nyala"/>
+        <a:font script="Beng" typeface="Vrinda"/>
+        <a:font script="Gujr" typeface="Shruti"/>
+        <a:font script="Khmr" typeface="DaunPenh"/>
+        <a:font script="Knda" typeface="Tunga"/>
+        <a:font script="Guru" typeface="Raavi"/>
+        <a:font script="Cans" typeface="Euphemia"/>
+        <a:font script="Cher" typeface="Plantagenet Cherokee"/>
+        <a:font script="Yiii" typeface="Microsoft Yi Baiti"/>
+        <a:font script="Tibt" typeface="Microsoft Himalaya"/>
+        <a:font script="Thaa" typeface="MV Boli"/>
+        <a:font script="Deva" typeface="Mangal"/>
+        <a:font script="Telu" typeface="Gautami"/>
+        <a:font script="Taml" typeface="Latha"/>
+        <a:font script="Syrc" typeface="Estrangelo Edessa"/>
+        <a:font script="Orya" typeface="Kalinga"/>
+        <a:font script="Mlym" typeface="Kartika"/>
+        <a:font script="Laoo" typeface="DokChampa"/>
+        <a:font script="Sinh" typeface="Iskoola Pota"/>
+        <a:font script="Mong" typeface="Mongolian Baiti"/>
+        <a:font script="Viet" typeface="Arial"/>
+        <a:font script="Uigh" typeface="Microsoft Uighur"/>
+        <a:font script="Geor" typeface="Sylfaen"/>
+        <a:font script="Armn" typeface="Arial"/>
+        <a:font script="Bugi" typeface="Leelawadee UI"/>
+        <a:font script="Bopo" typeface="Microsoft JhengHei"/>
+        <a:font script="Java" typeface="Javanese Text"/>
+        <a:font script="Lisu" typeface="Segoe UI"/>
+        <a:font script="Mymr" typeface="Myanmar Text"/>
+        <a:font script="Nkoo" typeface="Ebrima"/>
+        <a:font script="Olck" typeface="Nirmala UI"/>
+        <a:font script="Osma" typeface="Ebrima"/>
+        <a:font script="Phag" typeface="Phagspa"/>
+        <a:font script="Syrn" typeface="Estrangelo Edessa"/>
+        <a:font script="Syrj" typeface="Estrangelo Edessa"/>
+        <a:font script="Syre" typeface="Estrangelo Edessa"/>
+        <a:font script="Sora" typeface="Nirmala UI"/>
+        <a:font script="Tale" typeface="Microsoft Tai Le"/>
+        <a:font script="Talu" typeface="Microsoft New Tai Lue"/>
+        <a:font script="Tfng" typeface="Ebrima"/>
+      </a:minorFont>
+    </a:fontScheme>
+    <a:fmtScheme name="Office">
+      <a:fillStyleLst>
+        <a:solidFill>
+          <a:schemeClr val="phClr"/>
+        </a:solidFill>
+        <a:gradFill rotWithShape="1">
+          <a:gsLst>
+            <a:gs pos="0">
+              <a:schemeClr val="phClr">
+                <a:lumMod val="110000"/>
+                <a:satMod val="105000"/>
+                <a:tint val="67000"/>
+              </a:schemeClr>
+            </a:gs>
+            <a:gs pos="50000">
+              <a:schemeClr val="phClr">
+                <a:lumMod val="105000"/>
+                <a:satMod val="103000"/>
+                <a:tint val="73000"/>
+              </a:schemeClr>
+            </a:gs>
+            <a:gs pos="100000">
+              <a:schemeClr val="phClr">
+                <a:lumMod val="105000"/>
+                <a:satMod val="109000"/>
+                <a:tint val="81000"/>
+              </a:schemeClr>
+            </a:gs>
+          </a:gsLst>
+          <a:lin ang="5400000" scaled="0"/>
+        </a:gradFill>
+        <a:gradFill rotWithShape="1">
+          <a:gsLst>
+            <a:gs pos="0">
+              <a:schemeClr val="phClr">
+                <a:satMod val="103000"/>
+                <a:lumMod val="102000"/>
+                <a:tint val="94000"/>
+              </a:schemeClr>
+            </a:gs>
+            <a:gs pos="50000">
+              <a:schemeClr val="phClr">
+                <a:satMod val="110000"/>
+                <a:lumMod val="100000"/>
+                <a:shade val="100000"/>
+              </a:schemeClr>
+            </a:gs>
+            <a:gs pos="100000">
+              <a:schemeClr val="phClr">
+                <a:lumMod val="99000"/>
+                <a:satMod val="120000"/>
+                <a:shade val="78000"/>
+              </a:schemeClr>
+            </a:gs>
+          </a:gsLst>
+          <a:lin ang="5400000" scaled="0"/>
+        </a:gradFill>
+      </a:fillStyleLst>
+      <a:lnStyleLst>
+        <a:ln w="6350" cap="flat" cmpd="sng" algn="ctr">
+          <a:solidFill>
+            <a:schemeClr val="phClr"/>
+          </a:solidFill>
+          <a:prstDash val="solid"/>
+          <a:miter lim="800000"/>
+        </a:ln>
+        <a:ln w="12700" cap="flat" cmpd="sng" algn="ctr">
+          <a:solidFill>
+            <a:schemeClr val="phClr"/>
+          </a:solidFill>
+          <a:prstDash val="solid"/>
+          <a:miter lim="800000"/>
+        </a:ln>
+        <a:ln w="19050" cap="flat" cmpd="sng" algn="ctr">
+          <a:solidFill>
+            <a:schemeClr val="phClr"/>
+          </a:solidFill>
+          <a:prstDash val="solid"/>
+          <a:miter lim="800000"/>
+        </a:ln>
+      </a:lnStyleLst>
+      <a:effectStyleLst>
+        <a:effectStyle>
+          <a:effectLst/>
+        </a:effectStyle>
+        <a:effectStyle>
+          <a:effectLst/>
+        </a:effectStyle>
+        <a:effectStyle>
+          <a:effectLst>
+            <a:outerShdw blurRad="57150" dist="19050" dir="5400000" algn="ctr" rotWithShape="0">
+              <a:srgbClr val="000000">
+                <a:alpha val="63000"/>
+              </a:srgbClr>
+            </a:outerShdw>
+          </a:effectLst>
+        </a:effectStyle>
+      </a:effectStyleLst>
+      <a:bgFillStyleLst>
+        <a:solidFill>
+          <a:schemeClr val="phClr"/>
+        </a:solidFill>
+        <a:solidFill>
+          <a:schemeClr val="phClr">
+            <a:tint val="95000"/>
+            <a:satMod val="170000"/>
+          </a:schemeClr>
+        </a:solidFill>
+        <a:gradFill rotWithShape="1">
+          <a:gsLst>
+            <a:gs pos="0">
+              <a:schemeClr val="phClr">
+                <a:tint val="93000"/>
+                <a:satMod val="150000"/>
+                <a:shade val="98000"/>
+                <a:lumMod val="102000"/>
+              </a:schemeClr>
+            </a:gs>
+            <a:gs pos="50000">
+              <a:schemeClr val="phClr">
+                <a:tint val="98000"/>
+                <a:satMod val="130000"/>
+                <a:shade val="90000"/>
+                <a:lumMod val="103000"/>
+              </a:schemeClr>
+            </a:gs>
+            <a:gs pos="100000">
+              <a:schemeClr val="phClr">
+                <a:shade val="63000"/>
+                <a:satMod val="120000"/>
+              </a:schemeClr>
+            </a:gs>
+          </a:gsLst>
+          <a:lin ang="5400000" scaled="0"/>
+        </a:gradFill>
+      </a:bgFillStyleLst>
+    </a:fmtScheme>
+  </a:themeElements>
+  <a:objectDefaults/>
+  <a:extraClrSchemeLst/>
+  <a:extLst>
+    <a:ext uri="{05A4C25C-085E-4340-85A3-A5531E510DB2}">
+      <thm15:themeFamily xmlns:thm15="http://schemas.microsoft.com/office/thememl/2012/main" name="Office Theme" id="{62F939B6-93AF-4DB8-9C6B-D6C7DFDC589F}" vid="{4A3C46E8-61CC-4603-A589-7422A47A8E4A}"/>
+    </a:ext>
+  </a:extLst>
+</a:theme>
 </file>
--- a/Poster/Poster.pptx
+++ b/Poster/Poster.pptx
@@ -1057,7 +1057,7 @@
           <a:p>
             <a:fld id="{26FDFB3E-19C4-4117-A6C3-3DCDA680D6AE}" type="datetimeFigureOut">
               <a:rPr lang="en-NL" smtClean="0"/>
-              <a:t>16/04/2023</a:t>
+              <a:t>04/16/2023</a:t>
             </a:fld>
             <a:endParaRPr lang="en-NL"/>
           </a:p>
@@ -1216,7 +1216,7 @@
           <a:p>
             <a:fld id="{C73B8168-FC62-464C-9AD9-7C7DFCB5AB14}" type="slidenum">
               <a:rPr lang="en-NL" smtClean="0"/>
-              <a:t>‹#›</a:t>
+              <a:t>‹nr.›</a:t>
             </a:fld>
             <a:endParaRPr lang="en-NL"/>
           </a:p>
@@ -1582,7 +1582,7 @@
           <a:p>
             <a:fld id="{A8C721A8-0FC4-4D74-9D1D-FEFB5425F115}" type="slidenum">
               <a:rPr lang="nl-NL" smtClean="0"/>
-              <a:t>‹#›</a:t>
+              <a:t>‹nr.›</a:t>
             </a:fld>
             <a:endParaRPr lang="nl-NL"/>
           </a:p>
@@ -1752,7 +1752,7 @@
           <a:p>
             <a:fld id="{A8C721A8-0FC4-4D74-9D1D-FEFB5425F115}" type="slidenum">
               <a:rPr lang="nl-NL" smtClean="0"/>
-              <a:t>‹#›</a:t>
+              <a:t>‹nr.›</a:t>
             </a:fld>
             <a:endParaRPr lang="nl-NL"/>
           </a:p>
@@ -1932,7 +1932,7 @@
           <a:p>
             <a:fld id="{A8C721A8-0FC4-4D74-9D1D-FEFB5425F115}" type="slidenum">
               <a:rPr lang="nl-NL" smtClean="0"/>
-              <a:t>‹#›</a:t>
+              <a:t>‹nr.›</a:t>
             </a:fld>
             <a:endParaRPr lang="nl-NL"/>
           </a:p>
@@ -2102,7 +2102,7 @@
           <a:p>
             <a:fld id="{A8C721A8-0FC4-4D74-9D1D-FEFB5425F115}" type="slidenum">
               <a:rPr lang="nl-NL" smtClean="0"/>
-              <a:t>‹#›</a:t>
+              <a:t>‹nr.›</a:t>
             </a:fld>
             <a:endParaRPr lang="nl-NL"/>
           </a:p>
@@ -2346,7 +2346,7 @@
           <a:p>
             <a:fld id="{A8C721A8-0FC4-4D74-9D1D-FEFB5425F115}" type="slidenum">
               <a:rPr lang="nl-NL" smtClean="0"/>
-              <a:t>‹#›</a:t>
+              <a:t>‹nr.›</a:t>
             </a:fld>
             <a:endParaRPr lang="nl-NL"/>
           </a:p>
@@ -2578,7 +2578,7 @@
           <a:p>
             <a:fld id="{A8C721A8-0FC4-4D74-9D1D-FEFB5425F115}" type="slidenum">
               <a:rPr lang="nl-NL" smtClean="0"/>
-              <a:t>‹#›</a:t>
+              <a:t>‹nr.›</a:t>
             </a:fld>
             <a:endParaRPr lang="nl-NL"/>
           </a:p>
@@ -2945,7 +2945,7 @@
           <a:p>
             <a:fld id="{A8C721A8-0FC4-4D74-9D1D-FEFB5425F115}" type="slidenum">
               <a:rPr lang="nl-NL" smtClean="0"/>
-              <a:t>‹#›</a:t>
+              <a:t>‹nr.›</a:t>
             </a:fld>
             <a:endParaRPr lang="nl-NL"/>
           </a:p>
@@ -3063,7 +3063,7 @@
           <a:p>
             <a:fld id="{A8C721A8-0FC4-4D74-9D1D-FEFB5425F115}" type="slidenum">
               <a:rPr lang="nl-NL" smtClean="0"/>
-              <a:t>‹#›</a:t>
+              <a:t>‹nr.›</a:t>
             </a:fld>
             <a:endParaRPr lang="nl-NL"/>
           </a:p>
@@ -3158,7 +3158,7 @@
           <a:p>
             <a:fld id="{A8C721A8-0FC4-4D74-9D1D-FEFB5425F115}" type="slidenum">
               <a:rPr lang="nl-NL" smtClean="0"/>
-              <a:t>‹#›</a:t>
+              <a:t>‹nr.›</a:t>
             </a:fld>
             <a:endParaRPr lang="nl-NL"/>
           </a:p>
@@ -3435,7 +3435,7 @@
           <a:p>
             <a:fld id="{A8C721A8-0FC4-4D74-9D1D-FEFB5425F115}" type="slidenum">
               <a:rPr lang="nl-NL" smtClean="0"/>
-              <a:t>‹#›</a:t>
+              <a:t>‹nr.›</a:t>
             </a:fld>
             <a:endParaRPr lang="nl-NL"/>
           </a:p>
@@ -3692,7 +3692,7 @@
           <a:p>
             <a:fld id="{A8C721A8-0FC4-4D74-9D1D-FEFB5425F115}" type="slidenum">
               <a:rPr lang="nl-NL" smtClean="0"/>
-              <a:t>‹#›</a:t>
+              <a:t>‹nr.›</a:t>
             </a:fld>
             <a:endParaRPr lang="nl-NL"/>
           </a:p>
@@ -3941,7 +3941,7 @@
           <a:p>
             <a:fld id="{A8C721A8-0FC4-4D74-9D1D-FEFB5425F115}" type="slidenum">
               <a:rPr lang="nl-NL" smtClean="0"/>
-              <a:t>‹#›</a:t>
+              <a:t>‹nr.›</a:t>
             </a:fld>
             <a:endParaRPr lang="nl-NL"/>
           </a:p>
@@ -4268,6 +4268,112 @@
           <a:chExt cx="0" cy="0"/>
         </a:xfrm>
       </p:grpSpPr>
+      <p:grpSp>
+        <p:nvGrpSpPr>
+          <p:cNvPr id="36" name="Groep 35">
+            <a:extLst>
+              <a:ext uri="{FF2B5EF4-FFF2-40B4-BE49-F238E27FC236}">
+                <a16:creationId xmlns:a16="http://schemas.microsoft.com/office/drawing/2014/main" id="{D041A443-0E47-C8D4-B71A-E6C5359A5653}"/>
+              </a:ext>
+            </a:extLst>
+          </p:cNvPr>
+          <p:cNvGrpSpPr/>
+          <p:nvPr/>
+        </p:nvGrpSpPr>
+        <p:grpSpPr>
+          <a:xfrm>
+            <a:off x="31927150" y="17399834"/>
+            <a:ext cx="8502489" cy="4836975"/>
+            <a:chOff x="31927150" y="16704890"/>
+            <a:chExt cx="8502489" cy="4836975"/>
+          </a:xfrm>
+        </p:grpSpPr>
+        <p:pic>
+          <p:nvPicPr>
+            <p:cNvPr id="28" name="Afbeelding 27" descr="Afbeelding met grafiek&#10;&#10;Automatisch gegenereerde beschrijving">
+              <a:extLst>
+                <a:ext uri="{FF2B5EF4-FFF2-40B4-BE49-F238E27FC236}">
+                  <a16:creationId xmlns:a16="http://schemas.microsoft.com/office/drawing/2014/main" id="{2A17B341-19AB-DEAB-A9AB-2535F4CC13E2}"/>
+                </a:ext>
+              </a:extLst>
+            </p:cNvPr>
+            <p:cNvPicPr>
+              <a:picLocks noChangeAspect="1"/>
+            </p:cNvPicPr>
+            <p:nvPr/>
+          </p:nvPicPr>
+          <p:blipFill>
+            <a:blip r:embed="rId3">
+              <a:extLst>
+                <a:ext uri="{28A0092B-C50C-407E-A947-70E740481C1C}">
+                  <a14:useLocalDpi xmlns:a14="http://schemas.microsoft.com/office/drawing/2010/main" val="0"/>
+                </a:ext>
+              </a:extLst>
+            </a:blip>
+            <a:stretch>
+              <a:fillRect/>
+            </a:stretch>
+          </p:blipFill>
+          <p:spPr>
+            <a:xfrm>
+              <a:off x="31927150" y="16704890"/>
+              <a:ext cx="8502489" cy="4251245"/>
+            </a:xfrm>
+            <a:prstGeom prst="rect">
+              <a:avLst/>
+            </a:prstGeom>
+          </p:spPr>
+        </p:pic>
+        <p:sp>
+          <p:nvSpPr>
+            <p:cNvPr id="34" name="Tekstvak 33">
+              <a:extLst>
+                <a:ext uri="{FF2B5EF4-FFF2-40B4-BE49-F238E27FC236}">
+                  <a16:creationId xmlns:a16="http://schemas.microsoft.com/office/drawing/2014/main" id="{AB576CBC-C160-6B19-6A7E-A0F807AA47D2}"/>
+                </a:ext>
+              </a:extLst>
+            </p:cNvPr>
+            <p:cNvSpPr txBox="1"/>
+            <p:nvPr/>
+          </p:nvSpPr>
+          <p:spPr>
+            <a:xfrm>
+              <a:off x="32462737" y="20951296"/>
+              <a:ext cx="7130783" cy="590569"/>
+            </a:xfrm>
+            <a:prstGeom prst="rect">
+              <a:avLst/>
+            </a:prstGeom>
+            <a:noFill/>
+            <a:ln>
+              <a:noFill/>
+            </a:ln>
+          </p:spPr>
+          <p:txBody>
+            <a:bodyPr wrap="square" numCol="1" rtlCol="0">
+              <a:noAutofit/>
+            </a:bodyPr>
+            <a:lstStyle/>
+            <a:p>
+              <a:pPr algn="just"/>
+              <a:r>
+                <a:rPr lang="en-GB" b="1" dirty="0">
+                  <a:latin typeface="Arial" panose="020B0604020202020204" pitchFamily="34" charset="0"/>
+                  <a:cs typeface="Arial" panose="020B0604020202020204" pitchFamily="34" charset="0"/>
+                </a:rPr>
+                <a:t>Figure 6</a:t>
+              </a:r>
+              <a:r>
+                <a:rPr lang="en-GB" dirty="0">
+                  <a:latin typeface="Arial" panose="020B0604020202020204" pitchFamily="34" charset="0"/>
+                  <a:cs typeface="Arial" panose="020B0604020202020204" pitchFamily="34" charset="0"/>
+                </a:rPr>
+                <a:t>. Distributed model underestimating during winter months. </a:t>
+              </a:r>
+            </a:p>
+          </p:txBody>
+        </p:sp>
+      </p:grpSp>
       <p:pic>
         <p:nvPicPr>
           <p:cNvPr id="18" name="Afbeelding 17" descr="Afbeelding met kaart&#10;&#10;Automatisch gegenereerde beschrijving">
@@ -4283,7 +4389,7 @@
           <p:nvPr/>
         </p:nvPicPr>
         <p:blipFill>
-          <a:blip r:embed="rId3">
+          <a:blip r:embed="rId4">
             <a:extLst>
               <a:ext uri="{28A0092B-C50C-407E-A947-70E740481C1C}">
                 <a14:useLocalDpi xmlns:a14="http://schemas.microsoft.com/office/drawing/2010/main" val="0"/>
@@ -4296,7 +4402,7 @@
         </p:blipFill>
         <p:spPr>
           <a:xfrm>
-            <a:off x="1772472" y="6610279"/>
+            <a:off x="1772472" y="5988487"/>
             <a:ext cx="10094066" cy="7138090"/>
           </a:xfrm>
           <a:prstGeom prst="rect">
@@ -4393,7 +4499,7 @@
             <p:nvPr/>
           </p:nvPicPr>
           <p:blipFill>
-            <a:blip r:embed="rId4">
+            <a:blip r:embed="rId5">
               <a:extLst>
                 <a:ext uri="{28A0092B-C50C-407E-A947-70E740481C1C}">
                   <a14:useLocalDpi xmlns:a14="http://schemas.microsoft.com/office/drawing/2010/main" val="0"/>
@@ -4417,10 +4523,10 @@
       </p:grpSp>
       <p:sp>
         <p:nvSpPr>
-          <p:cNvPr id="12" name="Tekstvak 11">
+          <p:cNvPr id="16" name="Tekstvak 15">
             <a:extLst>
               <a:ext uri="{FF2B5EF4-FFF2-40B4-BE49-F238E27FC236}">
-                <a16:creationId xmlns:a16="http://schemas.microsoft.com/office/drawing/2014/main" id="{A58B859E-8BA3-D572-AA6F-C9C512AC55EF}"/>
+                <a16:creationId xmlns:a16="http://schemas.microsoft.com/office/drawing/2014/main" id="{9787EA94-4CF8-BC7D-CFA7-1DE1950AE13E}"/>
               </a:ext>
             </a:extLst>
           </p:cNvPr>
@@ -4429,8 +4535,8 @@
         </p:nvSpPr>
         <p:spPr>
           <a:xfrm>
-            <a:off x="31589125" y="11759233"/>
-            <a:ext cx="10800000" cy="16028875"/>
+            <a:off x="13175882" y="4306436"/>
+            <a:ext cx="16452000" cy="1478804"/>
           </a:xfrm>
           <a:prstGeom prst="rect">
             <a:avLst/>
@@ -4441,24 +4547,59 @@
           </a:ln>
         </p:spPr>
         <p:txBody>
-          <a:bodyPr wrap="square" numCol="1" rtlCol="0">
+          <a:bodyPr wrap="square" rtlCol="0">
             <a:noAutofit/>
           </a:bodyPr>
           <a:lstStyle/>
           <a:p>
-            <a:r>
-              <a:rPr lang="en-GB" sz="4400"/>
-              <a:t> </a:t>
-            </a:r>
-          </a:p>
-        </p:txBody>
-      </p:sp>
-      <p:sp>
-        <p:nvSpPr>
-          <p:cNvPr id="16" name="Tekstvak 15">
+            <a:pPr algn="just"/>
+            <a:r>
+              <a:rPr lang="en-GB" sz="2400" dirty="0">
+                <a:latin typeface="Arial" panose="020B0604020202020204" pitchFamily="34" charset="0"/>
+                <a:cs typeface="Arial" panose="020B0604020202020204" pitchFamily="34" charset="0"/>
+              </a:rPr>
+              <a:t>For the precipitation data, station data is used which matches ERA5 well. The station data is averaged over the area by using Thiessen polygons. For evaporation data obtain from Global Land Evaporation Amsterdam Model (GLEAM) is used. Discharge station data is retrieved from USGS, the discharge of two stations in the lower part are added together. </a:t>
+            </a:r>
+          </a:p>
+          <a:p>
+            <a:pPr algn="just"/>
+            <a:r>
+              <a:rPr lang="en-GB" sz="2400" dirty="0">
+                <a:latin typeface="Arial" panose="020B0604020202020204" pitchFamily="34" charset="0"/>
+                <a:cs typeface="Arial" panose="020B0604020202020204" pitchFamily="34" charset="0"/>
+              </a:rPr>
+              <a:t>  </a:t>
+            </a:r>
+            <a:endParaRPr lang="en-GB" sz="5000" dirty="0">
+              <a:latin typeface="Arial" panose="020B0604020202020204" pitchFamily="34" charset="0"/>
+              <a:cs typeface="Arial" panose="020B0604020202020204" pitchFamily="34" charset="0"/>
+            </a:endParaRPr>
+          </a:p>
+          <a:p>
+            <a:pPr marL="685800" indent="-685800">
+              <a:buFontTx/>
+              <a:buChar char="-"/>
+            </a:pPr>
+            <a:endParaRPr lang="nl-NL" sz="2400" dirty="0">
+              <a:latin typeface="Arial" panose="020B0604020202020204" pitchFamily="34" charset="0"/>
+              <a:cs typeface="Arial" panose="020B0604020202020204" pitchFamily="34" charset="0"/>
+            </a:endParaRPr>
+          </a:p>
+          <a:p>
+            <a:pPr algn="ctr"/>
+            <a:endParaRPr lang="nl-NL" sz="5000" b="1" u="sng" dirty="0">
+              <a:latin typeface="Arial" panose="020B0604020202020204" pitchFamily="34" charset="0"/>
+              <a:cs typeface="Arial" panose="020B0604020202020204" pitchFamily="34" charset="0"/>
+            </a:endParaRPr>
+          </a:p>
+        </p:txBody>
+      </p:sp>
+      <p:sp>
+        <p:nvSpPr>
+          <p:cNvPr id="17" name="Tekstvak 16">
             <a:extLst>
               <a:ext uri="{FF2B5EF4-FFF2-40B4-BE49-F238E27FC236}">
-                <a16:creationId xmlns:a16="http://schemas.microsoft.com/office/drawing/2014/main" id="{9787EA94-4CF8-BC7D-CFA7-1DE1950AE13E}"/>
+                <a16:creationId xmlns:a16="http://schemas.microsoft.com/office/drawing/2014/main" id="{F30E2FA8-E572-0331-BD1F-3E20EA69F325}"/>
               </a:ext>
             </a:extLst>
           </p:cNvPr>
@@ -4467,8 +4608,247 @@
         </p:nvSpPr>
         <p:spPr>
           <a:xfrm>
-            <a:off x="13090229" y="4818500"/>
-            <a:ext cx="16567190" cy="1478804"/>
+            <a:off x="30608613" y="4302170"/>
+            <a:ext cx="10836000" cy="5029201"/>
+          </a:xfrm>
+          <a:prstGeom prst="rect">
+            <a:avLst/>
+          </a:prstGeom>
+          <a:noFill/>
+        </p:spPr>
+        <p:txBody>
+          <a:bodyPr wrap="square" rtlCol="0">
+            <a:noAutofit/>
+          </a:bodyPr>
+          <a:lstStyle/>
+          <a:p>
+            <a:pPr algn="just"/>
+            <a:r>
+              <a:rPr lang="en-GB" sz="2400" dirty="0">
+                <a:latin typeface="Arial" panose="020B0604020202020204" pitchFamily="34" charset="0"/>
+                <a:cs typeface="Arial" panose="020B0604020202020204" pitchFamily="34" charset="0"/>
+              </a:rPr>
+              <a:t>The modelled runoff has some uncertainties due to the uncertainty in data, but also in the chosen parameters. The 8 model parameters are calibrated using Monte Carlo, trying all different combinations is very time consuming. Almost all parameters show a uniform distribution over the range against the NSE. So a parameter is easily taken for example as too low (when is practical it is higher), resulting in calibrating also the others wrong. </a:t>
+            </a:r>
+          </a:p>
+          <a:p>
+            <a:pPr algn="just"/>
+            <a:r>
+              <a:rPr lang="en-GB" sz="2400" dirty="0">
+                <a:latin typeface="Arial" panose="020B0604020202020204" pitchFamily="34" charset="0"/>
+                <a:cs typeface="Arial" panose="020B0604020202020204" pitchFamily="34" charset="0"/>
+              </a:rPr>
+              <a:t>As can be seen, during the summer months the runoff is overestimated. Next to uncertainty, could the occurrence of reservoirs explain part of the overestimation. In figure 5 are the reservoirs shown which are classified in QGIS. Reservoirs are not taken into account in the model. Using a parameter in the model which reduces the fast flows in the summer, could result in a better fit.    </a:t>
+            </a:r>
+          </a:p>
+          <a:p>
+            <a:pPr algn="just"/>
+            <a:endParaRPr lang="en-GB" sz="2400" dirty="0">
+              <a:latin typeface="Arial" panose="020B0604020202020204" pitchFamily="34" charset="0"/>
+              <a:cs typeface="Arial" panose="020B0604020202020204" pitchFamily="34" charset="0"/>
+            </a:endParaRPr>
+          </a:p>
+          <a:p>
+            <a:pPr algn="ctr"/>
+            <a:endParaRPr lang="nl-NL" sz="2400" b="1" u="sng" dirty="0">
+              <a:latin typeface="Arial" panose="020B0604020202020204" pitchFamily="34" charset="0"/>
+              <a:cs typeface="Arial" panose="020B0604020202020204" pitchFamily="34" charset="0"/>
+            </a:endParaRPr>
+          </a:p>
+          <a:p>
+            <a:pPr algn="ctr"/>
+            <a:endParaRPr lang="nl-NL" sz="2400" b="1" u="sng" dirty="0">
+              <a:latin typeface="Arial" panose="020B0604020202020204" pitchFamily="34" charset="0"/>
+              <a:cs typeface="Arial" panose="020B0604020202020204" pitchFamily="34" charset="0"/>
+            </a:endParaRPr>
+          </a:p>
+          <a:p>
+            <a:pPr algn="ctr"/>
+            <a:endParaRPr lang="en-GB" sz="2400" b="1" u="sng" dirty="0">
+              <a:latin typeface="Arial" panose="020B0604020202020204" pitchFamily="34" charset="0"/>
+              <a:cs typeface="Arial" panose="020B0604020202020204" pitchFamily="34" charset="0"/>
+            </a:endParaRPr>
+          </a:p>
+          <a:p>
+            <a:pPr marL="685800" indent="-685800" algn="ctr">
+              <a:buFontTx/>
+              <a:buChar char="-"/>
+            </a:pPr>
+            <a:endParaRPr lang="nl-NL" sz="2400" b="1" u="sng" dirty="0">
+              <a:latin typeface="Arial" panose="020B0604020202020204" pitchFamily="34" charset="0"/>
+              <a:cs typeface="Arial" panose="020B0604020202020204" pitchFamily="34" charset="0"/>
+              <a:sym typeface="Wingdings" panose="05000000000000000000" pitchFamily="2" charset="2"/>
+            </a:endParaRPr>
+          </a:p>
+          <a:p>
+            <a:pPr marL="685800" indent="-685800" algn="ctr">
+              <a:buFontTx/>
+              <a:buChar char="-"/>
+            </a:pPr>
+            <a:endParaRPr lang="nl-NL" sz="2400" b="1" u="sng" dirty="0">
+              <a:latin typeface="Arial" panose="020B0604020202020204" pitchFamily="34" charset="0"/>
+              <a:cs typeface="Arial" panose="020B0604020202020204" pitchFamily="34" charset="0"/>
+              <a:sym typeface="Wingdings" panose="05000000000000000000" pitchFamily="2" charset="2"/>
+            </a:endParaRPr>
+          </a:p>
+          <a:p>
+            <a:pPr algn="ctr"/>
+            <a:endParaRPr lang="nl-NL" sz="2400" b="1" u="sng" dirty="0">
+              <a:latin typeface="Arial" panose="020B0604020202020204" pitchFamily="34" charset="0"/>
+              <a:cs typeface="Arial" panose="020B0604020202020204" pitchFamily="34" charset="0"/>
+            </a:endParaRPr>
+          </a:p>
+        </p:txBody>
+      </p:sp>
+      <p:sp>
+        <p:nvSpPr>
+          <p:cNvPr id="2" name="Tekstvak 1">
+            <a:extLst>
+              <a:ext uri="{FF2B5EF4-FFF2-40B4-BE49-F238E27FC236}">
+                <a16:creationId xmlns:a16="http://schemas.microsoft.com/office/drawing/2014/main" id="{5C010F3B-53BB-A4D6-58B8-7A262D3E4604}"/>
+              </a:ext>
+            </a:extLst>
+          </p:cNvPr>
+          <p:cNvSpPr txBox="1"/>
+          <p:nvPr/>
+        </p:nvSpPr>
+        <p:spPr>
+          <a:xfrm>
+            <a:off x="1697583" y="580250"/>
+            <a:ext cx="36738720" cy="2795678"/>
+          </a:xfrm>
+          <a:prstGeom prst="rect">
+            <a:avLst/>
+          </a:prstGeom>
+          <a:noFill/>
+        </p:spPr>
+        <p:txBody>
+          <a:bodyPr wrap="square" rtlCol="0">
+            <a:noAutofit/>
+          </a:bodyPr>
+          <a:lstStyle/>
+          <a:p>
+            <a:pPr algn="ctr">
+              <a:spcAft>
+                <a:spcPts val="600"/>
+              </a:spcAft>
+            </a:pPr>
+            <a:r>
+              <a:rPr lang="en-GB" sz="8000" b="1" dirty="0">
+                <a:latin typeface="Arial" panose="020B0604020202020204" pitchFamily="34" charset="0"/>
+                <a:cs typeface="Arial" panose="020B0604020202020204" pitchFamily="34" charset="0"/>
+              </a:rPr>
+              <a:t>Modelled </a:t>
+            </a:r>
+            <a:r>
+              <a:rPr lang="en-GB" sz="8000" b="1" dirty="0">
+                <a:solidFill>
+                  <a:srgbClr val="00A6D6"/>
+                </a:solidFill>
+                <a:latin typeface="Arial" panose="020B0604020202020204" pitchFamily="34" charset="0"/>
+                <a:cs typeface="Arial" panose="020B0604020202020204" pitchFamily="34" charset="0"/>
+              </a:rPr>
+              <a:t>Water</a:t>
+            </a:r>
+            <a:r>
+              <a:rPr lang="en-GB" sz="8000" b="1" dirty="0">
+                <a:latin typeface="Arial" panose="020B0604020202020204" pitchFamily="34" charset="0"/>
+                <a:cs typeface="Arial" panose="020B0604020202020204" pitchFamily="34" charset="0"/>
+              </a:rPr>
+              <a:t> Cycle of the </a:t>
+            </a:r>
+            <a:r>
+              <a:rPr lang="en-GB" sz="8000" b="1" dirty="0">
+                <a:solidFill>
+                  <a:srgbClr val="00A6D6"/>
+                </a:solidFill>
+                <a:latin typeface="Arial" panose="020B0604020202020204" pitchFamily="34" charset="0"/>
+                <a:cs typeface="Arial" panose="020B0604020202020204" pitchFamily="34" charset="0"/>
+              </a:rPr>
+              <a:t>Hudson</a:t>
+            </a:r>
+            <a:r>
+              <a:rPr lang="en-GB" sz="8000" b="1" dirty="0">
+                <a:latin typeface="Arial" panose="020B0604020202020204" pitchFamily="34" charset="0"/>
+                <a:cs typeface="Arial" panose="020B0604020202020204" pitchFamily="34" charset="0"/>
+              </a:rPr>
+              <a:t> </a:t>
+            </a:r>
+            <a:r>
+              <a:rPr lang="en-GB" sz="8000" b="1" dirty="0">
+                <a:solidFill>
+                  <a:srgbClr val="00A6D6"/>
+                </a:solidFill>
+                <a:latin typeface="Arial" panose="020B0604020202020204" pitchFamily="34" charset="0"/>
+                <a:cs typeface="Arial" panose="020B0604020202020204" pitchFamily="34" charset="0"/>
+              </a:rPr>
+              <a:t>River</a:t>
+            </a:r>
+            <a:r>
+              <a:rPr lang="en-GB" sz="8000" b="1" dirty="0">
+                <a:latin typeface="Arial" panose="020B0604020202020204" pitchFamily="34" charset="0"/>
+                <a:cs typeface="Arial" panose="020B0604020202020204" pitchFamily="34" charset="0"/>
+              </a:rPr>
+              <a:t> Basin</a:t>
+            </a:r>
+          </a:p>
+          <a:p>
+            <a:pPr algn="ctr">
+              <a:spcAft>
+                <a:spcPts val="600"/>
+              </a:spcAft>
+            </a:pPr>
+            <a:r>
+              <a:rPr lang="en-GB" sz="4400" dirty="0">
+                <a:latin typeface="Arial" panose="020B0604020202020204" pitchFamily="34" charset="0"/>
+                <a:cs typeface="Arial" panose="020B0604020202020204" pitchFamily="34" charset="0"/>
+              </a:rPr>
+              <a:t>David Haasnoot and Anne Versleijen</a:t>
+            </a:r>
+          </a:p>
+          <a:p>
+            <a:pPr algn="ctr">
+              <a:spcAft>
+                <a:spcPts val="600"/>
+              </a:spcAft>
+            </a:pPr>
+            <a:r>
+              <a:rPr lang="en-GB" sz="3600" dirty="0">
+                <a:latin typeface="Arial" panose="020B0604020202020204" pitchFamily="34" charset="0"/>
+                <a:cs typeface="Arial" panose="020B0604020202020204" pitchFamily="34" charset="0"/>
+              </a:rPr>
+              <a:t>River Basin Hydrology and Water Management</a:t>
+            </a:r>
+          </a:p>
+          <a:p>
+            <a:pPr algn="ctr">
+              <a:spcAft>
+                <a:spcPts val="2400"/>
+              </a:spcAft>
+            </a:pPr>
+            <a:endParaRPr lang="en-GB" sz="4400" dirty="0">
+              <a:latin typeface="Arial" panose="020B0604020202020204" pitchFamily="34" charset="0"/>
+              <a:cs typeface="Arial" panose="020B0604020202020204" pitchFamily="34" charset="0"/>
+            </a:endParaRPr>
+          </a:p>
+        </p:txBody>
+      </p:sp>
+      <p:sp>
+        <p:nvSpPr>
+          <p:cNvPr id="10" name="Tekstvak 9">
+            <a:extLst>
+              <a:ext uri="{FF2B5EF4-FFF2-40B4-BE49-F238E27FC236}">
+                <a16:creationId xmlns:a16="http://schemas.microsoft.com/office/drawing/2014/main" id="{6F553846-8B10-5587-CDD7-9215ADFFC796}"/>
+              </a:ext>
+            </a:extLst>
+          </p:cNvPr>
+          <p:cNvSpPr txBox="1"/>
+          <p:nvPr/>
+        </p:nvSpPr>
+        <p:spPr>
+          <a:xfrm>
+            <a:off x="1359150" y="14579295"/>
+            <a:ext cx="10835687" cy="1567872"/>
           </a:xfrm>
           <a:prstGeom prst="rect">
             <a:avLst/>
@@ -4479,7 +4859,7 @@
           </a:ln>
         </p:spPr>
         <p:txBody>
-          <a:bodyPr wrap="square" rtlCol="0">
+          <a:bodyPr wrap="square" numCol="1" rtlCol="0">
             <a:noAutofit/>
           </a:bodyPr>
           <a:lstStyle/>
@@ -4490,48 +4870,17 @@
                 <a:latin typeface="Arial" panose="020B0604020202020204" pitchFamily="34" charset="0"/>
                 <a:cs typeface="Arial" panose="020B0604020202020204" pitchFamily="34" charset="0"/>
               </a:rPr>
-              <a:t>For the precipitation data, station data is used which matches ERA5 well. The station data is averaged over the area by using Thiessen polygons. For evaporation data obtain from Global Land Evaporation Amsterdam Model (GLEAM) is used. Discharge station data is retrieved from USGS, the discharge of two stations in the lower part are added together. </a:t>
-            </a:r>
-          </a:p>
-          <a:p>
-            <a:pPr algn="just"/>
-            <a:r>
-              <a:rPr lang="en-GB" sz="2400" dirty="0">
-                <a:latin typeface="Arial" panose="020B0604020202020204" pitchFamily="34" charset="0"/>
-                <a:cs typeface="Arial" panose="020B0604020202020204" pitchFamily="34" charset="0"/>
-              </a:rPr>
-              <a:t>  </a:t>
-            </a:r>
-            <a:endParaRPr lang="en-GB" sz="5000" dirty="0">
-              <a:latin typeface="Arial" panose="020B0604020202020204" pitchFamily="34" charset="0"/>
-              <a:cs typeface="Arial" panose="020B0604020202020204" pitchFamily="34" charset="0"/>
-            </a:endParaRPr>
-          </a:p>
-          <a:p>
-            <a:pPr marL="685800" indent="-685800">
-              <a:buFontTx/>
-              <a:buChar char="-"/>
-            </a:pPr>
-            <a:endParaRPr lang="nl-NL" sz="2400" dirty="0">
-              <a:latin typeface="Arial" panose="020B0604020202020204" pitchFamily="34" charset="0"/>
-              <a:cs typeface="Arial" panose="020B0604020202020204" pitchFamily="34" charset="0"/>
-            </a:endParaRPr>
-          </a:p>
-          <a:p>
-            <a:pPr algn="ctr"/>
-            <a:endParaRPr lang="nl-NL" sz="5000" b="1" u="sng" dirty="0">
-              <a:latin typeface="Arial" panose="020B0604020202020204" pitchFamily="34" charset="0"/>
-              <a:cs typeface="Arial" panose="020B0604020202020204" pitchFamily="34" charset="0"/>
-            </a:endParaRPr>
-          </a:p>
-        </p:txBody>
-      </p:sp>
-      <p:sp>
-        <p:nvSpPr>
-          <p:cNvPr id="17" name="Tekstvak 16">
+              <a:t>The aim is to describe the different elements of the water cycle within this region. To do so, data and information obtained from remote sensing techniques are used to develop a model. </a:t>
+            </a:r>
+          </a:p>
+        </p:txBody>
+      </p:sp>
+      <p:sp>
+        <p:nvSpPr>
+          <p:cNvPr id="13" name="Tekstvak 12">
             <a:extLst>
               <a:ext uri="{FF2B5EF4-FFF2-40B4-BE49-F238E27FC236}">
-                <a16:creationId xmlns:a16="http://schemas.microsoft.com/office/drawing/2014/main" id="{F30E2FA8-E572-0331-BD1F-3E20EA69F325}"/>
+                <a16:creationId xmlns:a16="http://schemas.microsoft.com/office/drawing/2014/main" id="{8CE5ABF7-4463-87B7-7326-EF823C247F37}"/>
               </a:ext>
             </a:extLst>
           </p:cNvPr>
@@ -4540,637 +4889,8 @@
         </p:nvSpPr>
         <p:spPr>
           <a:xfrm>
-            <a:off x="31380369" y="4914899"/>
-            <a:ext cx="10018279" cy="6246403"/>
-          </a:xfrm>
-          <a:prstGeom prst="rect">
-            <a:avLst/>
-          </a:prstGeom>
-          <a:noFill/>
-        </p:spPr>
-        <p:txBody>
-          <a:bodyPr wrap="square" rtlCol="0">
-            <a:noAutofit/>
-          </a:bodyPr>
-          <a:lstStyle/>
-          <a:p>
-            <a:pPr algn="just"/>
-            <a:r>
-              <a:rPr lang="en-GB" sz="2400" dirty="0">
-                <a:latin typeface="Arial" panose="020B0604020202020204" pitchFamily="34" charset="0"/>
-                <a:cs typeface="Arial" panose="020B0604020202020204" pitchFamily="34" charset="0"/>
-              </a:rPr>
-              <a:t>The HBV model overestimates the discharge during summer. An explanation for this could be the occurrence of reservoirs in the basin. (put figure of reservoirs?)</a:t>
-            </a:r>
-          </a:p>
-          <a:p>
-            <a:pPr algn="just"/>
-            <a:endParaRPr lang="en-GB" sz="2400" dirty="0">
-              <a:latin typeface="Arial" panose="020B0604020202020204" pitchFamily="34" charset="0"/>
-              <a:cs typeface="Arial" panose="020B0604020202020204" pitchFamily="34" charset="0"/>
-            </a:endParaRPr>
-          </a:p>
-          <a:p>
-            <a:pPr algn="just"/>
-            <a:r>
-              <a:rPr lang="en-GB" sz="2400" dirty="0">
-                <a:latin typeface="Arial" panose="020B0604020202020204" pitchFamily="34" charset="0"/>
-                <a:cs typeface="Arial" panose="020B0604020202020204" pitchFamily="34" charset="0"/>
-              </a:rPr>
-              <a:t>Next to this, the distributed model under estimates the discharge during snowfall. The data is taken as average throughout the basin, but in practice it is a heterogenic area. (plot where you can see this?)</a:t>
-            </a:r>
-          </a:p>
-          <a:p>
-            <a:pPr algn="just"/>
-            <a:endParaRPr lang="en-GB" sz="2400" dirty="0">
-              <a:latin typeface="Arial" panose="020B0604020202020204" pitchFamily="34" charset="0"/>
-              <a:cs typeface="Arial" panose="020B0604020202020204" pitchFamily="34" charset="0"/>
-            </a:endParaRPr>
-          </a:p>
-          <a:p>
-            <a:pPr algn="just"/>
-            <a:r>
-              <a:rPr lang="en-GB" sz="2400" dirty="0">
-                <a:latin typeface="Arial" panose="020B0604020202020204" pitchFamily="34" charset="0"/>
-                <a:cs typeface="Arial" panose="020B0604020202020204" pitchFamily="34" charset="0"/>
-              </a:rPr>
-              <a:t>Furthermore, both models have better outcome when same parameter range is chosen for the first 20 years based on the NSE.  When run several times, the model of the past 20 years score always lower than data used from 1980 till 2000. </a:t>
-            </a:r>
-          </a:p>
-          <a:p>
-            <a:pPr algn="just"/>
-            <a:r>
-              <a:rPr lang="en-GB" sz="2400" dirty="0">
-                <a:latin typeface="Arial" panose="020B0604020202020204" pitchFamily="34" charset="0"/>
-                <a:cs typeface="Arial" panose="020B0604020202020204" pitchFamily="34" charset="0"/>
-              </a:rPr>
-              <a:t>Uncertainty is large, but it is remarkable. </a:t>
-            </a:r>
-          </a:p>
-          <a:p>
-            <a:pPr algn="just"/>
-            <a:endParaRPr lang="en-GB" sz="2400" dirty="0">
-              <a:latin typeface="Arial" panose="020B0604020202020204" pitchFamily="34" charset="0"/>
-              <a:cs typeface="Arial" panose="020B0604020202020204" pitchFamily="34" charset="0"/>
-            </a:endParaRPr>
-          </a:p>
-          <a:p>
-            <a:pPr algn="just"/>
-            <a:endParaRPr lang="en-GB" sz="2400" dirty="0">
-              <a:latin typeface="Arial" panose="020B0604020202020204" pitchFamily="34" charset="0"/>
-              <a:cs typeface="Arial" panose="020B0604020202020204" pitchFamily="34" charset="0"/>
-            </a:endParaRPr>
-          </a:p>
-          <a:p>
-            <a:pPr algn="just"/>
-            <a:r>
-              <a:rPr lang="en-GB" sz="2400" dirty="0">
-                <a:latin typeface="Arial" panose="020B0604020202020204" pitchFamily="34" charset="0"/>
-                <a:cs typeface="Arial" panose="020B0604020202020204" pitchFamily="34" charset="0"/>
-              </a:rPr>
-              <a:t>Data assimilation part + plot </a:t>
-            </a:r>
-          </a:p>
-          <a:p>
-            <a:pPr algn="ctr"/>
-            <a:endParaRPr lang="nl-NL" sz="2400" b="1" u="sng" dirty="0">
-              <a:latin typeface="Arial" panose="020B0604020202020204" pitchFamily="34" charset="0"/>
-              <a:cs typeface="Arial" panose="020B0604020202020204" pitchFamily="34" charset="0"/>
-            </a:endParaRPr>
-          </a:p>
-          <a:p>
-            <a:pPr algn="ctr"/>
-            <a:endParaRPr lang="nl-NL" sz="2400" b="1" u="sng" dirty="0">
-              <a:latin typeface="Arial" panose="020B0604020202020204" pitchFamily="34" charset="0"/>
-              <a:cs typeface="Arial" panose="020B0604020202020204" pitchFamily="34" charset="0"/>
-            </a:endParaRPr>
-          </a:p>
-          <a:p>
-            <a:pPr algn="ctr"/>
-            <a:endParaRPr lang="en-GB" sz="2400" b="1" u="sng" dirty="0">
-              <a:latin typeface="Arial" panose="020B0604020202020204" pitchFamily="34" charset="0"/>
-              <a:cs typeface="Arial" panose="020B0604020202020204" pitchFamily="34" charset="0"/>
-            </a:endParaRPr>
-          </a:p>
-          <a:p>
-            <a:pPr algn="ctr"/>
-            <a:r>
-              <a:rPr lang="en-GB" sz="2400" b="1" u="sng" dirty="0">
-                <a:latin typeface="Arial" panose="020B0604020202020204" pitchFamily="34" charset="0"/>
-                <a:cs typeface="Arial" panose="020B0604020202020204" pitchFamily="34" charset="0"/>
-              </a:rPr>
-              <a:t>Conclusion</a:t>
-            </a:r>
-          </a:p>
-          <a:p>
-            <a:pPr algn="ctr"/>
-            <a:endParaRPr lang="en-GB" sz="2400" b="1" u="sng" dirty="0">
-              <a:latin typeface="Arial" panose="020B0604020202020204" pitchFamily="34" charset="0"/>
-              <a:cs typeface="Arial" panose="020B0604020202020204" pitchFamily="34" charset="0"/>
-            </a:endParaRPr>
-          </a:p>
-          <a:p>
-            <a:pPr algn="ctr"/>
-            <a:r>
-              <a:rPr lang="en-GB" sz="2400" u="sng" dirty="0">
-                <a:latin typeface="Arial" panose="020B0604020202020204" pitchFamily="34" charset="0"/>
-                <a:cs typeface="Arial" panose="020B0604020202020204" pitchFamily="34" charset="0"/>
-              </a:rPr>
-              <a:t>Reservoirs</a:t>
-            </a:r>
-            <a:r>
-              <a:rPr lang="en-GB" sz="2400" b="1" u="sng" dirty="0">
-                <a:latin typeface="Arial" panose="020B0604020202020204" pitchFamily="34" charset="0"/>
-                <a:cs typeface="Arial" panose="020B0604020202020204" pitchFamily="34" charset="0"/>
-              </a:rPr>
-              <a:t> in basin </a:t>
-            </a:r>
-            <a:r>
-              <a:rPr lang="en-GB" sz="2400" b="1" u="sng" dirty="0">
-                <a:latin typeface="Arial" panose="020B0604020202020204" pitchFamily="34" charset="0"/>
-                <a:cs typeface="Arial" panose="020B0604020202020204" pitchFamily="34" charset="0"/>
-                <a:sym typeface="Wingdings" panose="05000000000000000000" pitchFamily="2" charset="2"/>
-              </a:rPr>
-              <a:t> higher modelled outflow summer </a:t>
-            </a:r>
-          </a:p>
-          <a:p>
-            <a:pPr marL="685800" indent="-685800" algn="ctr">
-              <a:buFontTx/>
-              <a:buChar char="-"/>
-            </a:pPr>
-            <a:r>
-              <a:rPr lang="en-GB" sz="2400" b="1" u="sng" dirty="0">
-                <a:latin typeface="Arial" panose="020B0604020202020204" pitchFamily="34" charset="0"/>
-                <a:cs typeface="Arial" panose="020B0604020202020204" pitchFamily="34" charset="0"/>
-                <a:sym typeface="Wingdings" panose="05000000000000000000" pitchFamily="2" charset="2"/>
-              </a:rPr>
-              <a:t>Used factor to compensate</a:t>
-            </a:r>
-          </a:p>
-          <a:p>
-            <a:pPr marL="685800" indent="-685800" algn="ctr">
-              <a:buFontTx/>
-              <a:buChar char="-"/>
-            </a:pPr>
-            <a:endParaRPr lang="en-GB" sz="2400" b="1" u="sng" dirty="0">
-              <a:latin typeface="Arial" panose="020B0604020202020204" pitchFamily="34" charset="0"/>
-              <a:cs typeface="Arial" panose="020B0604020202020204" pitchFamily="34" charset="0"/>
-              <a:sym typeface="Wingdings" panose="05000000000000000000" pitchFamily="2" charset="2"/>
-            </a:endParaRPr>
-          </a:p>
-          <a:p>
-            <a:pPr marL="685800" indent="-685800" algn="ctr">
-              <a:buFontTx/>
-              <a:buChar char="-"/>
-            </a:pPr>
-            <a:endParaRPr lang="en-GB" sz="2400" b="1" u="sng" dirty="0">
-              <a:latin typeface="Arial" panose="020B0604020202020204" pitchFamily="34" charset="0"/>
-              <a:cs typeface="Arial" panose="020B0604020202020204" pitchFamily="34" charset="0"/>
-              <a:sym typeface="Wingdings" panose="05000000000000000000" pitchFamily="2" charset="2"/>
-            </a:endParaRPr>
-          </a:p>
-          <a:p>
-            <a:pPr marL="685800" indent="-685800" algn="ctr">
-              <a:buFontTx/>
-              <a:buChar char="-"/>
-            </a:pPr>
-            <a:endParaRPr lang="en-GB" sz="2400" b="1" u="sng" dirty="0">
-              <a:latin typeface="Arial" panose="020B0604020202020204" pitchFamily="34" charset="0"/>
-              <a:cs typeface="Arial" panose="020B0604020202020204" pitchFamily="34" charset="0"/>
-              <a:sym typeface="Wingdings" panose="05000000000000000000" pitchFamily="2" charset="2"/>
-            </a:endParaRPr>
-          </a:p>
-          <a:p>
-            <a:pPr algn="ctr"/>
-            <a:endParaRPr lang="en-GB" sz="2400" b="1" u="sng" dirty="0">
-              <a:latin typeface="Arial" panose="020B0604020202020204" pitchFamily="34" charset="0"/>
-              <a:cs typeface="Arial" panose="020B0604020202020204" pitchFamily="34" charset="0"/>
-              <a:sym typeface="Wingdings" panose="05000000000000000000" pitchFamily="2" charset="2"/>
-            </a:endParaRPr>
-          </a:p>
-          <a:p>
-            <a:pPr algn="ctr"/>
-            <a:endParaRPr lang="en-GB" sz="2400" b="1" u="sng" dirty="0">
-              <a:latin typeface="Arial" panose="020B0604020202020204" pitchFamily="34" charset="0"/>
-              <a:cs typeface="Arial" panose="020B0604020202020204" pitchFamily="34" charset="0"/>
-              <a:sym typeface="Wingdings" panose="05000000000000000000" pitchFamily="2" charset="2"/>
-            </a:endParaRPr>
-          </a:p>
-          <a:p>
-            <a:pPr algn="ctr"/>
-            <a:endParaRPr lang="en-GB" sz="2400" b="1" u="sng" dirty="0">
-              <a:latin typeface="Arial" panose="020B0604020202020204" pitchFamily="34" charset="0"/>
-              <a:cs typeface="Arial" panose="020B0604020202020204" pitchFamily="34" charset="0"/>
-              <a:sym typeface="Wingdings" panose="05000000000000000000" pitchFamily="2" charset="2"/>
-            </a:endParaRPr>
-          </a:p>
-          <a:p>
-            <a:pPr algn="ctr"/>
-            <a:endParaRPr lang="en-GB" sz="2400" b="1" u="sng" dirty="0">
-              <a:latin typeface="Arial" panose="020B0604020202020204" pitchFamily="34" charset="0"/>
-              <a:cs typeface="Arial" panose="020B0604020202020204" pitchFamily="34" charset="0"/>
-              <a:sym typeface="Wingdings" panose="05000000000000000000" pitchFamily="2" charset="2"/>
-            </a:endParaRPr>
-          </a:p>
-          <a:p>
-            <a:pPr algn="ctr"/>
-            <a:endParaRPr lang="en-GB" sz="2400" b="1" u="sng" dirty="0">
-              <a:latin typeface="Arial" panose="020B0604020202020204" pitchFamily="34" charset="0"/>
-              <a:cs typeface="Arial" panose="020B0604020202020204" pitchFamily="34" charset="0"/>
-              <a:sym typeface="Wingdings" panose="05000000000000000000" pitchFamily="2" charset="2"/>
-            </a:endParaRPr>
-          </a:p>
-          <a:p>
-            <a:pPr algn="ctr"/>
-            <a:endParaRPr lang="en-GB" sz="2400" b="1" u="sng" dirty="0">
-              <a:latin typeface="Arial" panose="020B0604020202020204" pitchFamily="34" charset="0"/>
-              <a:cs typeface="Arial" panose="020B0604020202020204" pitchFamily="34" charset="0"/>
-              <a:sym typeface="Wingdings" panose="05000000000000000000" pitchFamily="2" charset="2"/>
-            </a:endParaRPr>
-          </a:p>
-          <a:p>
-            <a:pPr algn="ctr"/>
-            <a:endParaRPr lang="en-GB" sz="2400" b="1" u="sng" dirty="0">
-              <a:latin typeface="Arial" panose="020B0604020202020204" pitchFamily="34" charset="0"/>
-              <a:cs typeface="Arial" panose="020B0604020202020204" pitchFamily="34" charset="0"/>
-              <a:sym typeface="Wingdings" panose="05000000000000000000" pitchFamily="2" charset="2"/>
-            </a:endParaRPr>
-          </a:p>
-          <a:p>
-            <a:pPr algn="ctr"/>
-            <a:endParaRPr lang="en-GB" sz="2400" b="1" u="sng" dirty="0">
-              <a:latin typeface="Arial" panose="020B0604020202020204" pitchFamily="34" charset="0"/>
-              <a:cs typeface="Arial" panose="020B0604020202020204" pitchFamily="34" charset="0"/>
-              <a:sym typeface="Wingdings" panose="05000000000000000000" pitchFamily="2" charset="2"/>
-            </a:endParaRPr>
-          </a:p>
-          <a:p>
-            <a:pPr algn="ctr"/>
-            <a:endParaRPr lang="en-GB" sz="2400" b="1" u="sng" dirty="0">
-              <a:latin typeface="Arial" panose="020B0604020202020204" pitchFamily="34" charset="0"/>
-              <a:cs typeface="Arial" panose="020B0604020202020204" pitchFamily="34" charset="0"/>
-              <a:sym typeface="Wingdings" panose="05000000000000000000" pitchFamily="2" charset="2"/>
-            </a:endParaRPr>
-          </a:p>
-          <a:p>
-            <a:pPr algn="ctr"/>
-            <a:endParaRPr lang="en-GB" sz="2400" b="1" u="sng" dirty="0">
-              <a:latin typeface="Arial" panose="020B0604020202020204" pitchFamily="34" charset="0"/>
-              <a:cs typeface="Arial" panose="020B0604020202020204" pitchFamily="34" charset="0"/>
-              <a:sym typeface="Wingdings" panose="05000000000000000000" pitchFamily="2" charset="2"/>
-            </a:endParaRPr>
-          </a:p>
-          <a:p>
-            <a:pPr algn="ctr"/>
-            <a:endParaRPr lang="en-GB" sz="2400" b="1" u="sng" dirty="0">
-              <a:latin typeface="Arial" panose="020B0604020202020204" pitchFamily="34" charset="0"/>
-              <a:cs typeface="Arial" panose="020B0604020202020204" pitchFamily="34" charset="0"/>
-              <a:sym typeface="Wingdings" panose="05000000000000000000" pitchFamily="2" charset="2"/>
-            </a:endParaRPr>
-          </a:p>
-          <a:p>
-            <a:pPr algn="ctr"/>
-            <a:endParaRPr lang="en-GB" sz="2400" b="1" u="sng" dirty="0">
-              <a:latin typeface="Arial" panose="020B0604020202020204" pitchFamily="34" charset="0"/>
-              <a:cs typeface="Arial" panose="020B0604020202020204" pitchFamily="34" charset="0"/>
-              <a:sym typeface="Wingdings" panose="05000000000000000000" pitchFamily="2" charset="2"/>
-            </a:endParaRPr>
-          </a:p>
-          <a:p>
-            <a:pPr algn="ctr"/>
-            <a:endParaRPr lang="en-GB" sz="2400" b="1" u="sng" dirty="0">
-              <a:latin typeface="Arial" panose="020B0604020202020204" pitchFamily="34" charset="0"/>
-              <a:cs typeface="Arial" panose="020B0604020202020204" pitchFamily="34" charset="0"/>
-              <a:sym typeface="Wingdings" panose="05000000000000000000" pitchFamily="2" charset="2"/>
-            </a:endParaRPr>
-          </a:p>
-          <a:p>
-            <a:pPr algn="ctr"/>
-            <a:endParaRPr lang="en-GB" sz="2400" b="1" u="sng" dirty="0">
-              <a:latin typeface="Arial" panose="020B0604020202020204" pitchFamily="34" charset="0"/>
-              <a:cs typeface="Arial" panose="020B0604020202020204" pitchFamily="34" charset="0"/>
-              <a:sym typeface="Wingdings" panose="05000000000000000000" pitchFamily="2" charset="2"/>
-            </a:endParaRPr>
-          </a:p>
-          <a:p>
-            <a:pPr algn="ctr"/>
-            <a:endParaRPr lang="en-GB" sz="2400" b="1" u="sng" dirty="0">
-              <a:latin typeface="Arial" panose="020B0604020202020204" pitchFamily="34" charset="0"/>
-              <a:cs typeface="Arial" panose="020B0604020202020204" pitchFamily="34" charset="0"/>
-              <a:sym typeface="Wingdings" panose="05000000000000000000" pitchFamily="2" charset="2"/>
-            </a:endParaRPr>
-          </a:p>
-          <a:p>
-            <a:pPr algn="ctr"/>
-            <a:endParaRPr lang="en-GB" sz="2400" b="1" u="sng" dirty="0">
-              <a:latin typeface="Arial" panose="020B0604020202020204" pitchFamily="34" charset="0"/>
-              <a:cs typeface="Arial" panose="020B0604020202020204" pitchFamily="34" charset="0"/>
-              <a:sym typeface="Wingdings" panose="05000000000000000000" pitchFamily="2" charset="2"/>
-            </a:endParaRPr>
-          </a:p>
-          <a:p>
-            <a:pPr marL="685800" indent="-685800" algn="ctr">
-              <a:buFontTx/>
-              <a:buChar char="-"/>
-            </a:pPr>
-            <a:endParaRPr lang="en-GB" sz="2400" b="1" u="sng" dirty="0">
-              <a:latin typeface="Arial" panose="020B0604020202020204" pitchFamily="34" charset="0"/>
-              <a:cs typeface="Arial" panose="020B0604020202020204" pitchFamily="34" charset="0"/>
-              <a:sym typeface="Wingdings" panose="05000000000000000000" pitchFamily="2" charset="2"/>
-            </a:endParaRPr>
-          </a:p>
-          <a:p>
-            <a:pPr marL="685800" indent="-685800" algn="ctr">
-              <a:buFontTx/>
-              <a:buChar char="-"/>
-            </a:pPr>
-            <a:endParaRPr lang="en-GB" sz="2400" b="1" u="sng" dirty="0">
-              <a:latin typeface="Arial" panose="020B0604020202020204" pitchFamily="34" charset="0"/>
-              <a:cs typeface="Arial" panose="020B0604020202020204" pitchFamily="34" charset="0"/>
-              <a:sym typeface="Wingdings" panose="05000000000000000000" pitchFamily="2" charset="2"/>
-            </a:endParaRPr>
-          </a:p>
-          <a:p>
-            <a:pPr marL="685800" indent="-685800" algn="ctr">
-              <a:buFontTx/>
-              <a:buChar char="-"/>
-            </a:pPr>
-            <a:endParaRPr lang="en-GB" sz="2400" b="1" u="sng" dirty="0">
-              <a:latin typeface="Arial" panose="020B0604020202020204" pitchFamily="34" charset="0"/>
-              <a:cs typeface="Arial" panose="020B0604020202020204" pitchFamily="34" charset="0"/>
-              <a:sym typeface="Wingdings" panose="05000000000000000000" pitchFamily="2" charset="2"/>
-            </a:endParaRPr>
-          </a:p>
-          <a:p>
-            <a:pPr algn="ctr"/>
-            <a:r>
-              <a:rPr lang="en-GB" sz="2400" b="1" u="sng" dirty="0">
-                <a:latin typeface="Arial" panose="020B0604020202020204" pitchFamily="34" charset="0"/>
-                <a:cs typeface="Arial" panose="020B0604020202020204" pitchFamily="34" charset="0"/>
-                <a:sym typeface="Wingdings" panose="05000000000000000000" pitchFamily="2" charset="2"/>
-              </a:rPr>
-              <a:t>Distributed model: under estimates discharge during snowfall</a:t>
-            </a:r>
-          </a:p>
-          <a:p>
-            <a:pPr marL="685800" indent="-685800" algn="ctr">
-              <a:buFontTx/>
-              <a:buChar char="-"/>
-            </a:pPr>
-            <a:r>
-              <a:rPr lang="en-GB" sz="2400" b="1" u="sng" dirty="0" err="1">
-                <a:latin typeface="Arial" panose="020B0604020202020204" pitchFamily="34" charset="0"/>
-                <a:cs typeface="Arial" panose="020B0604020202020204" pitchFamily="34" charset="0"/>
-                <a:sym typeface="Wingdings" panose="05000000000000000000" pitchFamily="2" charset="2"/>
-              </a:rPr>
-              <a:t>Heterogenity</a:t>
-            </a:r>
-            <a:r>
-              <a:rPr lang="en-GB" sz="2400" b="1" u="sng" dirty="0">
-                <a:latin typeface="Arial" panose="020B0604020202020204" pitchFamily="34" charset="0"/>
-                <a:cs typeface="Arial" panose="020B0604020202020204" pitchFamily="34" charset="0"/>
-                <a:sym typeface="Wingdings" panose="05000000000000000000" pitchFamily="2" charset="2"/>
-              </a:rPr>
-              <a:t> </a:t>
-            </a:r>
-          </a:p>
-          <a:p>
-            <a:pPr marL="685800" indent="-685800" algn="ctr">
-              <a:buFontTx/>
-              <a:buChar char="-"/>
-            </a:pPr>
-            <a:r>
-              <a:rPr lang="en-GB" sz="2400" b="1" u="sng" dirty="0">
-                <a:latin typeface="Arial" panose="020B0604020202020204" pitchFamily="34" charset="0"/>
-                <a:cs typeface="Arial" panose="020B0604020202020204" pitchFamily="34" charset="0"/>
-                <a:sym typeface="Wingdings" panose="05000000000000000000" pitchFamily="2" charset="2"/>
-              </a:rPr>
-              <a:t>Average</a:t>
-            </a:r>
-          </a:p>
-          <a:p>
-            <a:pPr algn="ctr"/>
-            <a:endParaRPr lang="en-GB" sz="2400" b="1" u="sng" dirty="0">
-              <a:latin typeface="Arial" panose="020B0604020202020204" pitchFamily="34" charset="0"/>
-              <a:cs typeface="Arial" panose="020B0604020202020204" pitchFamily="34" charset="0"/>
-              <a:sym typeface="Wingdings" panose="05000000000000000000" pitchFamily="2" charset="2"/>
-            </a:endParaRPr>
-          </a:p>
-          <a:p>
-            <a:pPr algn="ctr"/>
-            <a:r>
-              <a:rPr lang="en-GB" sz="2400" b="1" u="sng" dirty="0">
-                <a:latin typeface="Arial" panose="020B0604020202020204" pitchFamily="34" charset="0"/>
-                <a:cs typeface="Arial" panose="020B0604020202020204" pitchFamily="34" charset="0"/>
-                <a:sym typeface="Wingdings" panose="05000000000000000000" pitchFamily="2" charset="2"/>
-              </a:rPr>
-              <a:t>Both lumped and distributed parameter range better outcome first 20 years, or last 20 years</a:t>
-            </a:r>
-          </a:p>
-          <a:p>
-            <a:pPr algn="ctr"/>
-            <a:endParaRPr lang="en-GB" sz="2400" b="1" u="sng" dirty="0">
-              <a:latin typeface="Arial" panose="020B0604020202020204" pitchFamily="34" charset="0"/>
-              <a:cs typeface="Arial" panose="020B0604020202020204" pitchFamily="34" charset="0"/>
-              <a:sym typeface="Wingdings" panose="05000000000000000000" pitchFamily="2" charset="2"/>
-            </a:endParaRPr>
-          </a:p>
-          <a:p>
-            <a:pPr algn="ctr"/>
-            <a:r>
-              <a:rPr lang="en-GB" sz="2400" b="1" u="sng" dirty="0">
-                <a:latin typeface="Arial" panose="020B0604020202020204" pitchFamily="34" charset="0"/>
-                <a:cs typeface="Arial" panose="020B0604020202020204" pitchFamily="34" charset="0"/>
-                <a:sym typeface="Wingdings" panose="05000000000000000000" pitchFamily="2" charset="2"/>
-              </a:rPr>
-              <a:t>Comment on what we could do to improve the peaks: </a:t>
-            </a:r>
-          </a:p>
-          <a:p>
-            <a:pPr marL="342900" indent="-342900" algn="ctr">
-              <a:buFontTx/>
-              <a:buChar char="-"/>
-            </a:pPr>
-            <a:r>
-              <a:rPr lang="en-GB" sz="2400" b="1" u="sng" dirty="0">
-                <a:latin typeface="Arial" panose="020B0604020202020204" pitchFamily="34" charset="0"/>
-                <a:cs typeface="Arial" panose="020B0604020202020204" pitchFamily="34" charset="0"/>
-                <a:sym typeface="Wingdings" panose="05000000000000000000" pitchFamily="2" charset="2"/>
-              </a:rPr>
-              <a:t>compare to more data, </a:t>
-            </a:r>
-          </a:p>
-          <a:p>
-            <a:pPr marL="342900" indent="-342900" algn="ctr">
-              <a:buFontTx/>
-              <a:buChar char="-"/>
-            </a:pPr>
-            <a:r>
-              <a:rPr lang="en-GB" sz="2400" b="1" u="sng" dirty="0">
-                <a:latin typeface="Arial" panose="020B0604020202020204" pitchFamily="34" charset="0"/>
-                <a:cs typeface="Arial" panose="020B0604020202020204" pitchFamily="34" charset="0"/>
-                <a:sym typeface="Wingdings" panose="05000000000000000000" pitchFamily="2" charset="2"/>
-              </a:rPr>
-              <a:t>-equifinality</a:t>
-            </a:r>
-          </a:p>
-          <a:p>
-            <a:pPr marL="685800" indent="-685800" algn="ctr">
-              <a:buFontTx/>
-              <a:buChar char="-"/>
-            </a:pPr>
-            <a:endParaRPr lang="nl-NL" sz="2400" b="1" u="sng" dirty="0">
-              <a:latin typeface="Arial" panose="020B0604020202020204" pitchFamily="34" charset="0"/>
-              <a:cs typeface="Arial" panose="020B0604020202020204" pitchFamily="34" charset="0"/>
-              <a:sym typeface="Wingdings" panose="05000000000000000000" pitchFamily="2" charset="2"/>
-            </a:endParaRPr>
-          </a:p>
-          <a:p>
-            <a:pPr marL="685800" indent="-685800" algn="ctr">
-              <a:buFontTx/>
-              <a:buChar char="-"/>
-            </a:pPr>
-            <a:endParaRPr lang="nl-NL" sz="2400" b="1" u="sng" dirty="0">
-              <a:latin typeface="Arial" panose="020B0604020202020204" pitchFamily="34" charset="0"/>
-              <a:cs typeface="Arial" panose="020B0604020202020204" pitchFamily="34" charset="0"/>
-              <a:sym typeface="Wingdings" panose="05000000000000000000" pitchFamily="2" charset="2"/>
-            </a:endParaRPr>
-          </a:p>
-          <a:p>
-            <a:pPr algn="ctr"/>
-            <a:endParaRPr lang="nl-NL" sz="2400" b="1" u="sng" dirty="0">
-              <a:latin typeface="Arial" panose="020B0604020202020204" pitchFamily="34" charset="0"/>
-              <a:cs typeface="Arial" panose="020B0604020202020204" pitchFamily="34" charset="0"/>
-            </a:endParaRPr>
-          </a:p>
-        </p:txBody>
-      </p:sp>
-      <p:sp>
-        <p:nvSpPr>
-          <p:cNvPr id="2" name="Tekstvak 1">
-            <a:extLst>
-              <a:ext uri="{FF2B5EF4-FFF2-40B4-BE49-F238E27FC236}">
-                <a16:creationId xmlns:a16="http://schemas.microsoft.com/office/drawing/2014/main" id="{5C010F3B-53BB-A4D6-58B8-7A262D3E4604}"/>
-              </a:ext>
-            </a:extLst>
-          </p:cNvPr>
-          <p:cNvSpPr txBox="1"/>
-          <p:nvPr/>
-        </p:nvSpPr>
-        <p:spPr>
-          <a:xfrm>
-            <a:off x="1697583" y="656450"/>
-            <a:ext cx="36738720" cy="3026340"/>
-          </a:xfrm>
-          <a:prstGeom prst="rect">
-            <a:avLst/>
-          </a:prstGeom>
-          <a:noFill/>
-        </p:spPr>
-        <p:txBody>
-          <a:bodyPr wrap="square" rtlCol="0">
-            <a:noAutofit/>
-          </a:bodyPr>
-          <a:lstStyle/>
-          <a:p>
-            <a:pPr algn="ctr">
-              <a:spcAft>
-                <a:spcPts val="1800"/>
-              </a:spcAft>
-            </a:pPr>
-            <a:r>
-              <a:rPr lang="en-GB" sz="8000" b="1" dirty="0">
-                <a:solidFill>
-                  <a:srgbClr val="00A6D6"/>
-                </a:solidFill>
-                <a:latin typeface="Arial" panose="020B0604020202020204" pitchFamily="34" charset="0"/>
-                <a:cs typeface="Arial" panose="020B0604020202020204" pitchFamily="34" charset="0"/>
-              </a:rPr>
-              <a:t>Hudson</a:t>
-            </a:r>
-            <a:r>
-              <a:rPr lang="en-GB" sz="8000" b="1" dirty="0">
-                <a:latin typeface="Arial" panose="020B0604020202020204" pitchFamily="34" charset="0"/>
-                <a:cs typeface="Arial" panose="020B0604020202020204" pitchFamily="34" charset="0"/>
-              </a:rPr>
-              <a:t> basin </a:t>
-            </a:r>
-            <a:r>
-              <a:rPr lang="en-GB" sz="8000" b="1" dirty="0">
-                <a:solidFill>
-                  <a:srgbClr val="00A6D6"/>
-                </a:solidFill>
-                <a:latin typeface="Arial" panose="020B0604020202020204" pitchFamily="34" charset="0"/>
-                <a:cs typeface="Arial" panose="020B0604020202020204" pitchFamily="34" charset="0"/>
-              </a:rPr>
-              <a:t>modelled</a:t>
-            </a:r>
-            <a:r>
-              <a:rPr lang="en-GB" sz="8000" b="1" dirty="0">
-                <a:latin typeface="Arial" panose="020B0604020202020204" pitchFamily="34" charset="0"/>
-                <a:cs typeface="Arial" panose="020B0604020202020204" pitchFamily="34" charset="0"/>
-              </a:rPr>
-              <a:t> HBV upper</a:t>
-            </a:r>
-          </a:p>
-          <a:p>
-            <a:pPr algn="ctr">
-              <a:spcAft>
-                <a:spcPts val="1800"/>
-              </a:spcAft>
-            </a:pPr>
-            <a:r>
-              <a:rPr lang="en-GB" sz="4400" dirty="0">
-                <a:latin typeface="Arial" panose="020B0604020202020204" pitchFamily="34" charset="0"/>
-                <a:cs typeface="Arial" panose="020B0604020202020204" pitchFamily="34" charset="0"/>
-              </a:rPr>
-              <a:t>David Haasnoot and Anne Versleijen</a:t>
-            </a:r>
-          </a:p>
-          <a:p>
-            <a:pPr algn="ctr">
-              <a:spcAft>
-                <a:spcPts val="1800"/>
-              </a:spcAft>
-            </a:pPr>
-            <a:r>
-              <a:rPr lang="en-GB" sz="4400" dirty="0">
-                <a:latin typeface="Arial" panose="020B0604020202020204" pitchFamily="34" charset="0"/>
-                <a:cs typeface="Arial" panose="020B0604020202020204" pitchFamily="34" charset="0"/>
-              </a:rPr>
-              <a:t>River Basin Hydrology and Water Management</a:t>
-            </a:r>
-          </a:p>
-          <a:p>
-            <a:pPr algn="ctr">
-              <a:spcAft>
-                <a:spcPts val="2400"/>
-              </a:spcAft>
-            </a:pPr>
-            <a:endParaRPr lang="en-GB" sz="4400" dirty="0">
-              <a:latin typeface="Arial" panose="020B0604020202020204" pitchFamily="34" charset="0"/>
-              <a:cs typeface="Arial" panose="020B0604020202020204" pitchFamily="34" charset="0"/>
-            </a:endParaRPr>
-          </a:p>
-        </p:txBody>
-      </p:sp>
-      <p:sp>
-        <p:nvSpPr>
-          <p:cNvPr id="10" name="Tekstvak 9">
-            <a:extLst>
-              <a:ext uri="{FF2B5EF4-FFF2-40B4-BE49-F238E27FC236}">
-                <a16:creationId xmlns:a16="http://schemas.microsoft.com/office/drawing/2014/main" id="{6F553846-8B10-5587-CDD7-9215ADFFC796}"/>
-              </a:ext>
-            </a:extLst>
-          </p:cNvPr>
-          <p:cNvSpPr txBox="1"/>
-          <p:nvPr/>
-        </p:nvSpPr>
-        <p:spPr>
-          <a:xfrm>
-            <a:off x="2002098" y="15091359"/>
-            <a:ext cx="9940415" cy="1567872"/>
+            <a:off x="1359150" y="4393221"/>
+            <a:ext cx="10836000" cy="2337953"/>
           </a:xfrm>
           <a:prstGeom prst="rect">
             <a:avLst/>
@@ -5181,28 +4901,90 @@
           </a:ln>
         </p:spPr>
         <p:txBody>
-          <a:bodyPr wrap="square" numCol="1" rtlCol="0">
+          <a:bodyPr wrap="square" rtlCol="0">
             <a:noAutofit/>
           </a:bodyPr>
           <a:lstStyle/>
           <a:p>
+            <a:r>
+              <a:rPr lang="en-GB" sz="2400" dirty="0">
+                <a:latin typeface="Arial" panose="020B0604020202020204" pitchFamily="34" charset="0"/>
+                <a:cs typeface="Arial" panose="020B0604020202020204" pitchFamily="34" charset="0"/>
+              </a:rPr>
+              <a:t>The Hudson River Basin is located in the North East of the United States, which is around 35,000 km</a:t>
+            </a:r>
+            <a:r>
+              <a:rPr lang="en-GB" sz="2400" baseline="30000" dirty="0">
+                <a:latin typeface="Arial" panose="020B0604020202020204" pitchFamily="34" charset="0"/>
+                <a:cs typeface="Arial" panose="020B0604020202020204" pitchFamily="34" charset="0"/>
+              </a:rPr>
+              <a:t>2</a:t>
+            </a:r>
+            <a:r>
+              <a:rPr lang="en-GB" sz="2400" dirty="0">
+                <a:latin typeface="Arial" panose="020B0604020202020204" pitchFamily="34" charset="0"/>
+                <a:cs typeface="Arial" panose="020B0604020202020204" pitchFamily="34" charset="0"/>
+              </a:rPr>
+              <a:t>. The lower part of the basin is an estuary. As the river in the lower part is influenced by the sea, only the Northern region is taken into account with an area of </a:t>
+            </a:r>
+            <a:r>
+              <a:rPr lang="en-GB" sz="2400" b="1" dirty="0">
+                <a:latin typeface="Arial" panose="020B0604020202020204" pitchFamily="34" charset="0"/>
+                <a:cs typeface="Arial" panose="020B0604020202020204" pitchFamily="34" charset="0"/>
+              </a:rPr>
+              <a:t>20,000 </a:t>
+            </a:r>
+            <a:r>
+              <a:rPr lang="en-GB" sz="2400" dirty="0">
+                <a:latin typeface="Arial" panose="020B0604020202020204" pitchFamily="34" charset="0"/>
+                <a:cs typeface="Arial" panose="020B0604020202020204" pitchFamily="34" charset="0"/>
+              </a:rPr>
+              <a:t>km</a:t>
+            </a:r>
+            <a:r>
+              <a:rPr lang="en-GB" sz="2400" baseline="30000" dirty="0">
+                <a:latin typeface="Arial" panose="020B0604020202020204" pitchFamily="34" charset="0"/>
+                <a:cs typeface="Arial" panose="020B0604020202020204" pitchFamily="34" charset="0"/>
+              </a:rPr>
+              <a:t>2</a:t>
+            </a:r>
+            <a:r>
+              <a:rPr lang="en-GB" sz="2400" dirty="0">
+                <a:latin typeface="Arial" panose="020B0604020202020204" pitchFamily="34" charset="0"/>
+                <a:cs typeface="Arial" panose="020B0604020202020204" pitchFamily="34" charset="0"/>
+              </a:rPr>
+              <a:t>. The region is showed in Figure 1. The area consists of forest, cropland and urban areas.</a:t>
+            </a:r>
+          </a:p>
+          <a:p>
             <a:pPr algn="just"/>
-            <a:r>
-              <a:rPr lang="en-GB" sz="2400" dirty="0">
-                <a:latin typeface="Arial" panose="020B0604020202020204" pitchFamily="34" charset="0"/>
-                <a:cs typeface="Arial" panose="020B0604020202020204" pitchFamily="34" charset="0"/>
-              </a:rPr>
-              <a:t>The aim is to describe the different elements of the water cycle within this region. To do so, data and information obtained from remote sensing techniques are used to develop a model. </a:t>
-            </a:r>
-          </a:p>
-        </p:txBody>
-      </p:sp>
-      <p:sp>
-        <p:nvSpPr>
-          <p:cNvPr id="13" name="Tekstvak 12">
+            <a:endParaRPr lang="en-GB" sz="2400" b="1" u="sng" dirty="0">
+              <a:latin typeface="Arial" panose="020B0604020202020204" pitchFamily="34" charset="0"/>
+              <a:cs typeface="Arial" panose="020B0604020202020204" pitchFamily="34" charset="0"/>
+            </a:endParaRPr>
+          </a:p>
+          <a:p>
+            <a:pPr algn="just"/>
+            <a:endParaRPr lang="en-GB" sz="2400" b="1" u="sng" dirty="0">
+              <a:latin typeface="Arial" panose="020B0604020202020204" pitchFamily="34" charset="0"/>
+              <a:cs typeface="Arial" panose="020B0604020202020204" pitchFamily="34" charset="0"/>
+            </a:endParaRPr>
+          </a:p>
+          <a:p>
+            <a:pPr algn="just"/>
+            <a:endParaRPr lang="en-GB" sz="2400" b="1" u="sng" dirty="0">
+              <a:latin typeface="Arial" panose="020B0604020202020204" pitchFamily="34" charset="0"/>
+              <a:cs typeface="Arial" panose="020B0604020202020204" pitchFamily="34" charset="0"/>
+            </a:endParaRPr>
+          </a:p>
+        </p:txBody>
+      </p:sp>
+      <p:sp>
+        <p:nvSpPr>
+          <p:cNvPr id="15" name="Tekstvak 14">
             <a:extLst>
               <a:ext uri="{FF2B5EF4-FFF2-40B4-BE49-F238E27FC236}">
-                <a16:creationId xmlns:a16="http://schemas.microsoft.com/office/drawing/2014/main" id="{8CE5ABF7-4463-87B7-7326-EF823C247F37}"/>
+                <a16:creationId xmlns:a16="http://schemas.microsoft.com/office/drawing/2014/main" id="{B898AEF6-B148-457E-3F6A-5D299B656DCC}"/>
               </a:ext>
             </a:extLst>
           </p:cNvPr>
@@ -5211,8 +4993,8 @@
         </p:nvSpPr>
         <p:spPr>
           <a:xfrm>
-            <a:off x="2096852" y="5045261"/>
-            <a:ext cx="9940414" cy="2337953"/>
+            <a:off x="1359150" y="16997952"/>
+            <a:ext cx="11106000" cy="10369355"/>
           </a:xfrm>
           <a:prstGeom prst="rect">
             <a:avLst/>
@@ -5233,110 +5015,6 @@
                 <a:latin typeface="Arial" panose="020B0604020202020204" pitchFamily="34" charset="0"/>
                 <a:cs typeface="Arial" panose="020B0604020202020204" pitchFamily="34" charset="0"/>
               </a:rPr>
-              <a:t>The Hudson River Basin is located in the North East of the United States, which is around 35,000 km</a:t>
-            </a:r>
-            <a:r>
-              <a:rPr lang="en-GB" sz="2400" baseline="30000" dirty="0">
-                <a:latin typeface="Arial" panose="020B0604020202020204" pitchFamily="34" charset="0"/>
-                <a:cs typeface="Arial" panose="020B0604020202020204" pitchFamily="34" charset="0"/>
-              </a:rPr>
-              <a:t>2</a:t>
-            </a:r>
-            <a:r>
-              <a:rPr lang="en-GB" sz="2400" dirty="0">
-                <a:latin typeface="Arial" panose="020B0604020202020204" pitchFamily="34" charset="0"/>
-                <a:cs typeface="Arial" panose="020B0604020202020204" pitchFamily="34" charset="0"/>
-              </a:rPr>
-              <a:t>. The lower part of the basin is an estuary. As the river in the lower part is influenced by the sea, only the Northern region is taken into account with an area of </a:t>
-            </a:r>
-            <a:r>
-              <a:rPr lang="en-GB" sz="2400" b="1" dirty="0">
-                <a:latin typeface="Arial" panose="020B0604020202020204" pitchFamily="34" charset="0"/>
-                <a:cs typeface="Arial" panose="020B0604020202020204" pitchFamily="34" charset="0"/>
-              </a:rPr>
-              <a:t>20,000 </a:t>
-            </a:r>
-            <a:r>
-              <a:rPr lang="en-GB" sz="2400" dirty="0">
-                <a:latin typeface="Arial" panose="020B0604020202020204" pitchFamily="34" charset="0"/>
-                <a:cs typeface="Arial" panose="020B0604020202020204" pitchFamily="34" charset="0"/>
-              </a:rPr>
-              <a:t>km</a:t>
-            </a:r>
-            <a:r>
-              <a:rPr lang="en-GB" sz="2400" baseline="30000" dirty="0">
-                <a:latin typeface="Arial" panose="020B0604020202020204" pitchFamily="34" charset="0"/>
-                <a:cs typeface="Arial" panose="020B0604020202020204" pitchFamily="34" charset="0"/>
-              </a:rPr>
-              <a:t>2</a:t>
-            </a:r>
-            <a:r>
-              <a:rPr lang="en-GB" sz="2400" dirty="0">
-                <a:latin typeface="Arial" panose="020B0604020202020204" pitchFamily="34" charset="0"/>
-                <a:cs typeface="Arial" panose="020B0604020202020204" pitchFamily="34" charset="0"/>
-              </a:rPr>
-              <a:t>. The region is showed in Figure 1. The area consists of forest, cropland and urban areas.</a:t>
-            </a:r>
-          </a:p>
-          <a:p>
-            <a:pPr algn="just"/>
-            <a:endParaRPr lang="en-GB" sz="2400" b="1" u="sng" dirty="0">
-              <a:latin typeface="Arial" panose="020B0604020202020204" pitchFamily="34" charset="0"/>
-              <a:cs typeface="Arial" panose="020B0604020202020204" pitchFamily="34" charset="0"/>
-            </a:endParaRPr>
-          </a:p>
-          <a:p>
-            <a:pPr algn="just"/>
-            <a:endParaRPr lang="en-GB" sz="2400" b="1" u="sng" dirty="0">
-              <a:latin typeface="Arial" panose="020B0604020202020204" pitchFamily="34" charset="0"/>
-              <a:cs typeface="Arial" panose="020B0604020202020204" pitchFamily="34" charset="0"/>
-            </a:endParaRPr>
-          </a:p>
-          <a:p>
-            <a:pPr algn="just"/>
-            <a:endParaRPr lang="en-GB" sz="2400" b="1" u="sng" dirty="0">
-              <a:latin typeface="Arial" panose="020B0604020202020204" pitchFamily="34" charset="0"/>
-              <a:cs typeface="Arial" panose="020B0604020202020204" pitchFamily="34" charset="0"/>
-            </a:endParaRPr>
-          </a:p>
-        </p:txBody>
-      </p:sp>
-      <p:sp>
-        <p:nvSpPr>
-          <p:cNvPr id="15" name="Tekstvak 14">
-            <a:extLst>
-              <a:ext uri="{FF2B5EF4-FFF2-40B4-BE49-F238E27FC236}">
-                <a16:creationId xmlns:a16="http://schemas.microsoft.com/office/drawing/2014/main" id="{B898AEF6-B148-457E-3F6A-5D299B656DCC}"/>
-              </a:ext>
-            </a:extLst>
-          </p:cNvPr>
-          <p:cNvSpPr txBox="1"/>
-          <p:nvPr/>
-        </p:nvSpPr>
-        <p:spPr>
-          <a:xfrm>
-            <a:off x="1697584" y="17473440"/>
-            <a:ext cx="10551566" cy="10369355"/>
-          </a:xfrm>
-          <a:prstGeom prst="rect">
-            <a:avLst/>
-          </a:prstGeom>
-          <a:noFill/>
-          <a:ln>
-            <a:noFill/>
-          </a:ln>
-        </p:spPr>
-        <p:txBody>
-          <a:bodyPr wrap="square" rtlCol="0">
-            <a:noAutofit/>
-          </a:bodyPr>
-          <a:lstStyle/>
-          <a:p>
-            <a:r>
-              <a:rPr lang="en-GB" sz="2400" dirty="0">
-                <a:latin typeface="Arial" panose="020B0604020202020204" pitchFamily="34" charset="0"/>
-                <a:cs typeface="Arial" panose="020B0604020202020204" pitchFamily="34" charset="0"/>
-              </a:rPr>
               <a:t>To model the water cycle in the basin, the HBV model is used. It is used both as lumped and distributed model. In the lumped model, the area is taken as homogenous. In the distributed model, the area is divided into wetland, hillslope and plateau areas. </a:t>
             </a:r>
           </a:p>
@@ -5425,8 +5103,8 @@
         </p:nvSpPr>
         <p:spPr>
           <a:xfrm>
-            <a:off x="1697583" y="3863597"/>
-            <a:ext cx="10800000" cy="814519"/>
+            <a:off x="1089150" y="3396829"/>
+            <a:ext cx="11376000" cy="814519"/>
           </a:xfrm>
           <a:prstGeom prst="rect">
             <a:avLst/>
@@ -5485,8 +5163,8 @@
         </p:nvSpPr>
         <p:spPr>
           <a:xfrm>
-            <a:off x="1602830" y="16611464"/>
-            <a:ext cx="10800000" cy="814519"/>
+            <a:off x="1089150" y="16099400"/>
+            <a:ext cx="11376000" cy="814519"/>
           </a:xfrm>
           <a:prstGeom prst="rect">
             <a:avLst/>
@@ -5545,8 +5223,8 @@
         </p:nvSpPr>
         <p:spPr>
           <a:xfrm>
-            <a:off x="13005295" y="3863597"/>
-            <a:ext cx="16806366" cy="814519"/>
+            <a:off x="12998699" y="3396828"/>
+            <a:ext cx="16812000" cy="814519"/>
           </a:xfrm>
           <a:prstGeom prst="rect">
             <a:avLst/>
@@ -5605,8 +5283,8 @@
         </p:nvSpPr>
         <p:spPr>
           <a:xfrm>
-            <a:off x="30735107" y="3909832"/>
-            <a:ext cx="10800000" cy="814519"/>
+            <a:off x="30338613" y="3377473"/>
+            <a:ext cx="11376000" cy="814519"/>
           </a:xfrm>
           <a:prstGeom prst="rect">
             <a:avLst/>
@@ -5665,7 +5343,7 @@
         </p:nvSpPr>
         <p:spPr>
           <a:xfrm>
-            <a:off x="12998698" y="14557374"/>
+            <a:off x="12998698" y="14045310"/>
             <a:ext cx="16806366" cy="4912922"/>
           </a:xfrm>
           <a:prstGeom prst="rect">
@@ -5968,42 +5646,6 @@
             <a:extLst>
               <a:ext uri="{FF2B5EF4-FFF2-40B4-BE49-F238E27FC236}">
                 <a16:creationId xmlns:a16="http://schemas.microsoft.com/office/drawing/2014/main" id="{C7A246AC-53F9-944A-31EA-9DEC6C62FECF}"/>
-              </a:ext>
-            </a:extLst>
-          </p:cNvPr>
-          <p:cNvPicPr>
-            <a:picLocks noChangeAspect="1"/>
-          </p:cNvPicPr>
-          <p:nvPr/>
-        </p:nvPicPr>
-        <p:blipFill>
-          <a:blip r:embed="rId5">
-            <a:extLst>
-              <a:ext uri="{28A0092B-C50C-407E-A947-70E740481C1C}">
-                <a14:useLocalDpi xmlns:a14="http://schemas.microsoft.com/office/drawing/2010/main" val="0"/>
-              </a:ext>
-            </a:extLst>
-          </a:blip>
-          <a:stretch>
-            <a:fillRect/>
-          </a:stretch>
-        </p:blipFill>
-        <p:spPr>
-          <a:xfrm>
-            <a:off x="1725365" y="22216552"/>
-            <a:ext cx="10554930" cy="5853566"/>
-          </a:xfrm>
-          <a:prstGeom prst="rect">
-            <a:avLst/>
-          </a:prstGeom>
-        </p:spPr>
-      </p:pic>
-      <p:pic>
-        <p:nvPicPr>
-          <p:cNvPr id="26" name="Afbeelding 25">
-            <a:extLst>
-              <a:ext uri="{FF2B5EF4-FFF2-40B4-BE49-F238E27FC236}">
-                <a16:creationId xmlns:a16="http://schemas.microsoft.com/office/drawing/2014/main" id="{2ECDED9C-AA1F-2B90-0ED8-C69611978547}"/>
               </a:ext>
             </a:extLst>
           </p:cNvPr>
@@ -6026,8 +5668,44 @@
         </p:blipFill>
         <p:spPr>
           <a:xfrm>
-            <a:off x="14402381" y="14008394"/>
-            <a:ext cx="14069115" cy="14069115"/>
+            <a:off x="1359150" y="21513195"/>
+            <a:ext cx="11231796" cy="6228944"/>
+          </a:xfrm>
+          <a:prstGeom prst="rect">
+            <a:avLst/>
+          </a:prstGeom>
+        </p:spPr>
+      </p:pic>
+      <p:pic>
+        <p:nvPicPr>
+          <p:cNvPr id="26" name="Afbeelding 25">
+            <a:extLst>
+              <a:ext uri="{FF2B5EF4-FFF2-40B4-BE49-F238E27FC236}">
+                <a16:creationId xmlns:a16="http://schemas.microsoft.com/office/drawing/2014/main" id="{2ECDED9C-AA1F-2B90-0ED8-C69611978547}"/>
+              </a:ext>
+            </a:extLst>
+          </p:cNvPr>
+          <p:cNvPicPr>
+            <a:picLocks noChangeAspect="1"/>
+          </p:cNvPicPr>
+          <p:nvPr/>
+        </p:nvPicPr>
+        <p:blipFill>
+          <a:blip r:embed="rId7">
+            <a:extLst>
+              <a:ext uri="{28A0092B-C50C-407E-A947-70E740481C1C}">
+                <a14:useLocalDpi xmlns:a14="http://schemas.microsoft.com/office/drawing/2010/main" val="0"/>
+              </a:ext>
+            </a:extLst>
+          </a:blip>
+          <a:stretch>
+            <a:fillRect/>
+          </a:stretch>
+        </p:blipFill>
+        <p:spPr>
+          <a:xfrm>
+            <a:off x="14107340" y="13986113"/>
+            <a:ext cx="13893465" cy="13893465"/>
           </a:xfrm>
           <a:prstGeom prst="rect">
             <a:avLst/>
@@ -6048,8 +5726,8 @@
         </p:nvSpPr>
         <p:spPr>
           <a:xfrm>
-            <a:off x="1602830" y="14176826"/>
-            <a:ext cx="10800000" cy="814519"/>
+            <a:off x="1089150" y="13664762"/>
+            <a:ext cx="11376000" cy="814519"/>
           </a:xfrm>
           <a:prstGeom prst="rect">
             <a:avLst/>
@@ -6108,8 +5786,8 @@
         </p:nvSpPr>
         <p:spPr>
           <a:xfrm>
-            <a:off x="12890055" y="11033497"/>
-            <a:ext cx="16806366" cy="814519"/>
+            <a:off x="12884421" y="10265401"/>
+            <a:ext cx="16812000" cy="814519"/>
           </a:xfrm>
           <a:prstGeom prst="rect">
             <a:avLst/>
@@ -6175,8 +5853,8 @@
         </p:nvSpPr>
         <p:spPr>
           <a:xfrm>
-            <a:off x="12998697" y="12019141"/>
-            <a:ext cx="16546989" cy="2097528"/>
+            <a:off x="13175882" y="11159604"/>
+            <a:ext cx="16452000" cy="2358207"/>
           </a:xfrm>
           <a:prstGeom prst="rect">
             <a:avLst/>
@@ -6198,7 +5876,7 @@
                 <a:latin typeface="Arial" panose="020B0604020202020204" pitchFamily="34" charset="0"/>
                 <a:cs typeface="Arial" panose="020B0604020202020204" pitchFamily="34" charset="0"/>
               </a:rPr>
-              <a:t>The lumped HBV model is calibrated for 8 different parameters. The data is divided into sets of 4 years, each time the parameters are calibrated and than tested over the 4 following years. Each time the , the Nash–Sutcliffe model efficiency coefficient (NSE) is calculated, the closer to 1, the higher the predictive skill. For each calibration the same range of parameters is used. As can be seen in Figure 3, the NSE is decreasing over the years. </a:t>
+              <a:t>The lumped HBV model is calibrated for 8 different parameters. The data is divided into sets of 4 years, each time the parameters are calibrated and than tested over the 4 following years. The Nash–Sutcliffe model efficiency coefficient (NSE) is calculated for each calibration, the closer to 1, the higher the predictive skill. The first 1.5 year are taken as spinoff and are not taken into account in calculating the NSE. For each calibration the same range of parameters is used. As can be seen in Figure 4, the NSE is decreasing over the years. Also the NSE of the test data is in most of the cases lower, with the largest difference in the years 1980-1983 and 1984-1987.</a:t>
             </a:r>
           </a:p>
         </p:txBody>
@@ -6218,7 +5896,7 @@
           <p:nvPr/>
         </p:nvPicPr>
         <p:blipFill>
-          <a:blip r:embed="rId7">
+          <a:blip r:embed="rId8">
             <a:extLst>
               <a:ext uri="{28A0092B-C50C-407E-A947-70E740481C1C}">
                 <a14:useLocalDpi xmlns:a14="http://schemas.microsoft.com/office/drawing/2010/main" val="0"/>
@@ -6231,7 +5909,7 @@
         </p:blipFill>
         <p:spPr>
           <a:xfrm>
-            <a:off x="31971321" y="14357892"/>
+            <a:off x="31252033" y="8672604"/>
             <a:ext cx="9388719" cy="7041539"/>
           </a:xfrm>
           <a:prstGeom prst="rect">
@@ -6254,7 +5932,7 @@
           <p:nvPr/>
         </p:nvPicPr>
         <p:blipFill>
-          <a:blip r:embed="rId8">
+          <a:blip r:embed="rId9">
             <a:extLst>
               <a:ext uri="{28A0092B-C50C-407E-A947-70E740481C1C}">
                 <a14:useLocalDpi xmlns:a14="http://schemas.microsoft.com/office/drawing/2010/main" val="0"/>
@@ -6267,7 +5945,7 @@
         </p:blipFill>
         <p:spPr>
           <a:xfrm>
-            <a:off x="13180547" y="6459839"/>
+            <a:off x="13180547" y="5655167"/>
             <a:ext cx="16068666" cy="4017167"/>
           </a:xfrm>
           <a:prstGeom prst="rect">
@@ -6289,7 +5967,7 @@
         </p:nvSpPr>
         <p:spPr>
           <a:xfrm>
-            <a:off x="2096852" y="13481372"/>
+            <a:off x="2096852" y="12969308"/>
             <a:ext cx="9915920" cy="620840"/>
           </a:xfrm>
           <a:prstGeom prst="rect">
@@ -6338,7 +6016,7 @@
         </p:nvSpPr>
         <p:spPr>
           <a:xfrm>
-            <a:off x="13437951" y="10468435"/>
+            <a:off x="13437951" y="9773491"/>
             <a:ext cx="15901579" cy="620840"/>
           </a:xfrm>
           <a:prstGeom prst="rect">
@@ -6387,7 +6065,7 @@
         </p:nvSpPr>
         <p:spPr>
           <a:xfrm>
-            <a:off x="2096852" y="28077940"/>
+            <a:off x="2096852" y="27764727"/>
             <a:ext cx="9915920" cy="620840"/>
           </a:xfrm>
           <a:prstGeom prst="rect">
@@ -6419,6 +6097,295 @@
               </a:rPr>
               <a:t>. HBV model which is used to model the water cycle in the Hudson River Basin.</a:t>
             </a:r>
+          </a:p>
+        </p:txBody>
+      </p:sp>
+      <p:sp>
+        <p:nvSpPr>
+          <p:cNvPr id="5" name="Tekstvak 4">
+            <a:extLst>
+              <a:ext uri="{FF2B5EF4-FFF2-40B4-BE49-F238E27FC236}">
+                <a16:creationId xmlns:a16="http://schemas.microsoft.com/office/drawing/2014/main" id="{44B1E996-8B33-FFDE-8B9A-6254C00DCD02}"/>
+              </a:ext>
+            </a:extLst>
+          </p:cNvPr>
+          <p:cNvSpPr txBox="1"/>
+          <p:nvPr/>
+        </p:nvSpPr>
+        <p:spPr>
+          <a:xfrm>
+            <a:off x="30608613" y="16076772"/>
+            <a:ext cx="10836000" cy="2308324"/>
+          </a:xfrm>
+          <a:prstGeom prst="rect">
+            <a:avLst/>
+          </a:prstGeom>
+          <a:noFill/>
+        </p:spPr>
+        <p:txBody>
+          <a:bodyPr wrap="square" rtlCol="0">
+            <a:spAutoFit/>
+          </a:bodyPr>
+          <a:lstStyle/>
+          <a:p>
+            <a:pPr algn="just"/>
+            <a:r>
+              <a:rPr lang="en-GB" sz="2400" dirty="0">
+                <a:latin typeface="Arial" panose="020B0604020202020204" pitchFamily="34" charset="0"/>
+                <a:cs typeface="Arial" panose="020B0604020202020204" pitchFamily="34" charset="0"/>
+              </a:rPr>
+              <a:t>Next to this, the distributed model under estimates the discharge during snowfall. The data is taken as average throughout the basin, but in practice it is a heterogenic area. For the distributed  model, 21 parameters are needed. This leads to too much uncertainty to use the model for predictions. </a:t>
+            </a:r>
+          </a:p>
+          <a:p>
+            <a:pPr algn="just"/>
+            <a:endParaRPr lang="en-GB" sz="2400" dirty="0">
+              <a:latin typeface="Arial" panose="020B0604020202020204" pitchFamily="34" charset="0"/>
+              <a:cs typeface="Arial" panose="020B0604020202020204" pitchFamily="34" charset="0"/>
+            </a:endParaRPr>
+          </a:p>
+          <a:p>
+            <a:endParaRPr lang="nl-NL" sz="2400" dirty="0"/>
+          </a:p>
+        </p:txBody>
+      </p:sp>
+      <p:sp>
+        <p:nvSpPr>
+          <p:cNvPr id="11" name="Tekstvak 10">
+            <a:extLst>
+              <a:ext uri="{FF2B5EF4-FFF2-40B4-BE49-F238E27FC236}">
+                <a16:creationId xmlns:a16="http://schemas.microsoft.com/office/drawing/2014/main" id="{70A4E1A8-4D4B-0A13-423B-BD508108D224}"/>
+              </a:ext>
+            </a:extLst>
+          </p:cNvPr>
+          <p:cNvSpPr txBox="1"/>
+          <p:nvPr/>
+        </p:nvSpPr>
+        <p:spPr>
+          <a:xfrm>
+            <a:off x="32138263" y="15606848"/>
+            <a:ext cx="10650536" cy="620840"/>
+          </a:xfrm>
+          <a:prstGeom prst="rect">
+            <a:avLst/>
+          </a:prstGeom>
+          <a:noFill/>
+          <a:ln>
+            <a:noFill/>
+          </a:ln>
+        </p:spPr>
+        <p:txBody>
+          <a:bodyPr wrap="square" numCol="1" rtlCol="0">
+            <a:noAutofit/>
+          </a:bodyPr>
+          <a:lstStyle/>
+          <a:p>
+            <a:pPr algn="just"/>
+            <a:r>
+              <a:rPr lang="en-GB" b="1" dirty="0">
+                <a:latin typeface="Arial" panose="020B0604020202020204" pitchFamily="34" charset="0"/>
+                <a:cs typeface="Arial" panose="020B0604020202020204" pitchFamily="34" charset="0"/>
+              </a:rPr>
+              <a:t>Figure 5</a:t>
+            </a:r>
+            <a:r>
+              <a:rPr lang="en-GB" dirty="0">
+                <a:latin typeface="Arial" panose="020B0604020202020204" pitchFamily="34" charset="0"/>
+                <a:cs typeface="Arial" panose="020B0604020202020204" pitchFamily="34" charset="0"/>
+              </a:rPr>
+              <a:t>.Surface water areas classified by training in QGIS. </a:t>
+            </a:r>
+          </a:p>
+        </p:txBody>
+      </p:sp>
+      <p:sp>
+        <p:nvSpPr>
+          <p:cNvPr id="12" name="Tekstvak 11">
+            <a:extLst>
+              <a:ext uri="{FF2B5EF4-FFF2-40B4-BE49-F238E27FC236}">
+                <a16:creationId xmlns:a16="http://schemas.microsoft.com/office/drawing/2014/main" id="{012B7CA6-3299-B8BC-3AC6-2CE0678F228D}"/>
+              </a:ext>
+            </a:extLst>
+          </p:cNvPr>
+          <p:cNvSpPr txBox="1"/>
+          <p:nvPr/>
+        </p:nvSpPr>
+        <p:spPr>
+          <a:xfrm>
+            <a:off x="14889413" y="28048294"/>
+            <a:ext cx="15901579" cy="620840"/>
+          </a:xfrm>
+          <a:prstGeom prst="rect">
+            <a:avLst/>
+          </a:prstGeom>
+          <a:noFill/>
+          <a:ln>
+            <a:noFill/>
+          </a:ln>
+        </p:spPr>
+        <p:txBody>
+          <a:bodyPr wrap="square" numCol="1" rtlCol="0">
+            <a:noAutofit/>
+          </a:bodyPr>
+          <a:lstStyle/>
+          <a:p>
+            <a:pPr algn="just"/>
+            <a:r>
+              <a:rPr lang="en-GB" b="1" dirty="0">
+                <a:latin typeface="Arial" panose="020B0604020202020204" pitchFamily="34" charset="0"/>
+                <a:cs typeface="Arial" panose="020B0604020202020204" pitchFamily="34" charset="0"/>
+              </a:rPr>
+              <a:t>Figure 4</a:t>
+            </a:r>
+            <a:r>
+              <a:rPr lang="en-GB" dirty="0">
+                <a:latin typeface="Arial" panose="020B0604020202020204" pitchFamily="34" charset="0"/>
+                <a:cs typeface="Arial" panose="020B0604020202020204" pitchFamily="34" charset="0"/>
+              </a:rPr>
+              <a:t>. Results of lumped HBV model with highest NSE value. </a:t>
+            </a:r>
+          </a:p>
+        </p:txBody>
+      </p:sp>
+      <p:sp>
+        <p:nvSpPr>
+          <p:cNvPr id="32" name="Tekstvak 31">
+            <a:extLst>
+              <a:ext uri="{FF2B5EF4-FFF2-40B4-BE49-F238E27FC236}">
+                <a16:creationId xmlns:a16="http://schemas.microsoft.com/office/drawing/2014/main" id="{64B34E33-A83A-60A1-389B-67ACC97ED42B}"/>
+              </a:ext>
+            </a:extLst>
+          </p:cNvPr>
+          <p:cNvSpPr txBox="1"/>
+          <p:nvPr/>
+        </p:nvSpPr>
+        <p:spPr>
+          <a:xfrm>
+            <a:off x="30608613" y="22075565"/>
+            <a:ext cx="10836000" cy="6370975"/>
+          </a:xfrm>
+          <a:prstGeom prst="rect">
+            <a:avLst/>
+          </a:prstGeom>
+          <a:noFill/>
+        </p:spPr>
+        <p:txBody>
+          <a:bodyPr wrap="square" rtlCol="0">
+            <a:spAutoFit/>
+          </a:bodyPr>
+          <a:lstStyle/>
+          <a:p>
+            <a:pPr algn="just"/>
+            <a:r>
+              <a:rPr lang="en-GB" sz="2400" dirty="0">
+                <a:latin typeface="Arial" panose="020B0604020202020204" pitchFamily="34" charset="0"/>
+                <a:cs typeface="Arial" panose="020B0604020202020204" pitchFamily="34" charset="0"/>
+              </a:rPr>
+              <a:t>Furthermore, both models have better outcome when same parameter range is chosen for the first 20 years based on the NSE.  When run several times, the model of the past 20 years score always lower than data used from 1980 till 2000. Th uncertainty is large, but it is a remarkable observation. </a:t>
+            </a:r>
+          </a:p>
+          <a:p>
+            <a:pPr algn="just"/>
+            <a:endParaRPr lang="en-GB" sz="2400" dirty="0">
+              <a:latin typeface="Arial" panose="020B0604020202020204" pitchFamily="34" charset="0"/>
+              <a:cs typeface="Arial" panose="020B0604020202020204" pitchFamily="34" charset="0"/>
+            </a:endParaRPr>
+          </a:p>
+          <a:p>
+            <a:pPr algn="just"/>
+            <a:r>
+              <a:rPr lang="en-GB" sz="2400" dirty="0">
+                <a:latin typeface="Arial" panose="020B0604020202020204" pitchFamily="34" charset="0"/>
+                <a:cs typeface="Arial" panose="020B0604020202020204" pitchFamily="34" charset="0"/>
+              </a:rPr>
+              <a:t>To calculate both the NSE and the NSE log are used. When using NSE, the runoff is more calibrated towards the peaks, while using the log NSE the baseflow and timing is better modelled. </a:t>
+            </a:r>
+          </a:p>
+          <a:p>
+            <a:pPr algn="just"/>
+            <a:endParaRPr lang="en-GB" sz="2400" dirty="0">
+              <a:latin typeface="Arial" panose="020B0604020202020204" pitchFamily="34" charset="0"/>
+              <a:cs typeface="Arial" panose="020B0604020202020204" pitchFamily="34" charset="0"/>
+            </a:endParaRPr>
+          </a:p>
+          <a:p>
+            <a:pPr algn="just"/>
+            <a:r>
+              <a:rPr lang="en-GB" sz="2400" dirty="0">
+                <a:latin typeface="Arial" panose="020B0604020202020204" pitchFamily="34" charset="0"/>
+                <a:cs typeface="Arial" panose="020B0604020202020204" pitchFamily="34" charset="0"/>
+              </a:rPr>
+              <a:t>To improve modelling the peaks more data could be used. Further research could be done by executing multi-objective calibration. This will result in a model which both captures peaks and the base flows.  </a:t>
+            </a:r>
+          </a:p>
+          <a:p>
+            <a:pPr algn="just"/>
+            <a:endParaRPr lang="en-GB" sz="2400" dirty="0">
+              <a:latin typeface="Arial" panose="020B0604020202020204" pitchFamily="34" charset="0"/>
+              <a:cs typeface="Arial" panose="020B0604020202020204" pitchFamily="34" charset="0"/>
+            </a:endParaRPr>
+          </a:p>
+          <a:p>
+            <a:pPr algn="just"/>
+            <a:r>
+              <a:rPr lang="en-GB" sz="2400" dirty="0">
+                <a:latin typeface="Arial" panose="020B0604020202020204" pitchFamily="34" charset="0"/>
+                <a:cs typeface="Arial" panose="020B0604020202020204" pitchFamily="34" charset="0"/>
+              </a:rPr>
+              <a:t>In this project, the model with highest NSE is chosen, while in practice this could not be the most useful model. Further research could be done by using generalized likelihood uncertainty estimation. Here, the NSE values are weighted and so are multiple solutions taken into account. </a:t>
+            </a:r>
+          </a:p>
+        </p:txBody>
+      </p:sp>
+      <p:sp>
+        <p:nvSpPr>
+          <p:cNvPr id="35" name="Ovaal 34">
+            <a:extLst>
+              <a:ext uri="{FF2B5EF4-FFF2-40B4-BE49-F238E27FC236}">
+                <a16:creationId xmlns:a16="http://schemas.microsoft.com/office/drawing/2014/main" id="{DB860D82-F6C9-9592-9966-2C453582957E}"/>
+              </a:ext>
+            </a:extLst>
+          </p:cNvPr>
+          <p:cNvSpPr/>
+          <p:nvPr/>
+        </p:nvSpPr>
+        <p:spPr>
+          <a:xfrm>
+            <a:off x="35606736" y="19549871"/>
+            <a:ext cx="1170432" cy="868461"/>
+          </a:xfrm>
+          <a:prstGeom prst="ellipse">
+            <a:avLst/>
+          </a:prstGeom>
+          <a:noFill/>
+          <a:ln w="57150">
+            <a:solidFill>
+              <a:srgbClr val="FF0000"/>
+            </a:solidFill>
+          </a:ln>
+        </p:spPr>
+        <p:style>
+          <a:lnRef idx="2">
+            <a:schemeClr val="accent1">
+              <a:shade val="50000"/>
+            </a:schemeClr>
+          </a:lnRef>
+          <a:fillRef idx="1">
+            <a:schemeClr val="accent1"/>
+          </a:fillRef>
+          <a:effectRef idx="0">
+            <a:schemeClr val="accent1"/>
+          </a:effectRef>
+          <a:fontRef idx="minor">
+            <a:schemeClr val="lt1"/>
+          </a:fontRef>
+        </p:style>
+        <p:txBody>
+          <a:bodyPr rtlCol="0" anchor="ctr"/>
+          <a:lstStyle/>
+          <a:p>
+            <a:pPr algn="ctr"/>
+            <a:endParaRPr lang="nl-NL"/>
           </a:p>
         </p:txBody>
       </p:sp>

--- a/Poster/Poster.pptx
+++ b/Poster/Poster.pptx
@@ -4735,27 +4735,20 @@
             </a:pPr>
             <a:r>
               <a:rPr lang="en-GB" sz="8000" b="1" dirty="0">
-                <a:latin typeface="Arial" panose="020B0604020202020204" pitchFamily="34" charset="0"/>
-                <a:cs typeface="Arial" panose="020B0604020202020204" pitchFamily="34" charset="0"/>
-              </a:rPr>
-              <a:t>Modelled </a:t>
-            </a:r>
-            <a:r>
-              <a:rPr lang="en-GB" sz="8000" b="1" dirty="0">
                 <a:solidFill>
                   <a:srgbClr val="00A6D6"/>
                 </a:solidFill>
                 <a:latin typeface="Arial" panose="020B0604020202020204" pitchFamily="34" charset="0"/>
                 <a:cs typeface="Arial" panose="020B0604020202020204" pitchFamily="34" charset="0"/>
               </a:rPr>
-              <a:t>Water</a:t>
+              <a:t>Conceptual</a:t>
             </a:r>
             <a:r>
               <a:rPr lang="en-GB" sz="8000" b="1" dirty="0">
                 <a:latin typeface="Arial" panose="020B0604020202020204" pitchFamily="34" charset="0"/>
                 <a:cs typeface="Arial" panose="020B0604020202020204" pitchFamily="34" charset="0"/>
               </a:rPr>
-              <a:t> Cycle of the </a:t>
+              <a:t> model of the </a:t>
             </a:r>
             <a:r>
               <a:rPr lang="en-GB" sz="8000" b="1" dirty="0">

--- a/Poster/Poster.pptx
+++ b/Poster/Poster.pptx
@@ -1057,7 +1057,7 @@
           <a:p>
             <a:fld id="{26FDFB3E-19C4-4117-A6C3-3DCDA680D6AE}" type="datetimeFigureOut">
               <a:rPr lang="en-NL" smtClean="0"/>
-              <a:t>04/16/2023</a:t>
+              <a:t>16/04/2023</a:t>
             </a:fld>
             <a:endParaRPr lang="en-NL"/>
           </a:p>
@@ -1216,7 +1216,7 @@
           <a:p>
             <a:fld id="{C73B8168-FC62-464C-9AD9-7C7DFCB5AB14}" type="slidenum">
               <a:rPr lang="en-NL" smtClean="0"/>
-              <a:t>‹nr.›</a:t>
+              <a:t>‹#›</a:t>
             </a:fld>
             <a:endParaRPr lang="en-NL"/>
           </a:p>
@@ -1582,7 +1582,7 @@
           <a:p>
             <a:fld id="{A8C721A8-0FC4-4D74-9D1D-FEFB5425F115}" type="slidenum">
               <a:rPr lang="nl-NL" smtClean="0"/>
-              <a:t>‹nr.›</a:t>
+              <a:t>‹#›</a:t>
             </a:fld>
             <a:endParaRPr lang="nl-NL"/>
           </a:p>
@@ -1752,7 +1752,7 @@
           <a:p>
             <a:fld id="{A8C721A8-0FC4-4D74-9D1D-FEFB5425F115}" type="slidenum">
               <a:rPr lang="nl-NL" smtClean="0"/>
-              <a:t>‹nr.›</a:t>
+              <a:t>‹#›</a:t>
             </a:fld>
             <a:endParaRPr lang="nl-NL"/>
           </a:p>
@@ -1932,7 +1932,7 @@
           <a:p>
             <a:fld id="{A8C721A8-0FC4-4D74-9D1D-FEFB5425F115}" type="slidenum">
               <a:rPr lang="nl-NL" smtClean="0"/>
-              <a:t>‹nr.›</a:t>
+              <a:t>‹#›</a:t>
             </a:fld>
             <a:endParaRPr lang="nl-NL"/>
           </a:p>
@@ -2102,7 +2102,7 @@
           <a:p>
             <a:fld id="{A8C721A8-0FC4-4D74-9D1D-FEFB5425F115}" type="slidenum">
               <a:rPr lang="nl-NL" smtClean="0"/>
-              <a:t>‹nr.›</a:t>
+              <a:t>‹#›</a:t>
             </a:fld>
             <a:endParaRPr lang="nl-NL"/>
           </a:p>
@@ -2346,7 +2346,7 @@
           <a:p>
             <a:fld id="{A8C721A8-0FC4-4D74-9D1D-FEFB5425F115}" type="slidenum">
               <a:rPr lang="nl-NL" smtClean="0"/>
-              <a:t>‹nr.›</a:t>
+              <a:t>‹#›</a:t>
             </a:fld>
             <a:endParaRPr lang="nl-NL"/>
           </a:p>
@@ -2578,7 +2578,7 @@
           <a:p>
             <a:fld id="{A8C721A8-0FC4-4D74-9D1D-FEFB5425F115}" type="slidenum">
               <a:rPr lang="nl-NL" smtClean="0"/>
-              <a:t>‹nr.›</a:t>
+              <a:t>‹#›</a:t>
             </a:fld>
             <a:endParaRPr lang="nl-NL"/>
           </a:p>
@@ -2945,7 +2945,7 @@
           <a:p>
             <a:fld id="{A8C721A8-0FC4-4D74-9D1D-FEFB5425F115}" type="slidenum">
               <a:rPr lang="nl-NL" smtClean="0"/>
-              <a:t>‹nr.›</a:t>
+              <a:t>‹#›</a:t>
             </a:fld>
             <a:endParaRPr lang="nl-NL"/>
           </a:p>
@@ -3063,7 +3063,7 @@
           <a:p>
             <a:fld id="{A8C721A8-0FC4-4D74-9D1D-FEFB5425F115}" type="slidenum">
               <a:rPr lang="nl-NL" smtClean="0"/>
-              <a:t>‹nr.›</a:t>
+              <a:t>‹#›</a:t>
             </a:fld>
             <a:endParaRPr lang="nl-NL"/>
           </a:p>
@@ -3158,7 +3158,7 @@
           <a:p>
             <a:fld id="{A8C721A8-0FC4-4D74-9D1D-FEFB5425F115}" type="slidenum">
               <a:rPr lang="nl-NL" smtClean="0"/>
-              <a:t>‹nr.›</a:t>
+              <a:t>‹#›</a:t>
             </a:fld>
             <a:endParaRPr lang="nl-NL"/>
           </a:p>
@@ -3435,7 +3435,7 @@
           <a:p>
             <a:fld id="{A8C721A8-0FC4-4D74-9D1D-FEFB5425F115}" type="slidenum">
               <a:rPr lang="nl-NL" smtClean="0"/>
-              <a:t>‹nr.›</a:t>
+              <a:t>‹#›</a:t>
             </a:fld>
             <a:endParaRPr lang="nl-NL"/>
           </a:p>
@@ -3692,7 +3692,7 @@
           <a:p>
             <a:fld id="{A8C721A8-0FC4-4D74-9D1D-FEFB5425F115}" type="slidenum">
               <a:rPr lang="nl-NL" smtClean="0"/>
-              <a:t>‹nr.›</a:t>
+              <a:t>‹#›</a:t>
             </a:fld>
             <a:endParaRPr lang="nl-NL"/>
           </a:p>
@@ -3941,7 +3941,7 @@
           <a:p>
             <a:fld id="{A8C721A8-0FC4-4D74-9D1D-FEFB5425F115}" type="slidenum">
               <a:rPr lang="nl-NL" smtClean="0"/>
-              <a:t>‹nr.›</a:t>
+              <a:t>‹#›</a:t>
             </a:fld>
             <a:endParaRPr lang="nl-NL"/>
           </a:p>
@@ -4376,7 +4376,7 @@
       </p:grpSp>
       <p:pic>
         <p:nvPicPr>
-          <p:cNvPr id="18" name="Afbeelding 17" descr="Afbeelding met kaart&#10;&#10;Automatisch gegenereerde beschrijving">
+          <p:cNvPr id="18" name="Afbeelding 17">
             <a:extLst>
               <a:ext uri="{FF2B5EF4-FFF2-40B4-BE49-F238E27FC236}">
                 <a16:creationId xmlns:a16="http://schemas.microsoft.com/office/drawing/2014/main" id="{9E4D005D-3920-DDA8-94AA-0687811630AC}"/>
@@ -4396,14 +4396,13 @@
               </a:ext>
             </a:extLst>
           </a:blip>
-          <a:stretch>
-            <a:fillRect/>
-          </a:stretch>
+          <a:srcRect l="1102" r="1102"/>
+          <a:stretch/>
         </p:blipFill>
         <p:spPr>
           <a:xfrm>
-            <a:off x="1772472" y="5988487"/>
-            <a:ext cx="10094066" cy="7138090"/>
+            <a:off x="2305094" y="6396822"/>
+            <a:ext cx="9246636" cy="6538824"/>
           </a:xfrm>
           <a:prstGeom prst="rect">
             <a:avLst/>
@@ -4424,7 +4423,7 @@
         </p:nvGrpSpPr>
         <p:grpSpPr>
           <a:xfrm>
-            <a:off x="0" y="28386479"/>
+            <a:off x="0" y="28386954"/>
             <a:ext cx="42803763" cy="1935219"/>
             <a:chOff x="0" y="28157879"/>
             <a:chExt cx="42803763" cy="1935219"/>
@@ -4558,7 +4557,7 @@
                 <a:latin typeface="Arial" panose="020B0604020202020204" pitchFamily="34" charset="0"/>
                 <a:cs typeface="Arial" panose="020B0604020202020204" pitchFamily="34" charset="0"/>
               </a:rPr>
-              <a:t>For the precipitation data, station data is used which matches ERA5 well. The station data is averaged over the area by using Thiessen polygons. For evaporation data obtain from Global Land Evaporation Amsterdam Model (GLEAM) is used. Discharge station data is retrieved from USGS, the discharge of two stations in the lower part are added together. </a:t>
+              <a:t>For the precipitation data, station data is used which matches ERA5 well. The station data is averaged over the area by using Thiessen polygons. For evaporation data obtained from Global Land Evaporation Amsterdam Model (GLEAM) is used. Discharge station data is retrieved from USGS, the discharge of two stations in the lower part are added together. </a:t>
             </a:r>
           </a:p>
           <a:p>
@@ -4628,7 +4627,7 @@
                 <a:latin typeface="Arial" panose="020B0604020202020204" pitchFamily="34" charset="0"/>
                 <a:cs typeface="Arial" panose="020B0604020202020204" pitchFamily="34" charset="0"/>
               </a:rPr>
-              <a:t>The modelled runoff has some uncertainties due to the uncertainty in data, but also in the chosen parameters. The 8 model parameters are calibrated using Monte Carlo, trying all different combinations is very time consuming. Almost all parameters show a uniform distribution over the range against the NSE. So a parameter is easily taken for example as too low (when is practical it is higher), resulting in calibrating also the others wrong. </a:t>
+              <a:t>The modelled runoff has some uncertainties due to the uncertainty in data, but also in the chosen parameters. The 8 model parameters are calibrated using Monte Carlo, trying all different combinations is very time consuming. Almost all parameters show a uniform distribution over the range against the NSE. So a parameter is easily guessed too low. In practice these should be higher, and thus the other parameters will fit much incorrectly.</a:t>
             </a:r>
           </a:p>
           <a:p>
@@ -4638,7 +4637,7 @@
                 <a:latin typeface="Arial" panose="020B0604020202020204" pitchFamily="34" charset="0"/>
                 <a:cs typeface="Arial" panose="020B0604020202020204" pitchFamily="34" charset="0"/>
               </a:rPr>
-              <a:t>As can be seen, during the summer months the runoff is overestimated. Next to uncertainty, could the occurrence of reservoirs explain part of the overestimation. In figure 5 are the reservoirs shown which are classified in QGIS. Reservoirs are not taken into account in the model. Using a parameter in the model which reduces the fast flows in the summer, could result in a better fit.    </a:t>
+              <a:t>As can be seen, during the summer months the runoff is overestimated. Next to uncertainty, the occurrence of reservoirs could explain part of the overestimation. In figure 5 the are reservoirs shown which are classified in QGIS. Reservoirs are not taken into account in the model. Using a parameter in the model which reduces the fast flows in the summer, could result in a better fit.    </a:t>
             </a:r>
           </a:p>
           <a:p>
@@ -4840,7 +4839,7 @@
         </p:nvSpPr>
         <p:spPr>
           <a:xfrm>
-            <a:off x="1359150" y="14579295"/>
+            <a:off x="1338491" y="14659816"/>
             <a:ext cx="10835687" cy="1567872"/>
           </a:xfrm>
           <a:prstGeom prst="rect">
@@ -4882,8 +4881,8 @@
         </p:nvSpPr>
         <p:spPr>
           <a:xfrm>
-            <a:off x="1359150" y="4393221"/>
-            <a:ext cx="10836000" cy="2337953"/>
+            <a:off x="1296252" y="4396733"/>
+            <a:ext cx="11231796" cy="2337953"/>
           </a:xfrm>
           <a:prstGeom prst="rect">
             <a:avLst/>
@@ -4946,7 +4945,7 @@
                 <a:latin typeface="Arial" panose="020B0604020202020204" pitchFamily="34" charset="0"/>
                 <a:cs typeface="Arial" panose="020B0604020202020204" pitchFamily="34" charset="0"/>
               </a:rPr>
-              <a:t>. The region is showed in Figure 1. The area consists of forest, cropland and urban areas.</a:t>
+              <a:t>. The region is showed in Figure 1. The area consists mainly of forest and cropland with some urban areas.</a:t>
             </a:r>
           </a:p>
           <a:p>
@@ -5023,7 +5022,7 @@
                 <a:latin typeface="Arial" panose="020B0604020202020204" pitchFamily="34" charset="0"/>
                 <a:cs typeface="Arial" panose="020B0604020202020204" pitchFamily="34" charset="0"/>
               </a:rPr>
-              <a:t>The HBV model consists of various elements which describe different processes in the water cycle. If the air temperature is below 0.5 </a:t>
+              <a:t>The HBV model consists of various elements which describe different processes in the water cycle. If the air temperature is below -0.5 </a:t>
             </a:r>
             <a:r>
               <a:rPr lang="en-GB" sz="2400" b="0" i="0" dirty="0">
@@ -5697,7 +5696,7 @@
         </p:blipFill>
         <p:spPr>
           <a:xfrm>
-            <a:off x="14107340" y="13986113"/>
+            <a:off x="14343688" y="13955242"/>
             <a:ext cx="13893465" cy="13893465"/>
           </a:xfrm>
           <a:prstGeom prst="rect">
@@ -5869,14 +5868,14 @@
                 <a:latin typeface="Arial" panose="020B0604020202020204" pitchFamily="34" charset="0"/>
                 <a:cs typeface="Arial" panose="020B0604020202020204" pitchFamily="34" charset="0"/>
               </a:rPr>
-              <a:t>The lumped HBV model is calibrated for 8 different parameters. The data is divided into sets of 4 years, each time the parameters are calibrated and than tested over the 4 following years. The Nash–Sutcliffe model efficiency coefficient (NSE) is calculated for each calibration, the closer to 1, the higher the predictive skill. The first 1.5 year are taken as spinoff and are not taken into account in calculating the NSE. For each calibration the same range of parameters is used. As can be seen in Figure 4, the NSE is decreasing over the years. Also the NSE of the test data is in most of the cases lower, with the largest difference in the years 1980-1983 and 1984-1987.</a:t>
+              <a:t>The lumped HBV model is calibrated for 8 different parameters. The data is divided into sets of 4 years, each time the parameters are calibrated and then tested over the 4 following years. The Nash–Sutcliffe model efficiency coefficient (NSE) is calculated for each calibration, the closer to 1, the higher the predictive skill. The first 1.5 year are taken as spinoff and are not taken into account in calculating the NSE. For each calibration the same range of parameters is used. As can be seen in Figure 4, the NSE is decreasing over the years. Also the NSE of the test data is in lower in most of the cases, with the largest difference in the years 1980-1983 and 1984-1987.</a:t>
             </a:r>
           </a:p>
         </p:txBody>
       </p:sp>
       <p:pic>
         <p:nvPicPr>
-          <p:cNvPr id="7" name="Picture 6" descr="Map&#10;&#10;Description automatically generated">
+          <p:cNvPr id="7" name="Picture 6">
             <a:extLst>
               <a:ext uri="{FF2B5EF4-FFF2-40B4-BE49-F238E27FC236}">
                 <a16:creationId xmlns:a16="http://schemas.microsoft.com/office/drawing/2014/main" id="{C5836706-27F9-E918-9C36-6651B0492623}"/>
@@ -5896,14 +5895,13 @@
               </a:ext>
             </a:extLst>
           </a:blip>
-          <a:stretch>
-            <a:fillRect/>
-          </a:stretch>
+          <a:srcRect/>
+          <a:stretch/>
         </p:blipFill>
         <p:spPr>
           <a:xfrm>
             <a:off x="31252033" y="8672604"/>
-            <a:ext cx="9388719" cy="7041539"/>
+            <a:ext cx="9388718" cy="7041539"/>
           </a:xfrm>
           <a:prstGeom prst="rect">
             <a:avLst/>
@@ -5912,7 +5910,7 @@
       </p:pic>
       <p:pic>
         <p:nvPicPr>
-          <p:cNvPr id="23" name="Picture 22" descr="A picture containing histogram&#10;&#10;Description automatically generated">
+          <p:cNvPr id="23" name="Picture 22">
             <a:extLst>
               <a:ext uri="{FF2B5EF4-FFF2-40B4-BE49-F238E27FC236}">
                 <a16:creationId xmlns:a16="http://schemas.microsoft.com/office/drawing/2014/main" id="{ADE426D4-03FF-DDF0-53FD-62D6C8188B96}"/>
@@ -5932,14 +5930,13 @@
               </a:ext>
             </a:extLst>
           </a:blip>
-          <a:stretch>
-            <a:fillRect/>
-          </a:stretch>
+          <a:srcRect/>
+          <a:stretch/>
         </p:blipFill>
         <p:spPr>
           <a:xfrm>
-            <a:off x="13180547" y="5655167"/>
-            <a:ext cx="16068666" cy="4017167"/>
+            <a:off x="13369879" y="5655167"/>
+            <a:ext cx="16068668" cy="4017167"/>
           </a:xfrm>
           <a:prstGeom prst="rect">
             <a:avLst/>
@@ -5960,8 +5957,8 @@
         </p:nvSpPr>
         <p:spPr>
           <a:xfrm>
-            <a:off x="2096852" y="12969308"/>
-            <a:ext cx="9915920" cy="620840"/>
+            <a:off x="1409210" y="13020101"/>
+            <a:ext cx="10603562" cy="620840"/>
           </a:xfrm>
           <a:prstGeom prst="rect">
             <a:avLst/>
@@ -6127,7 +6124,7 @@
                 <a:latin typeface="Arial" panose="020B0604020202020204" pitchFamily="34" charset="0"/>
                 <a:cs typeface="Arial" panose="020B0604020202020204" pitchFamily="34" charset="0"/>
               </a:rPr>
-              <a:t>Next to this, the distributed model under estimates the discharge during snowfall. The data is taken as average throughout the basin, but in practice it is a heterogenic area. For the distributed  model, 21 parameters are needed. This leads to too much uncertainty to use the model for predictions. </a:t>
+              <a:t>Besides this, the distributed model underestimates the discharge during snowfall. The data is taken as average throughout the basin, but in practice it is a heterogenic area. For the distributed  model, 21 parameters are needed. This leads to too much uncertainty to use the model for predictions. </a:t>
             </a:r>
           </a:p>
           <a:p>
@@ -6274,7 +6271,7 @@
                 <a:latin typeface="Arial" panose="020B0604020202020204" pitchFamily="34" charset="0"/>
                 <a:cs typeface="Arial" panose="020B0604020202020204" pitchFamily="34" charset="0"/>
               </a:rPr>
-              <a:t>Furthermore, both models have better outcome when same parameter range is chosen for the first 20 years based on the NSE.  When run several times, the model of the past 20 years score always lower than data used from 1980 till 2000. Th uncertainty is large, but it is a remarkable observation. </a:t>
+              <a:t>Furthermore, both models have better outcomes when the same parameter range is chosen for the first 20 years based on the NSE.  When run several times, the models of the past 20 years always score lower than data used from 1980 till 2000. The uncertainty is large, but it is a remarkable observation. </a:t>
             </a:r>
           </a:p>
           <a:p>
@@ -6291,7 +6288,7 @@
                 <a:latin typeface="Arial" panose="020B0604020202020204" pitchFamily="34" charset="0"/>
                 <a:cs typeface="Arial" panose="020B0604020202020204" pitchFamily="34" charset="0"/>
               </a:rPr>
-              <a:t>To calculate both the NSE and the NSE log are used. When using NSE, the runoff is more calibrated towards the peaks, while using the log NSE the baseflow and timing is better modelled. </a:t>
+              <a:t>To calculate both the NSE and the NSE log are used. When using NSE, the runoff is calibrated more towards the peaks, while using the log NSE the baseflow and timing is better modelled. </a:t>
             </a:r>
           </a:p>
           <a:p>
@@ -6325,7 +6322,7 @@
                 <a:latin typeface="Arial" panose="020B0604020202020204" pitchFamily="34" charset="0"/>
                 <a:cs typeface="Arial" panose="020B0604020202020204" pitchFamily="34" charset="0"/>
               </a:rPr>
-              <a:t>In this project, the model with highest NSE is chosen, while in practice this could not be the most useful model. Further research could be done by using generalized likelihood uncertainty estimation. Here, the NSE values are weighted and so are multiple solutions taken into account. </a:t>
+              <a:t>In this project, the model with highest NSE is chosen, while in practice this could not be the most useful model. Further research could be done by using generalized likelihood uncertainty estimation. Here, the NSE values are weighted and so multiple solutions are taken into account. </a:t>
             </a:r>
           </a:p>
         </p:txBody>
@@ -6379,6 +6376,165 @@
           <a:p>
             <a:pPr algn="ctr"/>
             <a:endParaRPr lang="nl-NL"/>
+          </a:p>
+        </p:txBody>
+      </p:sp>
+      <p:pic>
+        <p:nvPicPr>
+          <p:cNvPr id="40" name="Picture 39" descr="Qr code&#10;&#10;Description automatically generated">
+            <a:extLst>
+              <a:ext uri="{FF2B5EF4-FFF2-40B4-BE49-F238E27FC236}">
+                <a16:creationId xmlns:a16="http://schemas.microsoft.com/office/drawing/2014/main" id="{A3B80063-6965-ED32-D3E9-91A90FF637CE}"/>
+              </a:ext>
+            </a:extLst>
+          </p:cNvPr>
+          <p:cNvPicPr>
+            <a:picLocks noChangeAspect="1"/>
+          </p:cNvPicPr>
+          <p:nvPr/>
+        </p:nvPicPr>
+        <p:blipFill rotWithShape="1">
+          <a:blip r:embed="rId10">
+            <a:extLst>
+              <a:ext uri="{28A0092B-C50C-407E-A947-70E740481C1C}">
+                <a14:useLocalDpi xmlns:a14="http://schemas.microsoft.com/office/drawing/2010/main" val="0"/>
+              </a:ext>
+            </a:extLst>
+          </a:blip>
+          <a:srcRect l="6953" t="7388" r="7370" b="7680"/>
+          <a:stretch/>
+        </p:blipFill>
+        <p:spPr>
+          <a:xfrm>
+            <a:off x="2591399" y="28496786"/>
+            <a:ext cx="1275556" cy="1264444"/>
+          </a:xfrm>
+          <a:prstGeom prst="rect">
+            <a:avLst/>
+          </a:prstGeom>
+        </p:spPr>
+      </p:pic>
+      <p:sp>
+        <p:nvSpPr>
+          <p:cNvPr id="41" name="Tekstvak 24">
+            <a:extLst>
+              <a:ext uri="{FF2B5EF4-FFF2-40B4-BE49-F238E27FC236}">
+                <a16:creationId xmlns:a16="http://schemas.microsoft.com/office/drawing/2014/main" id="{4C59F3AC-D06B-552B-B2E5-A7C4081348A6}"/>
+              </a:ext>
+            </a:extLst>
+          </p:cNvPr>
+          <p:cNvSpPr txBox="1"/>
+          <p:nvPr/>
+        </p:nvSpPr>
+        <p:spPr>
+          <a:xfrm>
+            <a:off x="1296252" y="28485580"/>
+            <a:ext cx="1347388" cy="1286988"/>
+          </a:xfrm>
+          <a:prstGeom prst="rect">
+            <a:avLst/>
+          </a:prstGeom>
+          <a:noFill/>
+          <a:ln>
+            <a:noFill/>
+          </a:ln>
+        </p:spPr>
+        <p:txBody>
+          <a:bodyPr wrap="square" numCol="1" rtlCol="0">
+            <a:noAutofit/>
+          </a:bodyPr>
+          <a:lstStyle/>
+          <a:p>
+            <a:r>
+              <a:rPr lang="en-GB" dirty="0">
+                <a:solidFill>
+                  <a:schemeClr val="bg1"/>
+                </a:solidFill>
+                <a:latin typeface="Arial" panose="020B0604020202020204" pitchFamily="34" charset="0"/>
+                <a:cs typeface="Arial" panose="020B0604020202020204" pitchFamily="34" charset="0"/>
+              </a:rPr>
+              <a:t>All data and code available on GitHub</a:t>
+            </a:r>
+          </a:p>
+        </p:txBody>
+      </p:sp>
+      <p:pic>
+        <p:nvPicPr>
+          <p:cNvPr id="43" name="Picture 42" descr="Icon&#10;&#10;Description automatically generated">
+            <a:extLst>
+              <a:ext uri="{FF2B5EF4-FFF2-40B4-BE49-F238E27FC236}">
+                <a16:creationId xmlns:a16="http://schemas.microsoft.com/office/drawing/2014/main" id="{7F88CDC1-2A80-1159-716C-9E36B095D529}"/>
+              </a:ext>
+            </a:extLst>
+          </p:cNvPr>
+          <p:cNvPicPr>
+            <a:picLocks noChangeAspect="1"/>
+          </p:cNvPicPr>
+          <p:nvPr/>
+        </p:nvPicPr>
+        <p:blipFill>
+          <a:blip r:embed="rId11">
+            <a:extLst>
+              <a:ext uri="{28A0092B-C50C-407E-A947-70E740481C1C}">
+                <a14:useLocalDpi xmlns:a14="http://schemas.microsoft.com/office/drawing/2010/main" val="0"/>
+              </a:ext>
+            </a:extLst>
+          </a:blip>
+          <a:stretch>
+            <a:fillRect/>
+          </a:stretch>
+        </p:blipFill>
+        <p:spPr>
+          <a:xfrm>
+            <a:off x="-169874" y="28286904"/>
+            <a:ext cx="1706883" cy="1706883"/>
+          </a:xfrm>
+          <a:prstGeom prst="rect">
+            <a:avLst/>
+          </a:prstGeom>
+        </p:spPr>
+      </p:pic>
+      <p:sp>
+        <p:nvSpPr>
+          <p:cNvPr id="44" name="Tekstvak 24">
+            <a:extLst>
+              <a:ext uri="{FF2B5EF4-FFF2-40B4-BE49-F238E27FC236}">
+                <a16:creationId xmlns:a16="http://schemas.microsoft.com/office/drawing/2014/main" id="{4FB4BCA5-DD3A-FCBB-712A-F13B819B56F6}"/>
+              </a:ext>
+            </a:extLst>
+          </p:cNvPr>
+          <p:cNvSpPr txBox="1"/>
+          <p:nvPr/>
+        </p:nvSpPr>
+        <p:spPr>
+          <a:xfrm>
+            <a:off x="37255449" y="29327844"/>
+            <a:ext cx="1857623" cy="433386"/>
+          </a:xfrm>
+          <a:prstGeom prst="rect">
+            <a:avLst/>
+          </a:prstGeom>
+          <a:noFill/>
+          <a:ln>
+            <a:noFill/>
+          </a:ln>
+        </p:spPr>
+        <p:txBody>
+          <a:bodyPr wrap="square" numCol="1" rtlCol="0">
+            <a:noAutofit/>
+          </a:bodyPr>
+          <a:lstStyle/>
+          <a:p>
+            <a:r>
+              <a:rPr lang="en-GB" dirty="0">
+                <a:solidFill>
+                  <a:schemeClr val="bg1"/>
+                </a:solidFill>
+                <a:latin typeface="Arial" panose="020B0604020202020204" pitchFamily="34" charset="0"/>
+                <a:cs typeface="Arial" panose="020B0604020202020204" pitchFamily="34" charset="0"/>
+              </a:rPr>
+              <a:t>Msc ENVM1520</a:t>
+            </a:r>
           </a:p>
         </p:txBody>
       </p:sp>

--- a/Poster/Poster.pptx
+++ b/Poster/Poster.pptx
@@ -1057,7 +1057,7 @@
           <a:p>
             <a:fld id="{26FDFB3E-19C4-4117-A6C3-3DCDA680D6AE}" type="datetimeFigureOut">
               <a:rPr lang="en-NL" smtClean="0"/>
-              <a:t>16/04/2023</a:t>
+              <a:t>04/17/2023</a:t>
             </a:fld>
             <a:endParaRPr lang="en-NL"/>
           </a:p>
@@ -1216,7 +1216,7 @@
           <a:p>
             <a:fld id="{C73B8168-FC62-464C-9AD9-7C7DFCB5AB14}" type="slidenum">
               <a:rPr lang="en-NL" smtClean="0"/>
-              <a:t>‹#›</a:t>
+              <a:t>‹nr.›</a:t>
             </a:fld>
             <a:endParaRPr lang="en-NL"/>
           </a:p>
@@ -1540,7 +1540,7 @@
           <a:p>
             <a:fld id="{207FE49C-52BE-48D3-BA01-22E72B34DE45}" type="datetimeFigureOut">
               <a:rPr lang="nl-NL" smtClean="0"/>
-              <a:t>16-4-2023</a:t>
+              <a:t>17-4-2023</a:t>
             </a:fld>
             <a:endParaRPr lang="nl-NL"/>
           </a:p>
@@ -1582,7 +1582,7 @@
           <a:p>
             <a:fld id="{A8C721A8-0FC4-4D74-9D1D-FEFB5425F115}" type="slidenum">
               <a:rPr lang="nl-NL" smtClean="0"/>
-              <a:t>‹#›</a:t>
+              <a:t>‹nr.›</a:t>
             </a:fld>
             <a:endParaRPr lang="nl-NL"/>
           </a:p>
@@ -1710,7 +1710,7 @@
           <a:p>
             <a:fld id="{207FE49C-52BE-48D3-BA01-22E72B34DE45}" type="datetimeFigureOut">
               <a:rPr lang="nl-NL" smtClean="0"/>
-              <a:t>16-4-2023</a:t>
+              <a:t>17-4-2023</a:t>
             </a:fld>
             <a:endParaRPr lang="nl-NL"/>
           </a:p>
@@ -1752,7 +1752,7 @@
           <a:p>
             <a:fld id="{A8C721A8-0FC4-4D74-9D1D-FEFB5425F115}" type="slidenum">
               <a:rPr lang="nl-NL" smtClean="0"/>
-              <a:t>‹#›</a:t>
+              <a:t>‹nr.›</a:t>
             </a:fld>
             <a:endParaRPr lang="nl-NL"/>
           </a:p>
@@ -1890,7 +1890,7 @@
           <a:p>
             <a:fld id="{207FE49C-52BE-48D3-BA01-22E72B34DE45}" type="datetimeFigureOut">
               <a:rPr lang="nl-NL" smtClean="0"/>
-              <a:t>16-4-2023</a:t>
+              <a:t>17-4-2023</a:t>
             </a:fld>
             <a:endParaRPr lang="nl-NL"/>
           </a:p>
@@ -1932,7 +1932,7 @@
           <a:p>
             <a:fld id="{A8C721A8-0FC4-4D74-9D1D-FEFB5425F115}" type="slidenum">
               <a:rPr lang="nl-NL" smtClean="0"/>
-              <a:t>‹#›</a:t>
+              <a:t>‹nr.›</a:t>
             </a:fld>
             <a:endParaRPr lang="nl-NL"/>
           </a:p>
@@ -2060,7 +2060,7 @@
           <a:p>
             <a:fld id="{207FE49C-52BE-48D3-BA01-22E72B34DE45}" type="datetimeFigureOut">
               <a:rPr lang="nl-NL" smtClean="0"/>
-              <a:t>16-4-2023</a:t>
+              <a:t>17-4-2023</a:t>
             </a:fld>
             <a:endParaRPr lang="nl-NL"/>
           </a:p>
@@ -2102,7 +2102,7 @@
           <a:p>
             <a:fld id="{A8C721A8-0FC4-4D74-9D1D-FEFB5425F115}" type="slidenum">
               <a:rPr lang="nl-NL" smtClean="0"/>
-              <a:t>‹#›</a:t>
+              <a:t>‹nr.›</a:t>
             </a:fld>
             <a:endParaRPr lang="nl-NL"/>
           </a:p>
@@ -2304,7 +2304,7 @@
           <a:p>
             <a:fld id="{207FE49C-52BE-48D3-BA01-22E72B34DE45}" type="datetimeFigureOut">
               <a:rPr lang="nl-NL" smtClean="0"/>
-              <a:t>16-4-2023</a:t>
+              <a:t>17-4-2023</a:t>
             </a:fld>
             <a:endParaRPr lang="nl-NL"/>
           </a:p>
@@ -2346,7 +2346,7 @@
           <a:p>
             <a:fld id="{A8C721A8-0FC4-4D74-9D1D-FEFB5425F115}" type="slidenum">
               <a:rPr lang="nl-NL" smtClean="0"/>
-              <a:t>‹#›</a:t>
+              <a:t>‹nr.›</a:t>
             </a:fld>
             <a:endParaRPr lang="nl-NL"/>
           </a:p>
@@ -2536,7 +2536,7 @@
           <a:p>
             <a:fld id="{207FE49C-52BE-48D3-BA01-22E72B34DE45}" type="datetimeFigureOut">
               <a:rPr lang="nl-NL" smtClean="0"/>
-              <a:t>16-4-2023</a:t>
+              <a:t>17-4-2023</a:t>
             </a:fld>
             <a:endParaRPr lang="nl-NL"/>
           </a:p>
@@ -2578,7 +2578,7 @@
           <a:p>
             <a:fld id="{A8C721A8-0FC4-4D74-9D1D-FEFB5425F115}" type="slidenum">
               <a:rPr lang="nl-NL" smtClean="0"/>
-              <a:t>‹#›</a:t>
+              <a:t>‹nr.›</a:t>
             </a:fld>
             <a:endParaRPr lang="nl-NL"/>
           </a:p>
@@ -2903,7 +2903,7 @@
           <a:p>
             <a:fld id="{207FE49C-52BE-48D3-BA01-22E72B34DE45}" type="datetimeFigureOut">
               <a:rPr lang="nl-NL" smtClean="0"/>
-              <a:t>16-4-2023</a:t>
+              <a:t>17-4-2023</a:t>
             </a:fld>
             <a:endParaRPr lang="nl-NL"/>
           </a:p>
@@ -2945,7 +2945,7 @@
           <a:p>
             <a:fld id="{A8C721A8-0FC4-4D74-9D1D-FEFB5425F115}" type="slidenum">
               <a:rPr lang="nl-NL" smtClean="0"/>
-              <a:t>‹#›</a:t>
+              <a:t>‹nr.›</a:t>
             </a:fld>
             <a:endParaRPr lang="nl-NL"/>
           </a:p>
@@ -3021,7 +3021,7 @@
           <a:p>
             <a:fld id="{207FE49C-52BE-48D3-BA01-22E72B34DE45}" type="datetimeFigureOut">
               <a:rPr lang="nl-NL" smtClean="0"/>
-              <a:t>16-4-2023</a:t>
+              <a:t>17-4-2023</a:t>
             </a:fld>
             <a:endParaRPr lang="nl-NL"/>
           </a:p>
@@ -3063,7 +3063,7 @@
           <a:p>
             <a:fld id="{A8C721A8-0FC4-4D74-9D1D-FEFB5425F115}" type="slidenum">
               <a:rPr lang="nl-NL" smtClean="0"/>
-              <a:t>‹#›</a:t>
+              <a:t>‹nr.›</a:t>
             </a:fld>
             <a:endParaRPr lang="nl-NL"/>
           </a:p>
@@ -3116,7 +3116,7 @@
           <a:p>
             <a:fld id="{207FE49C-52BE-48D3-BA01-22E72B34DE45}" type="datetimeFigureOut">
               <a:rPr lang="nl-NL" smtClean="0"/>
-              <a:t>16-4-2023</a:t>
+              <a:t>17-4-2023</a:t>
             </a:fld>
             <a:endParaRPr lang="nl-NL"/>
           </a:p>
@@ -3158,7 +3158,7 @@
           <a:p>
             <a:fld id="{A8C721A8-0FC4-4D74-9D1D-FEFB5425F115}" type="slidenum">
               <a:rPr lang="nl-NL" smtClean="0"/>
-              <a:t>‹#›</a:t>
+              <a:t>‹nr.›</a:t>
             </a:fld>
             <a:endParaRPr lang="nl-NL"/>
           </a:p>
@@ -3393,7 +3393,7 @@
           <a:p>
             <a:fld id="{207FE49C-52BE-48D3-BA01-22E72B34DE45}" type="datetimeFigureOut">
               <a:rPr lang="nl-NL" smtClean="0"/>
-              <a:t>16-4-2023</a:t>
+              <a:t>17-4-2023</a:t>
             </a:fld>
             <a:endParaRPr lang="nl-NL"/>
           </a:p>
@@ -3435,7 +3435,7 @@
           <a:p>
             <a:fld id="{A8C721A8-0FC4-4D74-9D1D-FEFB5425F115}" type="slidenum">
               <a:rPr lang="nl-NL" smtClean="0"/>
-              <a:t>‹#›</a:t>
+              <a:t>‹nr.›</a:t>
             </a:fld>
             <a:endParaRPr lang="nl-NL"/>
           </a:p>
@@ -3650,7 +3650,7 @@
           <a:p>
             <a:fld id="{207FE49C-52BE-48D3-BA01-22E72B34DE45}" type="datetimeFigureOut">
               <a:rPr lang="nl-NL" smtClean="0"/>
-              <a:t>16-4-2023</a:t>
+              <a:t>17-4-2023</a:t>
             </a:fld>
             <a:endParaRPr lang="nl-NL"/>
           </a:p>
@@ -3692,7 +3692,7 @@
           <a:p>
             <a:fld id="{A8C721A8-0FC4-4D74-9D1D-FEFB5425F115}" type="slidenum">
               <a:rPr lang="nl-NL" smtClean="0"/>
-              <a:t>‹#›</a:t>
+              <a:t>‹nr.›</a:t>
             </a:fld>
             <a:endParaRPr lang="nl-NL"/>
           </a:p>
@@ -3863,7 +3863,7 @@
           <a:p>
             <a:fld id="{207FE49C-52BE-48D3-BA01-22E72B34DE45}" type="datetimeFigureOut">
               <a:rPr lang="nl-NL" smtClean="0"/>
-              <a:t>16-4-2023</a:t>
+              <a:t>17-4-2023</a:t>
             </a:fld>
             <a:endParaRPr lang="nl-NL"/>
           </a:p>
@@ -3941,7 +3941,7 @@
           <a:p>
             <a:fld id="{A8C721A8-0FC4-4D74-9D1D-FEFB5425F115}" type="slidenum">
               <a:rPr lang="nl-NL" smtClean="0"/>
-              <a:t>‹#›</a:t>
+              <a:t>‹nr.›</a:t>
             </a:fld>
             <a:endParaRPr lang="nl-NL"/>
           </a:p>
@@ -4917,14 +4917,28 @@
                 <a:latin typeface="Arial" panose="020B0604020202020204" pitchFamily="34" charset="0"/>
                 <a:cs typeface="Arial" panose="020B0604020202020204" pitchFamily="34" charset="0"/>
               </a:rPr>
-              <a:t>. The lower part of the basin is an estuary. As the river in the lower part is influenced by the sea, only the Northern region is taken into account with an area of </a:t>
+              <a:t>. The lower part of the basin is an estuary. As the river in the lower part is influenced by the sea, only the Northern region is taken into account with an area of</a:t>
             </a:r>
             <a:r>
               <a:rPr lang="en-GB" sz="2400" b="1" dirty="0">
                 <a:latin typeface="Arial" panose="020B0604020202020204" pitchFamily="34" charset="0"/>
                 <a:cs typeface="Arial" panose="020B0604020202020204" pitchFamily="34" charset="0"/>
               </a:rPr>
-              <a:t>20,000 </a:t>
+              <a:t> </a:t>
+            </a:r>
+            <a:r>
+              <a:rPr lang="en-GB" sz="2400" dirty="0">
+                <a:latin typeface="Arial" panose="020B0604020202020204" pitchFamily="34" charset="0"/>
+                <a:cs typeface="Arial" panose="020B0604020202020204" pitchFamily="34" charset="0"/>
+              </a:rPr>
+              <a:t>21,000</a:t>
+            </a:r>
+            <a:r>
+              <a:rPr lang="en-GB" sz="2400" b="1" dirty="0">
+                <a:latin typeface="Arial" panose="020B0604020202020204" pitchFamily="34" charset="0"/>
+                <a:cs typeface="Arial" panose="020B0604020202020204" pitchFamily="34" charset="0"/>
+              </a:rPr>
+              <a:t> </a:t>
             </a:r>
             <a:r>
               <a:rPr lang="en-GB" sz="2400" dirty="0">

--- a/Poster/Poster.pptx
+++ b/Poster/Poster.pptx
@@ -5704,14 +5704,13 @@
               </a:ext>
             </a:extLst>
           </a:blip>
-          <a:stretch>
-            <a:fillRect/>
-          </a:stretch>
+          <a:srcRect/>
+          <a:stretch/>
         </p:blipFill>
         <p:spPr>
           <a:xfrm>
-            <a:off x="14343688" y="13955242"/>
-            <a:ext cx="13893465" cy="13893465"/>
+            <a:off x="14314873" y="13517277"/>
+            <a:ext cx="14174016" cy="14436326"/>
           </a:xfrm>
           <a:prstGeom prst="rect">
             <a:avLst/>
@@ -5971,7 +5970,7 @@
         </p:nvSpPr>
         <p:spPr>
           <a:xfrm>
-            <a:off x="1409210" y="13020101"/>
+            <a:off x="2250610" y="12989784"/>
             <a:ext cx="10603562" cy="620840"/>
           </a:xfrm>
           <a:prstGeom prst="rect">
@@ -6069,7 +6068,7 @@
         </p:nvSpPr>
         <p:spPr>
           <a:xfrm>
-            <a:off x="2096852" y="27764727"/>
+            <a:off x="1830666" y="27737874"/>
             <a:ext cx="9915920" cy="620840"/>
           </a:xfrm>
           <a:prstGeom prst="rect">
@@ -6216,7 +6215,7 @@
         </p:nvSpPr>
         <p:spPr>
           <a:xfrm>
-            <a:off x="14889413" y="28048294"/>
+            <a:off x="14420157" y="28048294"/>
             <a:ext cx="15901579" cy="620840"/>
           </a:xfrm>
           <a:prstGeom prst="rect">
@@ -6246,7 +6245,7 @@
                 <a:latin typeface="Arial" panose="020B0604020202020204" pitchFamily="34" charset="0"/>
                 <a:cs typeface="Arial" panose="020B0604020202020204" pitchFamily="34" charset="0"/>
               </a:rPr>
-              <a:t>. Results of lumped HBV model with highest NSE value. </a:t>
+              <a:t>. Results of lumped HBV model with highest NSE value after 100,000 Monte Carlo Iterations. </a:t>
             </a:r>
           </a:p>
         </p:txBody>
